--- a/PLP Standard Pitch Deck_Given_Teboho_Ikaneng.pptx
+++ b/PLP Standard Pitch Deck_Given_Teboho_Ikaneng.pptx
@@ -5,22 +5,21 @@
     <p:sldMasterId id="2147483648" r:id="rId1"/>
   </p:sldMasterIdLst>
   <p:sldIdLst>
-    <p:sldId id="256" r:id="rId2"/>
-    <p:sldId id="257" r:id="rId3"/>
-    <p:sldId id="258" r:id="rId4"/>
-    <p:sldId id="259" r:id="rId5"/>
-    <p:sldId id="260" r:id="rId6"/>
-    <p:sldId id="261" r:id="rId7"/>
-    <p:sldId id="262" r:id="rId8"/>
-    <p:sldId id="263" r:id="rId9"/>
-    <p:sldId id="264" r:id="rId10"/>
-    <p:sldId id="265" r:id="rId11"/>
-    <p:sldId id="266" r:id="rId12"/>
-    <p:sldId id="267" r:id="rId13"/>
-    <p:sldId id="268" r:id="rId14"/>
-    <p:sldId id="269" r:id="rId15"/>
-    <p:sldId id="270" r:id="rId16"/>
-    <p:sldId id="271" r:id="rId17"/>
+    <p:sldId id="257" r:id="rId2"/>
+    <p:sldId id="258" r:id="rId3"/>
+    <p:sldId id="259" r:id="rId4"/>
+    <p:sldId id="260" r:id="rId5"/>
+    <p:sldId id="261" r:id="rId6"/>
+    <p:sldId id="262" r:id="rId7"/>
+    <p:sldId id="263" r:id="rId8"/>
+    <p:sldId id="264" r:id="rId9"/>
+    <p:sldId id="265" r:id="rId10"/>
+    <p:sldId id="266" r:id="rId11"/>
+    <p:sldId id="267" r:id="rId12"/>
+    <p:sldId id="268" r:id="rId13"/>
+    <p:sldId id="269" r:id="rId14"/>
+    <p:sldId id="270" r:id="rId15"/>
+    <p:sldId id="271" r:id="rId16"/>
   </p:sldIdLst>
   <p:sldSz cx="18288000" cy="10287000"/>
   <p:notesSz cx="18288000" cy="10287000"/>
@@ -2055,7 +2054,7 @@
 </file>
 
 <file path=ppt/slides/slide1.xml><?xml version="1.0" encoding="utf-8"?>
-<p:sld xmlns:a="http://schemas.openxmlformats.org/drawingml/2006/main" xmlns:r="http://schemas.openxmlformats.org/officeDocument/2006/relationships" xmlns:p="http://schemas.openxmlformats.org/presentationml/2006/main" showMasterSp="0">
+<p:sld xmlns:a="http://schemas.openxmlformats.org/drawingml/2006/main" xmlns:r="http://schemas.openxmlformats.org/officeDocument/2006/relationships" xmlns:p="http://schemas.openxmlformats.org/presentationml/2006/main">
   <p:cSld>
     <p:spTree>
       <p:nvGrpSpPr>
@@ -2079,8 +2078,57 @@
         </p:nvSpPr>
         <p:spPr>
           <a:xfrm>
-            <a:off x="17523728" y="9481161"/>
-            <a:ext cx="338455" cy="360680"/>
+            <a:off x="1016000" y="4010088"/>
+            <a:ext cx="6796405" cy="4326826"/>
+          </a:xfrm>
+          <a:prstGeom prst="rect">
+            <a:avLst/>
+          </a:prstGeom>
+        </p:spPr>
+        <p:txBody>
+          <a:bodyPr vert="horz" wrap="square" lIns="0" tIns="220980" rIns="0" bIns="0" rtlCol="0">
+            <a:spAutoFit/>
+          </a:bodyPr>
+          <a:lstStyle/>
+          <a:p>
+            <a:pPr marL="12700" marR="5080">
+              <a:lnSpc>
+                <a:spcPts val="7950"/>
+              </a:lnSpc>
+              <a:spcBef>
+                <a:spcPts val="1740"/>
+              </a:spcBef>
+            </a:pPr>
+            <a:r>
+              <a:rPr lang="en-ZA" sz="8000" b="1" spc="-605" dirty="0" smtClean="0">
+                <a:solidFill>
+                  <a:schemeClr val="accent5"/>
+                </a:solidFill>
+                <a:latin typeface="Tahoma"/>
+                <a:cs typeface="Tahoma"/>
+              </a:rPr>
+              <a:t>WITH TECH AND AUTOMATION LIFE IS EASY !!!</a:t>
+            </a:r>
+            <a:endParaRPr sz="8000" dirty="0">
+              <a:solidFill>
+                <a:schemeClr val="accent5"/>
+              </a:solidFill>
+              <a:latin typeface="Tahoma"/>
+              <a:cs typeface="Tahoma"/>
+            </a:endParaRPr>
+          </a:p>
+        </p:txBody>
+      </p:sp>
+      <p:sp>
+        <p:nvSpPr>
+          <p:cNvPr id="3" name="object 3"/>
+          <p:cNvSpPr txBox="1"/>
+          <p:nvPr/>
+        </p:nvSpPr>
+        <p:spPr>
+          <a:xfrm>
+            <a:off x="616557" y="9572821"/>
+            <a:ext cx="279400" cy="360680"/>
           </a:xfrm>
           <a:prstGeom prst="rect">
             <a:avLst/>
@@ -2101,14 +2149,14 @@
               </a:spcBef>
             </a:pPr>
             <a:r>
-              <a:rPr sz="2200" b="1" spc="-150" dirty="0">
+              <a:rPr sz="2200" b="1" spc="-434" dirty="0">
                 <a:solidFill>
                   <a:srgbClr val="8F113D"/>
                 </a:solidFill>
                 <a:latin typeface="Tahoma"/>
                 <a:cs typeface="Tahoma"/>
               </a:rPr>
-              <a:t>02</a:t>
+              <a:t>01</a:t>
             </a:r>
             <a:endParaRPr sz="2200">
               <a:latin typeface="Tahoma"/>
@@ -2117,1006 +2165,9 @@
           </a:p>
         </p:txBody>
       </p:sp>
-      <p:grpSp>
-        <p:nvGrpSpPr>
-          <p:cNvPr id="3" name="object 3"/>
-          <p:cNvGrpSpPr/>
-          <p:nvPr/>
-        </p:nvGrpSpPr>
-        <p:grpSpPr>
-          <a:xfrm>
-            <a:off x="13234984" y="1467791"/>
-            <a:ext cx="3349625" cy="2275205"/>
-            <a:chOff x="13234984" y="1467791"/>
-            <a:chExt cx="3349625" cy="2275205"/>
-          </a:xfrm>
-        </p:grpSpPr>
-        <p:sp>
-          <p:nvSpPr>
-            <p:cNvPr id="4" name="object 4"/>
-            <p:cNvSpPr/>
-            <p:nvPr/>
-          </p:nvSpPr>
-          <p:spPr>
-            <a:xfrm>
-              <a:off x="14309761" y="1467791"/>
-              <a:ext cx="2275205" cy="2275205"/>
-            </a:xfrm>
-            <a:custGeom>
-              <a:avLst/>
-              <a:gdLst/>
-              <a:ahLst/>
-              <a:cxnLst/>
-              <a:rect l="l" t="t" r="r" b="b"/>
-              <a:pathLst>
-                <a:path w="2275205" h="2275204">
-                  <a:moveTo>
-                    <a:pt x="1012985" y="2274832"/>
-                  </a:moveTo>
-                  <a:lnTo>
-                    <a:pt x="0" y="2274832"/>
-                  </a:lnTo>
-                  <a:lnTo>
-                    <a:pt x="500" y="2226629"/>
-                  </a:lnTo>
-                  <a:lnTo>
-                    <a:pt x="1995" y="2178671"/>
-                  </a:lnTo>
-                  <a:lnTo>
-                    <a:pt x="4475" y="2130967"/>
-                  </a:lnTo>
-                  <a:lnTo>
-                    <a:pt x="7930" y="2083527"/>
-                  </a:lnTo>
-                  <a:lnTo>
-                    <a:pt x="12349" y="2036361"/>
-                  </a:lnTo>
-                  <a:lnTo>
-                    <a:pt x="17724" y="1989480"/>
-                  </a:lnTo>
-                  <a:lnTo>
-                    <a:pt x="24043" y="1942892"/>
-                  </a:lnTo>
-                  <a:lnTo>
-                    <a:pt x="31298" y="1896608"/>
-                  </a:lnTo>
-                  <a:lnTo>
-                    <a:pt x="39479" y="1850637"/>
-                  </a:lnTo>
-                  <a:lnTo>
-                    <a:pt x="48575" y="1804990"/>
-                  </a:lnTo>
-                  <a:lnTo>
-                    <a:pt x="58577" y="1759676"/>
-                  </a:lnTo>
-                  <a:lnTo>
-                    <a:pt x="69475" y="1714705"/>
-                  </a:lnTo>
-                  <a:lnTo>
-                    <a:pt x="81258" y="1670088"/>
-                  </a:lnTo>
-                  <a:lnTo>
-                    <a:pt x="93918" y="1625833"/>
-                  </a:lnTo>
-                  <a:lnTo>
-                    <a:pt x="107444" y="1581951"/>
-                  </a:lnTo>
-                  <a:lnTo>
-                    <a:pt x="121827" y="1538452"/>
-                  </a:lnTo>
-                  <a:lnTo>
-                    <a:pt x="137056" y="1495345"/>
-                  </a:lnTo>
-                  <a:lnTo>
-                    <a:pt x="153121" y="1452641"/>
-                  </a:lnTo>
-                  <a:lnTo>
-                    <a:pt x="170014" y="1410349"/>
-                  </a:lnTo>
-                  <a:lnTo>
-                    <a:pt x="187723" y="1368479"/>
-                  </a:lnTo>
-                  <a:lnTo>
-                    <a:pt x="206239" y="1327041"/>
-                  </a:lnTo>
-                  <a:lnTo>
-                    <a:pt x="225552" y="1286045"/>
-                  </a:lnTo>
-                  <a:lnTo>
-                    <a:pt x="245653" y="1245500"/>
-                  </a:lnTo>
-                  <a:lnTo>
-                    <a:pt x="266531" y="1205417"/>
-                  </a:lnTo>
-                  <a:lnTo>
-                    <a:pt x="288177" y="1165806"/>
-                  </a:lnTo>
-                  <a:lnTo>
-                    <a:pt x="310580" y="1126676"/>
-                  </a:lnTo>
-                  <a:lnTo>
-                    <a:pt x="333731" y="1088037"/>
-                  </a:lnTo>
-                  <a:lnTo>
-                    <a:pt x="357620" y="1049900"/>
-                  </a:lnTo>
-                  <a:lnTo>
-                    <a:pt x="382238" y="1012273"/>
-                  </a:lnTo>
-                  <a:lnTo>
-                    <a:pt x="407573" y="975167"/>
-                  </a:lnTo>
-                  <a:lnTo>
-                    <a:pt x="433617" y="938592"/>
-                  </a:lnTo>
-                  <a:lnTo>
-                    <a:pt x="460359" y="902557"/>
-                  </a:lnTo>
-                  <a:lnTo>
-                    <a:pt x="487789" y="867073"/>
-                  </a:lnTo>
-                  <a:lnTo>
-                    <a:pt x="515899" y="832149"/>
-                  </a:lnTo>
-                  <a:lnTo>
-                    <a:pt x="544677" y="797795"/>
-                  </a:lnTo>
-                  <a:lnTo>
-                    <a:pt x="574115" y="764021"/>
-                  </a:lnTo>
-                  <a:lnTo>
-                    <a:pt x="604201" y="730837"/>
-                  </a:lnTo>
-                  <a:lnTo>
-                    <a:pt x="634927" y="698253"/>
-                  </a:lnTo>
-                  <a:lnTo>
-                    <a:pt x="666282" y="666279"/>
-                  </a:lnTo>
-                  <a:lnTo>
-                    <a:pt x="698256" y="634924"/>
-                  </a:lnTo>
-                  <a:lnTo>
-                    <a:pt x="730841" y="604198"/>
-                  </a:lnTo>
-                  <a:lnTo>
-                    <a:pt x="764024" y="574112"/>
-                  </a:lnTo>
-                  <a:lnTo>
-                    <a:pt x="797798" y="544675"/>
-                  </a:lnTo>
-                  <a:lnTo>
-                    <a:pt x="832152" y="515897"/>
-                  </a:lnTo>
-                  <a:lnTo>
-                    <a:pt x="867076" y="487787"/>
-                  </a:lnTo>
-                  <a:lnTo>
-                    <a:pt x="902561" y="460357"/>
-                  </a:lnTo>
-                  <a:lnTo>
-                    <a:pt x="938595" y="433615"/>
-                  </a:lnTo>
-                  <a:lnTo>
-                    <a:pt x="975171" y="407571"/>
-                  </a:lnTo>
-                  <a:lnTo>
-                    <a:pt x="1012277" y="382236"/>
-                  </a:lnTo>
-                  <a:lnTo>
-                    <a:pt x="1049904" y="357619"/>
-                  </a:lnTo>
-                  <a:lnTo>
-                    <a:pt x="1088041" y="333730"/>
-                  </a:lnTo>
-                  <a:lnTo>
-                    <a:pt x="1126680" y="310579"/>
-                  </a:lnTo>
-                  <a:lnTo>
-                    <a:pt x="1165810" y="288175"/>
-                  </a:lnTo>
-                  <a:lnTo>
-                    <a:pt x="1205422" y="266530"/>
-                  </a:lnTo>
-                  <a:lnTo>
-                    <a:pt x="1245505" y="245652"/>
-                  </a:lnTo>
-                  <a:lnTo>
-                    <a:pt x="1286049" y="225551"/>
-                  </a:lnTo>
-                  <a:lnTo>
-                    <a:pt x="1327045" y="206238"/>
-                  </a:lnTo>
-                  <a:lnTo>
-                    <a:pt x="1368484" y="187722"/>
-                  </a:lnTo>
-                  <a:lnTo>
-                    <a:pt x="1410354" y="170013"/>
-                  </a:lnTo>
-                  <a:lnTo>
-                    <a:pt x="1452646" y="153120"/>
-                  </a:lnTo>
-                  <a:lnTo>
-                    <a:pt x="1495350" y="137055"/>
-                  </a:lnTo>
-                  <a:lnTo>
-                    <a:pt x="1538457" y="121826"/>
-                  </a:lnTo>
-                  <a:lnTo>
-                    <a:pt x="1581956" y="107444"/>
-                  </a:lnTo>
-                  <a:lnTo>
-                    <a:pt x="1625838" y="93918"/>
-                  </a:lnTo>
-                  <a:lnTo>
-                    <a:pt x="1670093" y="81258"/>
-                  </a:lnTo>
-                  <a:lnTo>
-                    <a:pt x="1714711" y="69474"/>
-                  </a:lnTo>
-                  <a:lnTo>
-                    <a:pt x="1759682" y="58577"/>
-                  </a:lnTo>
-                  <a:lnTo>
-                    <a:pt x="1804995" y="48575"/>
-                  </a:lnTo>
-                  <a:lnTo>
-                    <a:pt x="1850643" y="39479"/>
-                  </a:lnTo>
-                  <a:lnTo>
-                    <a:pt x="1896613" y="31298"/>
-                  </a:lnTo>
-                  <a:lnTo>
-                    <a:pt x="1942897" y="24043"/>
-                  </a:lnTo>
-                  <a:lnTo>
-                    <a:pt x="1989485" y="17724"/>
-                  </a:lnTo>
-                  <a:lnTo>
-                    <a:pt x="2036367" y="12349"/>
-                  </a:lnTo>
-                  <a:lnTo>
-                    <a:pt x="2083533" y="7929"/>
-                  </a:lnTo>
-                  <a:lnTo>
-                    <a:pt x="2130972" y="4475"/>
-                  </a:lnTo>
-                  <a:lnTo>
-                    <a:pt x="2178676" y="1995"/>
-                  </a:lnTo>
-                  <a:lnTo>
-                    <a:pt x="2226635" y="500"/>
-                  </a:lnTo>
-                  <a:lnTo>
-                    <a:pt x="2274837" y="0"/>
-                  </a:lnTo>
-                  <a:lnTo>
-                    <a:pt x="2274837" y="1012973"/>
-                  </a:lnTo>
-                  <a:lnTo>
-                    <a:pt x="2226436" y="1013885"/>
-                  </a:lnTo>
-                  <a:lnTo>
-                    <a:pt x="2178496" y="1016596"/>
-                  </a:lnTo>
-                  <a:lnTo>
-                    <a:pt x="2131049" y="1021076"/>
-                  </a:lnTo>
-                  <a:lnTo>
-                    <a:pt x="2084128" y="1027291"/>
-                  </a:lnTo>
-                  <a:lnTo>
-                    <a:pt x="2037766" y="1035209"/>
-                  </a:lnTo>
-                  <a:lnTo>
-                    <a:pt x="1991996" y="1044796"/>
-                  </a:lnTo>
-                  <a:lnTo>
-                    <a:pt x="1946850" y="1056021"/>
-                  </a:lnTo>
-                  <a:lnTo>
-                    <a:pt x="1902361" y="1068850"/>
-                  </a:lnTo>
-                  <a:lnTo>
-                    <a:pt x="1858561" y="1083251"/>
-                  </a:lnTo>
-                  <a:lnTo>
-                    <a:pt x="1815484" y="1099191"/>
-                  </a:lnTo>
-                  <a:lnTo>
-                    <a:pt x="1773162" y="1116638"/>
-                  </a:lnTo>
-                  <a:lnTo>
-                    <a:pt x="1731627" y="1135559"/>
-                  </a:lnTo>
-                  <a:lnTo>
-                    <a:pt x="1690912" y="1155920"/>
-                  </a:lnTo>
-                  <a:lnTo>
-                    <a:pt x="1651051" y="1177691"/>
-                  </a:lnTo>
-                  <a:lnTo>
-                    <a:pt x="1612075" y="1200837"/>
-                  </a:lnTo>
-                  <a:lnTo>
-                    <a:pt x="1574017" y="1225326"/>
-                  </a:lnTo>
-                  <a:lnTo>
-                    <a:pt x="1536910" y="1251125"/>
-                  </a:lnTo>
-                  <a:lnTo>
-                    <a:pt x="1500787" y="1278203"/>
-                  </a:lnTo>
-                  <a:lnTo>
-                    <a:pt x="1465681" y="1306525"/>
-                  </a:lnTo>
-                  <a:lnTo>
-                    <a:pt x="1431623" y="1336060"/>
-                  </a:lnTo>
-                  <a:lnTo>
-                    <a:pt x="1398647" y="1366775"/>
-                  </a:lnTo>
-                  <a:lnTo>
-                    <a:pt x="1366785" y="1398636"/>
-                  </a:lnTo>
-                  <a:lnTo>
-                    <a:pt x="1336071" y="1431612"/>
-                  </a:lnTo>
-                  <a:lnTo>
-                    <a:pt x="1306536" y="1465670"/>
-                  </a:lnTo>
-                  <a:lnTo>
-                    <a:pt x="1278214" y="1500777"/>
-                  </a:lnTo>
-                  <a:lnTo>
-                    <a:pt x="1251136" y="1536900"/>
-                  </a:lnTo>
-                  <a:lnTo>
-                    <a:pt x="1225337" y="1574007"/>
-                  </a:lnTo>
-                  <a:lnTo>
-                    <a:pt x="1200848" y="1612065"/>
-                  </a:lnTo>
-                  <a:lnTo>
-                    <a:pt x="1177702" y="1651041"/>
-                  </a:lnTo>
-                  <a:lnTo>
-                    <a:pt x="1155932" y="1690903"/>
-                  </a:lnTo>
-                  <a:lnTo>
-                    <a:pt x="1135570" y="1731618"/>
-                  </a:lnTo>
-                  <a:lnTo>
-                    <a:pt x="1116649" y="1773153"/>
-                  </a:lnTo>
-                  <a:lnTo>
-                    <a:pt x="1099203" y="1815475"/>
-                  </a:lnTo>
-                  <a:lnTo>
-                    <a:pt x="1083262" y="1858553"/>
-                  </a:lnTo>
-                  <a:lnTo>
-                    <a:pt x="1068861" y="1902353"/>
-                  </a:lnTo>
-                  <a:lnTo>
-                    <a:pt x="1056032" y="1946842"/>
-                  </a:lnTo>
-                  <a:lnTo>
-                    <a:pt x="1044807" y="1991988"/>
-                  </a:lnTo>
-                  <a:lnTo>
-                    <a:pt x="1035220" y="2037759"/>
-                  </a:lnTo>
-                  <a:lnTo>
-                    <a:pt x="1027302" y="2084121"/>
-                  </a:lnTo>
-                  <a:lnTo>
-                    <a:pt x="1021087" y="2131042"/>
-                  </a:lnTo>
-                  <a:lnTo>
-                    <a:pt x="1016608" y="2178489"/>
-                  </a:lnTo>
-                  <a:lnTo>
-                    <a:pt x="1013896" y="2226430"/>
-                  </a:lnTo>
-                  <a:lnTo>
-                    <a:pt x="1012985" y="2274832"/>
-                  </a:lnTo>
-                  <a:close/>
-                </a:path>
-              </a:pathLst>
-            </a:custGeom>
-            <a:solidFill>
-              <a:srgbClr val="8F113D"/>
-            </a:solidFill>
-          </p:spPr>
-          <p:txBody>
-            <a:bodyPr wrap="square" lIns="0" tIns="0" rIns="0" bIns="0" rtlCol="0"/>
-            <a:lstStyle/>
-            <a:p>
-              <a:endParaRPr/>
-            </a:p>
-          </p:txBody>
-        </p:sp>
-        <p:sp>
-          <p:nvSpPr>
-            <p:cNvPr id="5" name="object 5"/>
-            <p:cNvSpPr/>
-            <p:nvPr/>
-          </p:nvSpPr>
-          <p:spPr>
-            <a:xfrm>
-              <a:off x="13234984" y="2328734"/>
-              <a:ext cx="2212340" cy="553085"/>
-            </a:xfrm>
-            <a:custGeom>
-              <a:avLst/>
-              <a:gdLst/>
-              <a:ahLst/>
-              <a:cxnLst/>
-              <a:rect l="l" t="t" r="r" b="b"/>
-              <a:pathLst>
-                <a:path w="2212340" h="553085">
-                  <a:moveTo>
-                    <a:pt x="276522" y="553045"/>
-                  </a:moveTo>
-                  <a:lnTo>
-                    <a:pt x="226801" y="548592"/>
-                  </a:lnTo>
-                  <a:lnTo>
-                    <a:pt x="180010" y="535752"/>
-                  </a:lnTo>
-                  <a:lnTo>
-                    <a:pt x="136929" y="515305"/>
-                  </a:lnTo>
-                  <a:lnTo>
-                    <a:pt x="98338" y="488030"/>
-                  </a:lnTo>
-                  <a:lnTo>
-                    <a:pt x="65015" y="454707"/>
-                  </a:lnTo>
-                  <a:lnTo>
-                    <a:pt x="37740" y="416115"/>
-                  </a:lnTo>
-                  <a:lnTo>
-                    <a:pt x="17293" y="373034"/>
-                  </a:lnTo>
-                  <a:lnTo>
-                    <a:pt x="4453" y="326243"/>
-                  </a:lnTo>
-                  <a:lnTo>
-                    <a:pt x="0" y="276522"/>
-                  </a:lnTo>
-                  <a:lnTo>
-                    <a:pt x="4453" y="226801"/>
-                  </a:lnTo>
-                  <a:lnTo>
-                    <a:pt x="17293" y="180010"/>
-                  </a:lnTo>
-                  <a:lnTo>
-                    <a:pt x="37740" y="136929"/>
-                  </a:lnTo>
-                  <a:lnTo>
-                    <a:pt x="65015" y="98338"/>
-                  </a:lnTo>
-                  <a:lnTo>
-                    <a:pt x="98338" y="65015"/>
-                  </a:lnTo>
-                  <a:lnTo>
-                    <a:pt x="136929" y="37740"/>
-                  </a:lnTo>
-                  <a:lnTo>
-                    <a:pt x="180010" y="17293"/>
-                  </a:lnTo>
-                  <a:lnTo>
-                    <a:pt x="226801" y="4453"/>
-                  </a:lnTo>
-                  <a:lnTo>
-                    <a:pt x="276522" y="0"/>
-                  </a:lnTo>
-                  <a:lnTo>
-                    <a:pt x="326243" y="4453"/>
-                  </a:lnTo>
-                  <a:lnTo>
-                    <a:pt x="373034" y="17293"/>
-                  </a:lnTo>
-                  <a:lnTo>
-                    <a:pt x="416115" y="37740"/>
-                  </a:lnTo>
-                  <a:lnTo>
-                    <a:pt x="454707" y="65015"/>
-                  </a:lnTo>
-                  <a:lnTo>
-                    <a:pt x="488030" y="98338"/>
-                  </a:lnTo>
-                  <a:lnTo>
-                    <a:pt x="515305" y="136929"/>
-                  </a:lnTo>
-                  <a:lnTo>
-                    <a:pt x="535752" y="180010"/>
-                  </a:lnTo>
-                  <a:lnTo>
-                    <a:pt x="548592" y="226801"/>
-                  </a:lnTo>
-                  <a:lnTo>
-                    <a:pt x="553045" y="276522"/>
-                  </a:lnTo>
-                  <a:lnTo>
-                    <a:pt x="548592" y="326243"/>
-                  </a:lnTo>
-                  <a:lnTo>
-                    <a:pt x="535752" y="373034"/>
-                  </a:lnTo>
-                  <a:lnTo>
-                    <a:pt x="515305" y="416115"/>
-                  </a:lnTo>
-                  <a:lnTo>
-                    <a:pt x="488030" y="454707"/>
-                  </a:lnTo>
-                  <a:lnTo>
-                    <a:pt x="454707" y="488030"/>
-                  </a:lnTo>
-                  <a:lnTo>
-                    <a:pt x="416115" y="515305"/>
-                  </a:lnTo>
-                  <a:lnTo>
-                    <a:pt x="373034" y="535752"/>
-                  </a:lnTo>
-                  <a:lnTo>
-                    <a:pt x="326243" y="548592"/>
-                  </a:lnTo>
-                  <a:lnTo>
-                    <a:pt x="276522" y="553045"/>
-                  </a:lnTo>
-                  <a:close/>
-                </a:path>
-                <a:path w="2212340" h="553085">
-                  <a:moveTo>
-                    <a:pt x="1935658" y="553045"/>
-                  </a:moveTo>
-                  <a:lnTo>
-                    <a:pt x="1885937" y="548592"/>
-                  </a:lnTo>
-                  <a:lnTo>
-                    <a:pt x="1839146" y="535752"/>
-                  </a:lnTo>
-                  <a:lnTo>
-                    <a:pt x="1796065" y="515305"/>
-                  </a:lnTo>
-                  <a:lnTo>
-                    <a:pt x="1757473" y="488030"/>
-                  </a:lnTo>
-                  <a:lnTo>
-                    <a:pt x="1724150" y="454707"/>
-                  </a:lnTo>
-                  <a:lnTo>
-                    <a:pt x="1696876" y="416115"/>
-                  </a:lnTo>
-                  <a:lnTo>
-                    <a:pt x="1676428" y="373034"/>
-                  </a:lnTo>
-                  <a:lnTo>
-                    <a:pt x="1663588" y="326243"/>
-                  </a:lnTo>
-                  <a:lnTo>
-                    <a:pt x="1659135" y="276522"/>
-                  </a:lnTo>
-                  <a:lnTo>
-                    <a:pt x="1663588" y="226801"/>
-                  </a:lnTo>
-                  <a:lnTo>
-                    <a:pt x="1676428" y="180010"/>
-                  </a:lnTo>
-                  <a:lnTo>
-                    <a:pt x="1696876" y="136929"/>
-                  </a:lnTo>
-                  <a:lnTo>
-                    <a:pt x="1724150" y="98338"/>
-                  </a:lnTo>
-                  <a:lnTo>
-                    <a:pt x="1757473" y="65015"/>
-                  </a:lnTo>
-                  <a:lnTo>
-                    <a:pt x="1796065" y="37740"/>
-                  </a:lnTo>
-                  <a:lnTo>
-                    <a:pt x="1839146" y="17293"/>
-                  </a:lnTo>
-                  <a:lnTo>
-                    <a:pt x="1885937" y="4453"/>
-                  </a:lnTo>
-                  <a:lnTo>
-                    <a:pt x="1935658" y="0"/>
-                  </a:lnTo>
-                  <a:lnTo>
-                    <a:pt x="1985379" y="4453"/>
-                  </a:lnTo>
-                  <a:lnTo>
-                    <a:pt x="2032170" y="17293"/>
-                  </a:lnTo>
-                  <a:lnTo>
-                    <a:pt x="2075251" y="37740"/>
-                  </a:lnTo>
-                  <a:lnTo>
-                    <a:pt x="2113842" y="65015"/>
-                  </a:lnTo>
-                  <a:lnTo>
-                    <a:pt x="2147165" y="98338"/>
-                  </a:lnTo>
-                  <a:lnTo>
-                    <a:pt x="2174440" y="136929"/>
-                  </a:lnTo>
-                  <a:lnTo>
-                    <a:pt x="2194887" y="180010"/>
-                  </a:lnTo>
-                  <a:lnTo>
-                    <a:pt x="2207727" y="226801"/>
-                  </a:lnTo>
-                  <a:lnTo>
-                    <a:pt x="2212181" y="276522"/>
-                  </a:lnTo>
-                  <a:lnTo>
-                    <a:pt x="2207727" y="326243"/>
-                  </a:lnTo>
-                  <a:lnTo>
-                    <a:pt x="2194887" y="373034"/>
-                  </a:lnTo>
-                  <a:lnTo>
-                    <a:pt x="2174440" y="416115"/>
-                  </a:lnTo>
-                  <a:lnTo>
-                    <a:pt x="2147165" y="454707"/>
-                  </a:lnTo>
-                  <a:lnTo>
-                    <a:pt x="2113842" y="488030"/>
-                  </a:lnTo>
-                  <a:lnTo>
-                    <a:pt x="2075251" y="515305"/>
-                  </a:lnTo>
-                  <a:lnTo>
-                    <a:pt x="2032170" y="535752"/>
-                  </a:lnTo>
-                  <a:lnTo>
-                    <a:pt x="1985379" y="548592"/>
-                  </a:lnTo>
-                  <a:lnTo>
-                    <a:pt x="1935658" y="553045"/>
-                  </a:lnTo>
-                  <a:close/>
-                </a:path>
-                <a:path w="2212340" h="553085">
-                  <a:moveTo>
-                    <a:pt x="1106090" y="553045"/>
-                  </a:moveTo>
-                  <a:lnTo>
-                    <a:pt x="1056369" y="548592"/>
-                  </a:lnTo>
-                  <a:lnTo>
-                    <a:pt x="1009578" y="535752"/>
-                  </a:lnTo>
-                  <a:lnTo>
-                    <a:pt x="966497" y="515305"/>
-                  </a:lnTo>
-                  <a:lnTo>
-                    <a:pt x="927906" y="488030"/>
-                  </a:lnTo>
-                  <a:lnTo>
-                    <a:pt x="894582" y="454707"/>
-                  </a:lnTo>
-                  <a:lnTo>
-                    <a:pt x="867308" y="416115"/>
-                  </a:lnTo>
-                  <a:lnTo>
-                    <a:pt x="846860" y="373034"/>
-                  </a:lnTo>
-                  <a:lnTo>
-                    <a:pt x="834021" y="326243"/>
-                  </a:lnTo>
-                  <a:lnTo>
-                    <a:pt x="829567" y="276522"/>
-                  </a:lnTo>
-                  <a:lnTo>
-                    <a:pt x="834021" y="226801"/>
-                  </a:lnTo>
-                  <a:lnTo>
-                    <a:pt x="846860" y="180010"/>
-                  </a:lnTo>
-                  <a:lnTo>
-                    <a:pt x="867308" y="136929"/>
-                  </a:lnTo>
-                  <a:lnTo>
-                    <a:pt x="894582" y="98338"/>
-                  </a:lnTo>
-                  <a:lnTo>
-                    <a:pt x="927906" y="65015"/>
-                  </a:lnTo>
-                  <a:lnTo>
-                    <a:pt x="966497" y="37740"/>
-                  </a:lnTo>
-                  <a:lnTo>
-                    <a:pt x="1009578" y="17293"/>
-                  </a:lnTo>
-                  <a:lnTo>
-                    <a:pt x="1056369" y="4453"/>
-                  </a:lnTo>
-                  <a:lnTo>
-                    <a:pt x="1106090" y="0"/>
-                  </a:lnTo>
-                  <a:lnTo>
-                    <a:pt x="1155811" y="4453"/>
-                  </a:lnTo>
-                  <a:lnTo>
-                    <a:pt x="1202602" y="17293"/>
-                  </a:lnTo>
-                  <a:lnTo>
-                    <a:pt x="1245683" y="37740"/>
-                  </a:lnTo>
-                  <a:lnTo>
-                    <a:pt x="1284275" y="65015"/>
-                  </a:lnTo>
-                  <a:lnTo>
-                    <a:pt x="1317598" y="98338"/>
-                  </a:lnTo>
-                  <a:lnTo>
-                    <a:pt x="1344872" y="136929"/>
-                  </a:lnTo>
-                  <a:lnTo>
-                    <a:pt x="1365320" y="180010"/>
-                  </a:lnTo>
-                  <a:lnTo>
-                    <a:pt x="1378159" y="226801"/>
-                  </a:lnTo>
-                  <a:lnTo>
-                    <a:pt x="1382613" y="276522"/>
-                  </a:lnTo>
-                  <a:lnTo>
-                    <a:pt x="1378159" y="326243"/>
-                  </a:lnTo>
-                  <a:lnTo>
-                    <a:pt x="1365320" y="373034"/>
-                  </a:lnTo>
-                  <a:lnTo>
-                    <a:pt x="1344872" y="416115"/>
-                  </a:lnTo>
-                  <a:lnTo>
-                    <a:pt x="1317598" y="454707"/>
-                  </a:lnTo>
-                  <a:lnTo>
-                    <a:pt x="1284275" y="488030"/>
-                  </a:lnTo>
-                  <a:lnTo>
-                    <a:pt x="1245683" y="515305"/>
-                  </a:lnTo>
-                  <a:lnTo>
-                    <a:pt x="1202602" y="535752"/>
-                  </a:lnTo>
-                  <a:lnTo>
-                    <a:pt x="1155811" y="548592"/>
-                  </a:lnTo>
-                  <a:lnTo>
-                    <a:pt x="1106090" y="553045"/>
-                  </a:lnTo>
-                  <a:close/>
-                </a:path>
-              </a:pathLst>
-            </a:custGeom>
-            <a:solidFill>
-              <a:srgbClr val="0AB5BC"/>
-            </a:solidFill>
-          </p:spPr>
-          <p:txBody>
-            <a:bodyPr wrap="square" lIns="0" tIns="0" rIns="0" bIns="0" rtlCol="0"/>
-            <a:lstStyle/>
-            <a:p>
-              <a:endParaRPr/>
-            </a:p>
-          </p:txBody>
-        </p:sp>
-      </p:grpSp>
-      <p:sp>
-        <p:nvSpPr>
-          <p:cNvPr id="6" name="object 6"/>
-          <p:cNvSpPr txBox="1">
-            <a:spLocks noGrp="1"/>
-          </p:cNvSpPr>
-          <p:nvPr>
-            <p:ph type="title"/>
-          </p:nvPr>
-        </p:nvSpPr>
-        <p:spPr>
-          <a:prstGeom prst="rect">
-            <a:avLst/>
-          </a:prstGeom>
-        </p:spPr>
-        <p:txBody>
-          <a:bodyPr vert="horz" wrap="square" lIns="0" tIns="1070940" rIns="0" bIns="0" rtlCol="0">
-            <a:spAutoFit/>
-          </a:bodyPr>
-          <a:lstStyle/>
-          <a:p>
-            <a:pPr marL="12700" marR="2000250">
-              <a:lnSpc>
-                <a:spcPts val="9680"/>
-              </a:lnSpc>
-              <a:spcBef>
-                <a:spcPts val="455"/>
-              </a:spcBef>
-            </a:pPr>
-            <a:r>
-              <a:rPr spc="-880" dirty="0">
-                <a:solidFill>
-                  <a:srgbClr val="8F113D"/>
-                </a:solidFill>
-              </a:rPr>
-              <a:t>How</a:t>
-            </a:r>
-            <a:r>
-              <a:rPr spc="-755" dirty="0">
-                <a:solidFill>
-                  <a:srgbClr val="8F113D"/>
-                </a:solidFill>
-              </a:rPr>
-              <a:t> </a:t>
-            </a:r>
-            <a:r>
-              <a:rPr spc="-420" dirty="0">
-                <a:solidFill>
-                  <a:srgbClr val="8F113D"/>
-                </a:solidFill>
-              </a:rPr>
-              <a:t>to</a:t>
-            </a:r>
-            <a:r>
-              <a:rPr spc="-750" dirty="0">
-                <a:solidFill>
-                  <a:srgbClr val="8F113D"/>
-                </a:solidFill>
-              </a:rPr>
-              <a:t> </a:t>
-            </a:r>
-            <a:r>
-              <a:rPr spc="-480" dirty="0">
-                <a:solidFill>
-                  <a:srgbClr val="8F113D"/>
-                </a:solidFill>
-              </a:rPr>
-              <a:t>Use</a:t>
-            </a:r>
-            <a:r>
-              <a:rPr spc="-750" dirty="0">
-                <a:solidFill>
-                  <a:srgbClr val="8F113D"/>
-                </a:solidFill>
-              </a:rPr>
-              <a:t> </a:t>
-            </a:r>
-            <a:r>
-              <a:rPr spc="-455" dirty="0">
-                <a:solidFill>
-                  <a:srgbClr val="8F113D"/>
-                </a:solidFill>
-              </a:rPr>
-              <a:t>this </a:t>
-            </a:r>
-            <a:r>
-              <a:rPr spc="-505" dirty="0">
-                <a:solidFill>
-                  <a:srgbClr val="8F113D"/>
-                </a:solidFill>
-              </a:rPr>
-              <a:t>Presentation</a:t>
-            </a:r>
-          </a:p>
-          <a:p>
-            <a:pPr marL="12700">
-              <a:lnSpc>
-                <a:spcPct val="100000"/>
-              </a:lnSpc>
-              <a:spcBef>
-                <a:spcPts val="1455"/>
-              </a:spcBef>
-            </a:pPr>
-            <a:r>
-              <a:rPr sz="4000" b="0" i="1" spc="-60" dirty="0">
-                <a:latin typeface="Trebuchet MS"/>
-                <a:cs typeface="Trebuchet MS"/>
-              </a:rPr>
-              <a:t>Present</a:t>
-            </a:r>
-            <a:r>
-              <a:rPr sz="4000" b="0" i="1" spc="-385" dirty="0">
-                <a:latin typeface="Trebuchet MS"/>
-                <a:cs typeface="Trebuchet MS"/>
-              </a:rPr>
-              <a:t> </a:t>
-            </a:r>
-            <a:r>
-              <a:rPr sz="4000" b="0" i="1" spc="-200" dirty="0">
-                <a:latin typeface="Trebuchet MS"/>
-                <a:cs typeface="Trebuchet MS"/>
-              </a:rPr>
-              <a:t>with</a:t>
-            </a:r>
-            <a:r>
-              <a:rPr sz="4000" b="0" i="1" spc="-385" dirty="0">
-                <a:latin typeface="Trebuchet MS"/>
-                <a:cs typeface="Trebuchet MS"/>
-              </a:rPr>
-              <a:t> </a:t>
-            </a:r>
-            <a:r>
-              <a:rPr sz="4000" b="0" i="1" dirty="0">
-                <a:latin typeface="Trebuchet MS"/>
-                <a:cs typeface="Trebuchet MS"/>
-              </a:rPr>
-              <a:t>ease</a:t>
-            </a:r>
-            <a:r>
-              <a:rPr sz="4000" b="0" i="1" spc="-385" dirty="0">
-                <a:latin typeface="Trebuchet MS"/>
-                <a:cs typeface="Trebuchet MS"/>
-              </a:rPr>
-              <a:t> </a:t>
-            </a:r>
-            <a:r>
-              <a:rPr sz="4000" b="0" i="1" spc="-75" dirty="0">
-                <a:latin typeface="Trebuchet MS"/>
-                <a:cs typeface="Trebuchet MS"/>
-              </a:rPr>
-              <a:t>and</a:t>
-            </a:r>
-            <a:r>
-              <a:rPr sz="4000" b="0" i="1" spc="-380" dirty="0">
-                <a:latin typeface="Trebuchet MS"/>
-                <a:cs typeface="Trebuchet MS"/>
-              </a:rPr>
-              <a:t> </a:t>
-            </a:r>
-            <a:r>
-              <a:rPr sz="4000" b="0" i="1" spc="-90" dirty="0">
-                <a:latin typeface="Trebuchet MS"/>
-                <a:cs typeface="Trebuchet MS"/>
-              </a:rPr>
-              <a:t>wow</a:t>
-            </a:r>
-            <a:r>
-              <a:rPr sz="4000" b="0" i="1" spc="-385" dirty="0">
-                <a:latin typeface="Trebuchet MS"/>
-                <a:cs typeface="Trebuchet MS"/>
-              </a:rPr>
-              <a:t> </a:t>
-            </a:r>
-            <a:r>
-              <a:rPr sz="4000" b="0" i="1" spc="-145" dirty="0">
-                <a:latin typeface="Trebuchet MS"/>
-                <a:cs typeface="Trebuchet MS"/>
-              </a:rPr>
-              <a:t>your</a:t>
-            </a:r>
-            <a:r>
-              <a:rPr sz="4000" b="0" i="1" spc="-385" dirty="0">
-                <a:latin typeface="Trebuchet MS"/>
-                <a:cs typeface="Trebuchet MS"/>
-              </a:rPr>
-              <a:t> </a:t>
-            </a:r>
-            <a:r>
-              <a:rPr sz="4000" b="0" i="1" spc="-10" dirty="0">
-                <a:latin typeface="Trebuchet MS"/>
-                <a:cs typeface="Trebuchet MS"/>
-              </a:rPr>
-              <a:t>audience</a:t>
-            </a:r>
-            <a:endParaRPr sz="4000" dirty="0">
-              <a:latin typeface="Trebuchet MS"/>
-              <a:cs typeface="Trebuchet MS"/>
-            </a:endParaRPr>
-          </a:p>
-        </p:txBody>
-      </p:sp>
       <p:pic>
         <p:nvPicPr>
-          <p:cNvPr id="7" name="object 7"/>
+          <p:cNvPr id="5" name="object 5"/>
           <p:cNvPicPr/>
           <p:nvPr/>
         </p:nvPicPr>
@@ -3128,8 +2179,8 @@
         </p:blipFill>
         <p:spPr>
           <a:xfrm>
-            <a:off x="1390649" y="5340984"/>
-            <a:ext cx="133350" cy="133349"/>
+            <a:off x="303663" y="143884"/>
+            <a:ext cx="1838324" cy="1838324"/>
           </a:xfrm>
           <a:prstGeom prst="rect">
             <a:avLst/>
@@ -3138,903 +2189,34 @@
       </p:pic>
       <p:pic>
         <p:nvPicPr>
-          <p:cNvPr id="8" name="object 8"/>
-          <p:cNvPicPr/>
+          <p:cNvPr id="7" name="Picture 6"/>
+          <p:cNvPicPr>
+            <a:picLocks noChangeAspect="1"/>
+          </p:cNvPicPr>
           <p:nvPr/>
         </p:nvPicPr>
         <p:blipFill>
-          <a:blip r:embed="rId3" cstate="print"/>
+          <a:blip r:embed="rId3">
+            <a:extLst>
+              <a:ext uri="{28A0092B-C50C-407E-A947-70E740481C1C}">
+                <a14:useLocalDpi xmlns:a14="http://schemas.microsoft.com/office/drawing/2010/main" val="0"/>
+              </a:ext>
+            </a:extLst>
+          </a:blip>
           <a:stretch>
             <a:fillRect/>
           </a:stretch>
         </p:blipFill>
         <p:spPr>
           <a:xfrm>
-            <a:off x="1390649" y="5902959"/>
-            <a:ext cx="133350" cy="133349"/>
+            <a:off x="10972800" y="1850059"/>
+            <a:ext cx="6553200" cy="6486855"/>
           </a:xfrm>
           <a:prstGeom prst="rect">
             <a:avLst/>
           </a:prstGeom>
         </p:spPr>
       </p:pic>
-      <p:pic>
-        <p:nvPicPr>
-          <p:cNvPr id="9" name="object 9"/>
-          <p:cNvPicPr/>
-          <p:nvPr/>
-        </p:nvPicPr>
-        <p:blipFill>
-          <a:blip r:embed="rId4" cstate="print"/>
-          <a:stretch>
-            <a:fillRect/>
-          </a:stretch>
-        </p:blipFill>
-        <p:spPr>
-          <a:xfrm>
-            <a:off x="1390649" y="6464934"/>
-            <a:ext cx="133350" cy="133349"/>
-          </a:xfrm>
-          <a:prstGeom prst="rect">
-            <a:avLst/>
-          </a:prstGeom>
-        </p:spPr>
-      </p:pic>
-      <p:pic>
-        <p:nvPicPr>
-          <p:cNvPr id="10" name="object 10"/>
-          <p:cNvPicPr/>
-          <p:nvPr/>
-        </p:nvPicPr>
-        <p:blipFill>
-          <a:blip r:embed="rId4" cstate="print"/>
-          <a:stretch>
-            <a:fillRect/>
-          </a:stretch>
-        </p:blipFill>
-        <p:spPr>
-          <a:xfrm>
-            <a:off x="1390649" y="7026909"/>
-            <a:ext cx="133350" cy="133349"/>
-          </a:xfrm>
-          <a:prstGeom prst="rect">
-            <a:avLst/>
-          </a:prstGeom>
-        </p:spPr>
-      </p:pic>
-      <p:pic>
-        <p:nvPicPr>
-          <p:cNvPr id="11" name="object 11"/>
-          <p:cNvPicPr/>
-          <p:nvPr/>
-        </p:nvPicPr>
-        <p:blipFill>
-          <a:blip r:embed="rId3" cstate="print"/>
-          <a:stretch>
-            <a:fillRect/>
-          </a:stretch>
-        </p:blipFill>
-        <p:spPr>
-          <a:xfrm>
-            <a:off x="1390649" y="7588884"/>
-            <a:ext cx="133350" cy="133349"/>
-          </a:xfrm>
-          <a:prstGeom prst="rect">
-            <a:avLst/>
-          </a:prstGeom>
-        </p:spPr>
-      </p:pic>
-      <p:sp>
-        <p:nvSpPr>
-          <p:cNvPr id="12" name="object 12"/>
-          <p:cNvSpPr txBox="1"/>
-          <p:nvPr/>
-        </p:nvSpPr>
-        <p:spPr>
-          <a:xfrm>
-            <a:off x="1016000" y="5047601"/>
-            <a:ext cx="11849735" cy="3959225"/>
-          </a:xfrm>
-          <a:prstGeom prst="rect">
-            <a:avLst/>
-          </a:prstGeom>
-        </p:spPr>
-        <p:txBody>
-          <a:bodyPr vert="horz" wrap="square" lIns="0" tIns="86995" rIns="0" bIns="0" rtlCol="0">
-            <a:spAutoFit/>
-          </a:bodyPr>
-          <a:lstStyle/>
-          <a:p>
-            <a:pPr marL="702945">
-              <a:lnSpc>
-                <a:spcPct val="100000"/>
-              </a:lnSpc>
-              <a:spcBef>
-                <a:spcPts val="685"/>
-              </a:spcBef>
-            </a:pPr>
-            <a:r>
-              <a:rPr sz="3200" dirty="0">
-                <a:latin typeface="Tahoma"/>
-                <a:cs typeface="Tahoma"/>
-              </a:rPr>
-              <a:t>Customize</a:t>
-            </a:r>
-            <a:r>
-              <a:rPr sz="3200" spc="-315" dirty="0">
-                <a:latin typeface="Tahoma"/>
-                <a:cs typeface="Tahoma"/>
-              </a:rPr>
-              <a:t> </a:t>
-            </a:r>
-            <a:r>
-              <a:rPr sz="3200" spc="-10" dirty="0">
-                <a:latin typeface="Tahoma"/>
-                <a:cs typeface="Tahoma"/>
-              </a:rPr>
-              <a:t>with</a:t>
-            </a:r>
-            <a:r>
-              <a:rPr sz="3200" spc="-310" dirty="0">
-                <a:latin typeface="Tahoma"/>
-                <a:cs typeface="Tahoma"/>
-              </a:rPr>
-              <a:t> </a:t>
-            </a:r>
-            <a:r>
-              <a:rPr sz="3200" dirty="0">
-                <a:latin typeface="Tahoma"/>
-                <a:cs typeface="Tahoma"/>
-              </a:rPr>
-              <a:t>text</a:t>
-            </a:r>
-            <a:r>
-              <a:rPr sz="3200" spc="-315" dirty="0">
-                <a:latin typeface="Tahoma"/>
-                <a:cs typeface="Tahoma"/>
-              </a:rPr>
-              <a:t> </a:t>
-            </a:r>
-            <a:r>
-              <a:rPr sz="3200" spc="-70" dirty="0">
-                <a:latin typeface="Tahoma"/>
-                <a:cs typeface="Tahoma"/>
-              </a:rPr>
-              <a:t>and</a:t>
-            </a:r>
-            <a:r>
-              <a:rPr sz="3200" spc="-310" dirty="0">
-                <a:latin typeface="Tahoma"/>
-                <a:cs typeface="Tahoma"/>
-              </a:rPr>
-              <a:t> </a:t>
-            </a:r>
-            <a:r>
-              <a:rPr sz="3200" spc="-10" dirty="0">
-                <a:latin typeface="Tahoma"/>
-                <a:cs typeface="Tahoma"/>
-              </a:rPr>
-              <a:t>photos.</a:t>
-            </a:r>
-            <a:endParaRPr sz="3200" dirty="0">
-              <a:latin typeface="Tahoma"/>
-              <a:cs typeface="Tahoma"/>
-            </a:endParaRPr>
-          </a:p>
-          <a:p>
-            <a:pPr marL="702945" marR="911860">
-              <a:lnSpc>
-                <a:spcPct val="115199"/>
-              </a:lnSpc>
-            </a:pPr>
-            <a:r>
-              <a:rPr sz="3200" spc="-45" dirty="0">
-                <a:latin typeface="Tahoma"/>
-                <a:cs typeface="Tahoma"/>
-              </a:rPr>
-              <a:t>Add</a:t>
-            </a:r>
-            <a:r>
-              <a:rPr sz="3200" spc="-325" dirty="0">
-                <a:latin typeface="Tahoma"/>
-                <a:cs typeface="Tahoma"/>
-              </a:rPr>
-              <a:t> </a:t>
-            </a:r>
-            <a:r>
-              <a:rPr sz="3200" dirty="0">
-                <a:latin typeface="Tahoma"/>
-                <a:cs typeface="Tahoma"/>
-              </a:rPr>
-              <a:t>elements</a:t>
-            </a:r>
-            <a:r>
-              <a:rPr sz="3200" spc="-320" dirty="0">
-                <a:latin typeface="Tahoma"/>
-                <a:cs typeface="Tahoma"/>
-              </a:rPr>
-              <a:t> </a:t>
-            </a:r>
-            <a:r>
-              <a:rPr sz="3200" dirty="0">
-                <a:latin typeface="Tahoma"/>
-                <a:cs typeface="Tahoma"/>
-              </a:rPr>
-              <a:t>from</a:t>
-            </a:r>
-            <a:r>
-              <a:rPr sz="3200" spc="-325" dirty="0">
-                <a:latin typeface="Tahoma"/>
-                <a:cs typeface="Tahoma"/>
-              </a:rPr>
-              <a:t> </a:t>
-            </a:r>
-            <a:r>
-              <a:rPr sz="3200" dirty="0">
-                <a:latin typeface="Tahoma"/>
-                <a:cs typeface="Tahoma"/>
-              </a:rPr>
-              <a:t>the</a:t>
-            </a:r>
-            <a:r>
-              <a:rPr sz="3200" spc="-320" dirty="0">
-                <a:latin typeface="Tahoma"/>
-                <a:cs typeface="Tahoma"/>
-              </a:rPr>
-              <a:t> </a:t>
-            </a:r>
-            <a:r>
-              <a:rPr sz="3200" spc="-35" dirty="0">
-                <a:latin typeface="Tahoma"/>
-                <a:cs typeface="Tahoma"/>
-              </a:rPr>
-              <a:t>library</a:t>
-            </a:r>
-            <a:r>
-              <a:rPr sz="3200" spc="-325" dirty="0">
-                <a:latin typeface="Tahoma"/>
-                <a:cs typeface="Tahoma"/>
-              </a:rPr>
-              <a:t> </a:t>
-            </a:r>
-            <a:r>
-              <a:rPr sz="3200" dirty="0">
-                <a:latin typeface="Tahoma"/>
-                <a:cs typeface="Tahoma"/>
-              </a:rPr>
-              <a:t>or</a:t>
-            </a:r>
-            <a:r>
-              <a:rPr sz="3200" spc="-320" dirty="0">
-                <a:latin typeface="Tahoma"/>
-                <a:cs typeface="Tahoma"/>
-              </a:rPr>
-              <a:t> </a:t>
-            </a:r>
-            <a:r>
-              <a:rPr sz="3200" spc="-50" dirty="0">
-                <a:latin typeface="Tahoma"/>
-                <a:cs typeface="Tahoma"/>
-              </a:rPr>
-              <a:t>upload</a:t>
-            </a:r>
-            <a:r>
-              <a:rPr sz="3200" spc="-325" dirty="0">
-                <a:latin typeface="Tahoma"/>
-                <a:cs typeface="Tahoma"/>
-              </a:rPr>
-              <a:t> </a:t>
-            </a:r>
-            <a:r>
-              <a:rPr sz="3200" dirty="0">
-                <a:latin typeface="Tahoma"/>
-                <a:cs typeface="Tahoma"/>
-              </a:rPr>
-              <a:t>from</a:t>
-            </a:r>
-            <a:r>
-              <a:rPr sz="3200" spc="-320" dirty="0">
-                <a:latin typeface="Tahoma"/>
-                <a:cs typeface="Tahoma"/>
-              </a:rPr>
-              <a:t> </a:t>
-            </a:r>
-            <a:r>
-              <a:rPr sz="3200" spc="-65" dirty="0">
-                <a:latin typeface="Tahoma"/>
-                <a:cs typeface="Tahoma"/>
-              </a:rPr>
-              <a:t>your</a:t>
-            </a:r>
-            <a:r>
-              <a:rPr sz="3200" spc="-325" dirty="0">
-                <a:latin typeface="Tahoma"/>
-                <a:cs typeface="Tahoma"/>
-              </a:rPr>
-              <a:t> </a:t>
-            </a:r>
-            <a:r>
-              <a:rPr sz="3200" spc="-10" dirty="0">
-                <a:latin typeface="Tahoma"/>
-                <a:cs typeface="Tahoma"/>
-              </a:rPr>
-              <a:t>drive. </a:t>
-            </a:r>
-            <a:r>
-              <a:rPr sz="3200" spc="-50" dirty="0">
-                <a:latin typeface="Tahoma"/>
-                <a:cs typeface="Tahoma"/>
-              </a:rPr>
-              <a:t>Apply</a:t>
-            </a:r>
-            <a:r>
-              <a:rPr sz="3200" spc="-300" dirty="0">
-                <a:latin typeface="Tahoma"/>
-                <a:cs typeface="Tahoma"/>
-              </a:rPr>
-              <a:t> </a:t>
-            </a:r>
-            <a:r>
-              <a:rPr sz="3200" spc="-45" dirty="0">
-                <a:latin typeface="Tahoma"/>
-                <a:cs typeface="Tahoma"/>
-              </a:rPr>
-              <a:t>page</a:t>
-            </a:r>
-            <a:r>
-              <a:rPr sz="3200" spc="-295" dirty="0">
-                <a:latin typeface="Tahoma"/>
-                <a:cs typeface="Tahoma"/>
-              </a:rPr>
-              <a:t> </a:t>
-            </a:r>
-            <a:r>
-              <a:rPr sz="3200" spc="-10" dirty="0">
-                <a:latin typeface="Tahoma"/>
-                <a:cs typeface="Tahoma"/>
-              </a:rPr>
-              <a:t>animations</a:t>
-            </a:r>
-            <a:r>
-              <a:rPr sz="3200" spc="-295" dirty="0">
-                <a:latin typeface="Tahoma"/>
-                <a:cs typeface="Tahoma"/>
-              </a:rPr>
-              <a:t> </a:t>
-            </a:r>
-            <a:r>
-              <a:rPr sz="3200" spc="-70" dirty="0">
-                <a:latin typeface="Tahoma"/>
-                <a:cs typeface="Tahoma"/>
-              </a:rPr>
-              <a:t>and</a:t>
-            </a:r>
-            <a:r>
-              <a:rPr sz="3200" spc="-295" dirty="0">
-                <a:latin typeface="Tahoma"/>
-                <a:cs typeface="Tahoma"/>
-              </a:rPr>
-              <a:t> </a:t>
-            </a:r>
-            <a:r>
-              <a:rPr sz="3200" dirty="0">
-                <a:latin typeface="Tahoma"/>
-                <a:cs typeface="Tahoma"/>
-              </a:rPr>
-              <a:t>transitions</a:t>
-            </a:r>
-            <a:r>
-              <a:rPr sz="3200" spc="-300" dirty="0">
-                <a:latin typeface="Tahoma"/>
-                <a:cs typeface="Tahoma"/>
-              </a:rPr>
-              <a:t> </a:t>
-            </a:r>
-            <a:r>
-              <a:rPr sz="3200" dirty="0">
-                <a:latin typeface="Tahoma"/>
-                <a:cs typeface="Tahoma"/>
-              </a:rPr>
-              <a:t>to</a:t>
-            </a:r>
-            <a:r>
-              <a:rPr sz="3200" spc="-295" dirty="0">
-                <a:latin typeface="Tahoma"/>
-                <a:cs typeface="Tahoma"/>
-              </a:rPr>
-              <a:t> </a:t>
-            </a:r>
-            <a:r>
-              <a:rPr sz="3200" spc="-10" dirty="0">
-                <a:latin typeface="Tahoma"/>
-                <a:cs typeface="Tahoma"/>
-              </a:rPr>
-              <a:t>emphasize</a:t>
-            </a:r>
-            <a:r>
-              <a:rPr sz="3200" spc="-295" dirty="0">
-                <a:latin typeface="Tahoma"/>
-                <a:cs typeface="Tahoma"/>
-              </a:rPr>
-              <a:t> </a:t>
-            </a:r>
-            <a:r>
-              <a:rPr sz="3200" spc="-10" dirty="0">
-                <a:latin typeface="Tahoma"/>
-                <a:cs typeface="Tahoma"/>
-              </a:rPr>
-              <a:t>ideas.</a:t>
-            </a:r>
-            <a:endParaRPr sz="3200" dirty="0">
-              <a:latin typeface="Tahoma"/>
-              <a:cs typeface="Tahoma"/>
-            </a:endParaRPr>
-          </a:p>
-          <a:p>
-            <a:pPr marL="702945" marR="5080">
-              <a:lnSpc>
-                <a:spcPct val="115199"/>
-              </a:lnSpc>
-            </a:pPr>
-            <a:r>
-              <a:rPr sz="3200" dirty="0">
-                <a:latin typeface="Tahoma"/>
-                <a:cs typeface="Tahoma"/>
-              </a:rPr>
-              <a:t>Use</a:t>
-            </a:r>
-            <a:r>
-              <a:rPr sz="3200" spc="-260" dirty="0">
-                <a:latin typeface="Tahoma"/>
-                <a:cs typeface="Tahoma"/>
-              </a:rPr>
-              <a:t> </a:t>
-            </a:r>
-            <a:r>
-              <a:rPr sz="3200" dirty="0">
-                <a:latin typeface="Tahoma"/>
-                <a:cs typeface="Tahoma"/>
-              </a:rPr>
-              <a:t>point</a:t>
-            </a:r>
-            <a:r>
-              <a:rPr sz="3200" spc="-254" dirty="0">
-                <a:latin typeface="Tahoma"/>
-                <a:cs typeface="Tahoma"/>
-              </a:rPr>
-              <a:t> </a:t>
-            </a:r>
-            <a:r>
-              <a:rPr sz="3200" dirty="0">
-                <a:latin typeface="Tahoma"/>
-                <a:cs typeface="Tahoma"/>
-              </a:rPr>
-              <a:t>forms</a:t>
-            </a:r>
-            <a:r>
-              <a:rPr sz="3200" spc="-254" dirty="0">
-                <a:latin typeface="Tahoma"/>
-                <a:cs typeface="Tahoma"/>
-              </a:rPr>
-              <a:t> </a:t>
-            </a:r>
-            <a:r>
-              <a:rPr sz="3200" spc="-70" dirty="0">
-                <a:latin typeface="Tahoma"/>
-                <a:cs typeface="Tahoma"/>
-              </a:rPr>
-              <a:t>and</a:t>
-            </a:r>
-            <a:r>
-              <a:rPr sz="3200" spc="-260" dirty="0">
-                <a:latin typeface="Tahoma"/>
-                <a:cs typeface="Tahoma"/>
-              </a:rPr>
-              <a:t> </a:t>
-            </a:r>
-            <a:r>
-              <a:rPr sz="3200" dirty="0">
-                <a:latin typeface="Tahoma"/>
-                <a:cs typeface="Tahoma"/>
-              </a:rPr>
-              <a:t>short</a:t>
-            </a:r>
-            <a:r>
-              <a:rPr sz="3200" spc="-254" dirty="0">
-                <a:latin typeface="Tahoma"/>
-                <a:cs typeface="Tahoma"/>
-              </a:rPr>
-              <a:t> </a:t>
-            </a:r>
-            <a:r>
-              <a:rPr sz="3200" dirty="0">
-                <a:latin typeface="Tahoma"/>
-                <a:cs typeface="Tahoma"/>
-              </a:rPr>
-              <a:t>sentences</a:t>
-            </a:r>
-            <a:r>
-              <a:rPr sz="3200" spc="-254" dirty="0">
-                <a:latin typeface="Tahoma"/>
-                <a:cs typeface="Tahoma"/>
-              </a:rPr>
-              <a:t> </a:t>
-            </a:r>
-            <a:r>
-              <a:rPr sz="3200" dirty="0">
-                <a:latin typeface="Tahoma"/>
-                <a:cs typeface="Tahoma"/>
-              </a:rPr>
-              <a:t>instate</a:t>
-            </a:r>
-            <a:r>
-              <a:rPr sz="3200" spc="-260" dirty="0">
-                <a:latin typeface="Tahoma"/>
-                <a:cs typeface="Tahoma"/>
-              </a:rPr>
-              <a:t> </a:t>
-            </a:r>
-            <a:r>
-              <a:rPr sz="3200" spc="50" dirty="0">
-                <a:latin typeface="Tahoma"/>
-                <a:cs typeface="Tahoma"/>
-              </a:rPr>
-              <a:t>of</a:t>
-            </a:r>
-            <a:r>
-              <a:rPr sz="3200" spc="-254" dirty="0">
-                <a:latin typeface="Tahoma"/>
-                <a:cs typeface="Tahoma"/>
-              </a:rPr>
-              <a:t> </a:t>
-            </a:r>
-            <a:r>
-              <a:rPr sz="3200" spc="-45" dirty="0">
-                <a:latin typeface="Tahoma"/>
-                <a:cs typeface="Tahoma"/>
-              </a:rPr>
-              <a:t>long</a:t>
-            </a:r>
-            <a:r>
-              <a:rPr sz="3200" spc="-254" dirty="0">
-                <a:latin typeface="Tahoma"/>
-                <a:cs typeface="Tahoma"/>
-              </a:rPr>
-              <a:t> </a:t>
-            </a:r>
-            <a:r>
-              <a:rPr sz="3200" spc="-10" dirty="0">
-                <a:latin typeface="Tahoma"/>
-                <a:cs typeface="Tahoma"/>
-              </a:rPr>
-              <a:t>paragraphs </a:t>
-            </a:r>
-            <a:r>
-              <a:rPr sz="3200" dirty="0">
-                <a:latin typeface="Tahoma"/>
-                <a:cs typeface="Tahoma"/>
-              </a:rPr>
-              <a:t>Use</a:t>
-            </a:r>
-            <a:r>
-              <a:rPr sz="3200" spc="-300" dirty="0">
-                <a:latin typeface="Tahoma"/>
-                <a:cs typeface="Tahoma"/>
-              </a:rPr>
-              <a:t> </a:t>
-            </a:r>
-            <a:r>
-              <a:rPr sz="3200" dirty="0">
-                <a:latin typeface="Tahoma"/>
-                <a:cs typeface="Tahoma"/>
-              </a:rPr>
-              <a:t>the</a:t>
-            </a:r>
-            <a:r>
-              <a:rPr sz="3200" spc="-300" dirty="0">
-                <a:latin typeface="Tahoma"/>
-                <a:cs typeface="Tahoma"/>
-              </a:rPr>
-              <a:t> </a:t>
-            </a:r>
-            <a:r>
-              <a:rPr sz="3200" spc="150" dirty="0">
-                <a:latin typeface="Tahoma"/>
-                <a:cs typeface="Tahoma"/>
-              </a:rPr>
-              <a:t>PLP</a:t>
-            </a:r>
-            <a:r>
-              <a:rPr sz="3200" spc="-300" dirty="0">
-                <a:latin typeface="Tahoma"/>
-                <a:cs typeface="Tahoma"/>
-              </a:rPr>
-              <a:t> </a:t>
-            </a:r>
-            <a:r>
-              <a:rPr sz="3200" dirty="0">
-                <a:latin typeface="Tahoma"/>
-                <a:cs typeface="Tahoma"/>
-              </a:rPr>
-              <a:t>pitch</a:t>
-            </a:r>
-            <a:r>
-              <a:rPr sz="3200" spc="-300" dirty="0">
-                <a:latin typeface="Tahoma"/>
-                <a:cs typeface="Tahoma"/>
-              </a:rPr>
-              <a:t> </a:t>
-            </a:r>
-            <a:r>
-              <a:rPr sz="3200" dirty="0">
-                <a:latin typeface="Tahoma"/>
-                <a:cs typeface="Tahoma"/>
-              </a:rPr>
-              <a:t>deck</a:t>
-            </a:r>
-            <a:r>
-              <a:rPr sz="3200" spc="-300" dirty="0">
-                <a:latin typeface="Tahoma"/>
-                <a:cs typeface="Tahoma"/>
-              </a:rPr>
-              <a:t> </a:t>
-            </a:r>
-            <a:r>
-              <a:rPr sz="3200" spc="-40" dirty="0">
-                <a:latin typeface="Tahoma"/>
-                <a:cs typeface="Tahoma"/>
-              </a:rPr>
-              <a:t>guide</a:t>
-            </a:r>
-            <a:r>
-              <a:rPr sz="3200" spc="-300" dirty="0">
-                <a:latin typeface="Tahoma"/>
-                <a:cs typeface="Tahoma"/>
-              </a:rPr>
-              <a:t> </a:t>
-            </a:r>
-            <a:r>
-              <a:rPr sz="3200" spc="-70" dirty="0">
-                <a:latin typeface="Tahoma"/>
-                <a:cs typeface="Tahoma"/>
-              </a:rPr>
-              <a:t>and</a:t>
-            </a:r>
-            <a:r>
-              <a:rPr sz="3200" spc="-295" dirty="0">
-                <a:latin typeface="Tahoma"/>
-                <a:cs typeface="Tahoma"/>
-              </a:rPr>
-              <a:t> </a:t>
-            </a:r>
-            <a:r>
-              <a:rPr sz="3200" dirty="0">
-                <a:latin typeface="Tahoma"/>
-                <a:cs typeface="Tahoma"/>
-              </a:rPr>
-              <a:t>follow</a:t>
-            </a:r>
-            <a:r>
-              <a:rPr sz="3200" spc="-300" dirty="0">
-                <a:latin typeface="Tahoma"/>
-                <a:cs typeface="Tahoma"/>
-              </a:rPr>
-              <a:t> </a:t>
-            </a:r>
-            <a:r>
-              <a:rPr sz="3200" dirty="0">
-                <a:latin typeface="Tahoma"/>
-                <a:cs typeface="Tahoma"/>
-              </a:rPr>
-              <a:t>the</a:t>
-            </a:r>
-            <a:r>
-              <a:rPr sz="3200" spc="-300" dirty="0">
-                <a:latin typeface="Tahoma"/>
-                <a:cs typeface="Tahoma"/>
-              </a:rPr>
-              <a:t> </a:t>
-            </a:r>
-            <a:r>
-              <a:rPr sz="3200" dirty="0">
-                <a:latin typeface="Tahoma"/>
-                <a:cs typeface="Tahoma"/>
-              </a:rPr>
-              <a:t>protocol</a:t>
-            </a:r>
-            <a:r>
-              <a:rPr sz="3200" spc="-300" dirty="0">
-                <a:latin typeface="Tahoma"/>
-                <a:cs typeface="Tahoma"/>
-              </a:rPr>
-              <a:t> </a:t>
-            </a:r>
-            <a:r>
-              <a:rPr sz="3200" spc="-45" dirty="0">
-                <a:latin typeface="Tahoma"/>
-                <a:cs typeface="Tahoma"/>
-              </a:rPr>
-              <a:t>on</a:t>
-            </a:r>
-            <a:r>
-              <a:rPr sz="3200" spc="-300" dirty="0">
-                <a:latin typeface="Tahoma"/>
-                <a:cs typeface="Tahoma"/>
-              </a:rPr>
-              <a:t> </a:t>
-            </a:r>
-            <a:r>
-              <a:rPr sz="3200" spc="-10" dirty="0">
-                <a:latin typeface="Tahoma"/>
-                <a:cs typeface="Tahoma"/>
-              </a:rPr>
-              <a:t>slides</a:t>
-            </a:r>
-            <a:endParaRPr sz="3200" dirty="0">
-              <a:latin typeface="Tahoma"/>
-              <a:cs typeface="Tahoma"/>
-            </a:endParaRPr>
-          </a:p>
-          <a:p>
-            <a:pPr>
-              <a:lnSpc>
-                <a:spcPct val="100000"/>
-              </a:lnSpc>
-              <a:spcBef>
-                <a:spcPts val="1150"/>
-              </a:spcBef>
-            </a:pPr>
-            <a:endParaRPr sz="3200" dirty="0">
-              <a:latin typeface="Tahoma"/>
-              <a:cs typeface="Tahoma"/>
-            </a:endParaRPr>
-          </a:p>
-          <a:p>
-            <a:pPr marL="12700">
-              <a:lnSpc>
-                <a:spcPct val="100000"/>
-              </a:lnSpc>
-            </a:pPr>
-            <a:r>
-              <a:rPr sz="3200" dirty="0">
-                <a:latin typeface="Tahoma"/>
-                <a:cs typeface="Tahoma"/>
-              </a:rPr>
-              <a:t>Lastly</a:t>
-            </a:r>
-            <a:r>
-              <a:rPr sz="3200" spc="-325" dirty="0">
-                <a:latin typeface="Tahoma"/>
-                <a:cs typeface="Tahoma"/>
-              </a:rPr>
-              <a:t> </a:t>
-            </a:r>
-            <a:r>
-              <a:rPr sz="3200" spc="-165" dirty="0">
-                <a:latin typeface="Tahoma"/>
-                <a:cs typeface="Tahoma"/>
-              </a:rPr>
-              <a:t>“</a:t>
-            </a:r>
-            <a:r>
-              <a:rPr sz="3200" b="1" spc="-165" dirty="0">
-                <a:latin typeface="Tahoma"/>
-                <a:cs typeface="Tahoma"/>
-              </a:rPr>
-              <a:t>PLEASE</a:t>
-            </a:r>
-            <a:r>
-              <a:rPr sz="3200" b="1" spc="-254" dirty="0">
-                <a:latin typeface="Tahoma"/>
-                <a:cs typeface="Tahoma"/>
-              </a:rPr>
-              <a:t> </a:t>
-            </a:r>
-            <a:r>
-              <a:rPr sz="3200" b="1" spc="-165" dirty="0">
-                <a:latin typeface="Tahoma"/>
-                <a:cs typeface="Tahoma"/>
-              </a:rPr>
-              <a:t>DELETE</a:t>
-            </a:r>
-            <a:r>
-              <a:rPr sz="3200" b="1" spc="-254" dirty="0">
-                <a:latin typeface="Tahoma"/>
-                <a:cs typeface="Tahoma"/>
-              </a:rPr>
-              <a:t> </a:t>
-            </a:r>
-            <a:r>
-              <a:rPr sz="3200" b="1" spc="-355" dirty="0">
-                <a:latin typeface="Tahoma"/>
-                <a:cs typeface="Tahoma"/>
-              </a:rPr>
-              <a:t>THIS</a:t>
-            </a:r>
-            <a:r>
-              <a:rPr sz="3200" b="1" spc="-254" dirty="0">
-                <a:latin typeface="Tahoma"/>
-                <a:cs typeface="Tahoma"/>
-              </a:rPr>
-              <a:t> </a:t>
-            </a:r>
-            <a:r>
-              <a:rPr sz="3200" b="1" spc="-295" dirty="0">
-                <a:latin typeface="Tahoma"/>
-                <a:cs typeface="Tahoma"/>
-              </a:rPr>
-              <a:t>SLIDE</a:t>
-            </a:r>
-            <a:r>
-              <a:rPr sz="3200" b="1" spc="-254" dirty="0">
-                <a:latin typeface="Tahoma"/>
-                <a:cs typeface="Tahoma"/>
-              </a:rPr>
-              <a:t> </a:t>
-            </a:r>
-            <a:r>
-              <a:rPr sz="3200" b="1" spc="-370" dirty="0">
-                <a:latin typeface="Tahoma"/>
-                <a:cs typeface="Tahoma"/>
-              </a:rPr>
-              <a:t>WHEN</a:t>
-            </a:r>
-            <a:r>
-              <a:rPr sz="3200" b="1" spc="-254" dirty="0">
-                <a:latin typeface="Tahoma"/>
-                <a:cs typeface="Tahoma"/>
-              </a:rPr>
-              <a:t> </a:t>
-            </a:r>
-            <a:r>
-              <a:rPr sz="3200" b="1" spc="-355" dirty="0">
-                <a:latin typeface="Tahoma"/>
-                <a:cs typeface="Tahoma"/>
-              </a:rPr>
-              <a:t>YOU</a:t>
-            </a:r>
-            <a:r>
-              <a:rPr sz="3200" b="1" spc="-254" dirty="0">
-                <a:latin typeface="Tahoma"/>
-                <a:cs typeface="Tahoma"/>
-              </a:rPr>
-              <a:t> </a:t>
-            </a:r>
-            <a:r>
-              <a:rPr sz="3200" b="1" spc="-190" dirty="0">
-                <a:latin typeface="Tahoma"/>
-                <a:cs typeface="Tahoma"/>
-              </a:rPr>
-              <a:t>ARE</a:t>
-            </a:r>
-            <a:r>
-              <a:rPr sz="3200" b="1" spc="-254" dirty="0">
-                <a:latin typeface="Tahoma"/>
-                <a:cs typeface="Tahoma"/>
-              </a:rPr>
-              <a:t> </a:t>
-            </a:r>
-            <a:r>
-              <a:rPr sz="3200" b="1" spc="-330" dirty="0">
-                <a:latin typeface="Tahoma"/>
-                <a:cs typeface="Tahoma"/>
-              </a:rPr>
-              <a:t>DONE!</a:t>
-            </a:r>
-            <a:r>
-              <a:rPr sz="3200" spc="-330" dirty="0">
-                <a:latin typeface="Tahoma"/>
-                <a:cs typeface="Tahoma"/>
-              </a:rPr>
-              <a:t>”</a:t>
-            </a:r>
-            <a:endParaRPr sz="3200" dirty="0">
-              <a:latin typeface="Tahoma"/>
-              <a:cs typeface="Tahoma"/>
-            </a:endParaRPr>
-          </a:p>
-        </p:txBody>
-      </p:sp>
     </p:spTree>
   </p:cSld>
   <p:clrMapOvr>
@@ -4044,1284 +2226,6 @@
 </file>
 
 <file path=ppt/slides/slide10.xml><?xml version="1.0" encoding="utf-8"?>
-<p:sld xmlns:a="http://schemas.openxmlformats.org/drawingml/2006/main" xmlns:r="http://schemas.openxmlformats.org/officeDocument/2006/relationships" xmlns:p="http://schemas.openxmlformats.org/presentationml/2006/main" showMasterSp="0">
-  <p:cSld>
-    <p:spTree>
-      <p:nvGrpSpPr>
-        <p:cNvPr id="1" name=""/>
-        <p:cNvGrpSpPr/>
-        <p:nvPr/>
-      </p:nvGrpSpPr>
-      <p:grpSpPr>
-        <a:xfrm>
-          <a:off x="0" y="0"/>
-          <a:ext cx="0" cy="0"/>
-          <a:chOff x="0" y="0"/>
-          <a:chExt cx="0" cy="0"/>
-        </a:xfrm>
-      </p:grpSpPr>
-      <p:sp>
-        <p:nvSpPr>
-          <p:cNvPr id="2" name="object 2"/>
-          <p:cNvSpPr/>
-          <p:nvPr/>
-        </p:nvSpPr>
-        <p:spPr>
-          <a:xfrm>
-            <a:off x="1703358" y="3971075"/>
-            <a:ext cx="14878050" cy="600075"/>
-          </a:xfrm>
-          <a:custGeom>
-            <a:avLst/>
-            <a:gdLst/>
-            <a:ahLst/>
-            <a:cxnLst/>
-            <a:rect l="l" t="t" r="r" b="b"/>
-            <a:pathLst>
-              <a:path w="14878050" h="600075">
-                <a:moveTo>
-                  <a:pt x="14878048" y="600074"/>
-                </a:moveTo>
-                <a:lnTo>
-                  <a:pt x="0" y="600074"/>
-                </a:lnTo>
-                <a:lnTo>
-                  <a:pt x="0" y="0"/>
-                </a:lnTo>
-                <a:lnTo>
-                  <a:pt x="14878048" y="0"/>
-                </a:lnTo>
-                <a:lnTo>
-                  <a:pt x="14878048" y="600074"/>
-                </a:lnTo>
-                <a:close/>
-              </a:path>
-            </a:pathLst>
-          </a:custGeom>
-          <a:solidFill>
-            <a:srgbClr val="8F113D">
-              <a:alpha val="1998"/>
-            </a:srgbClr>
-          </a:solidFill>
-        </p:spPr>
-        <p:txBody>
-          <a:bodyPr wrap="square" lIns="0" tIns="0" rIns="0" bIns="0" rtlCol="0"/>
-          <a:lstStyle/>
-          <a:p>
-            <a:r>
-              <a:rPr lang="en-ZA" sz="3600" dirty="0" smtClean="0">
-                <a:latin typeface="Times New Roman" pitchFamily="18" charset="0"/>
-                <a:cs typeface="Times New Roman" pitchFamily="18" charset="0"/>
-              </a:rPr>
-              <a:t>  System Architecture design</a:t>
-            </a:r>
-            <a:endParaRPr sz="3600" dirty="0">
-              <a:latin typeface="Times New Roman" pitchFamily="18" charset="0"/>
-              <a:cs typeface="Times New Roman" pitchFamily="18" charset="0"/>
-            </a:endParaRPr>
-          </a:p>
-        </p:txBody>
-      </p:sp>
-      <p:sp>
-        <p:nvSpPr>
-          <p:cNvPr id="3" name="object 3"/>
-          <p:cNvSpPr/>
-          <p:nvPr/>
-        </p:nvSpPr>
-        <p:spPr>
-          <a:xfrm>
-            <a:off x="1600200" y="5158823"/>
-            <a:ext cx="14878050" cy="1187749"/>
-          </a:xfrm>
-          <a:custGeom>
-            <a:avLst/>
-            <a:gdLst/>
-            <a:ahLst/>
-            <a:cxnLst/>
-            <a:rect l="l" t="t" r="r" b="b"/>
-            <a:pathLst>
-              <a:path w="14878050" h="600075">
-                <a:moveTo>
-                  <a:pt x="14878048" y="600074"/>
-                </a:moveTo>
-                <a:lnTo>
-                  <a:pt x="0" y="600074"/>
-                </a:lnTo>
-                <a:lnTo>
-                  <a:pt x="0" y="0"/>
-                </a:lnTo>
-                <a:lnTo>
-                  <a:pt x="14878048" y="0"/>
-                </a:lnTo>
-                <a:lnTo>
-                  <a:pt x="14878048" y="600074"/>
-                </a:lnTo>
-                <a:close/>
-              </a:path>
-            </a:pathLst>
-          </a:custGeom>
-          <a:solidFill>
-            <a:srgbClr val="8F113D">
-              <a:alpha val="1998"/>
-            </a:srgbClr>
-          </a:solidFill>
-        </p:spPr>
-        <p:txBody>
-          <a:bodyPr wrap="square" lIns="0" tIns="0" rIns="0" bIns="0" rtlCol="0"/>
-          <a:lstStyle/>
-          <a:p>
-            <a:r>
-              <a:rPr lang="en-ZA" sz="3600" dirty="0" smtClean="0">
-                <a:latin typeface="Times New Roman" pitchFamily="18" charset="0"/>
-                <a:cs typeface="Times New Roman" pitchFamily="18" charset="0"/>
-              </a:rPr>
-              <a:t>  Build and test of prototype</a:t>
-            </a:r>
-          </a:p>
-          <a:p>
-            <a:r>
-              <a:rPr lang="en-ZA" sz="3600" dirty="0">
-                <a:latin typeface="Times New Roman" pitchFamily="18" charset="0"/>
-                <a:cs typeface="Times New Roman" pitchFamily="18" charset="0"/>
-              </a:rPr>
-              <a:t> </a:t>
-            </a:r>
-            <a:r>
-              <a:rPr lang="en-ZA" sz="3600" dirty="0" smtClean="0">
-                <a:latin typeface="Times New Roman" pitchFamily="18" charset="0"/>
-                <a:cs typeface="Times New Roman" pitchFamily="18" charset="0"/>
-              </a:rPr>
-              <a:t> </a:t>
-            </a:r>
-            <a:endParaRPr sz="3600" dirty="0">
-              <a:latin typeface="Times New Roman" pitchFamily="18" charset="0"/>
-              <a:cs typeface="Times New Roman" pitchFamily="18" charset="0"/>
-            </a:endParaRPr>
-          </a:p>
-        </p:txBody>
-      </p:sp>
-      <p:sp>
-        <p:nvSpPr>
-          <p:cNvPr id="4" name="object 4"/>
-          <p:cNvSpPr/>
-          <p:nvPr/>
-        </p:nvSpPr>
-        <p:spPr>
-          <a:xfrm>
-            <a:off x="1703358" y="6346572"/>
-            <a:ext cx="14878050" cy="600075"/>
-          </a:xfrm>
-          <a:custGeom>
-            <a:avLst/>
-            <a:gdLst/>
-            <a:ahLst/>
-            <a:cxnLst/>
-            <a:rect l="l" t="t" r="r" b="b"/>
-            <a:pathLst>
-              <a:path w="14878050" h="600075">
-                <a:moveTo>
-                  <a:pt x="14878048" y="600074"/>
-                </a:moveTo>
-                <a:lnTo>
-                  <a:pt x="0" y="600074"/>
-                </a:lnTo>
-                <a:lnTo>
-                  <a:pt x="0" y="0"/>
-                </a:lnTo>
-                <a:lnTo>
-                  <a:pt x="14878048" y="0"/>
-                </a:lnTo>
-                <a:lnTo>
-                  <a:pt x="14878048" y="600074"/>
-                </a:lnTo>
-                <a:close/>
-              </a:path>
-            </a:pathLst>
-          </a:custGeom>
-          <a:solidFill>
-            <a:srgbClr val="8F113D">
-              <a:alpha val="1998"/>
-            </a:srgbClr>
-          </a:solidFill>
-        </p:spPr>
-        <p:txBody>
-          <a:bodyPr wrap="square" lIns="0" tIns="0" rIns="0" bIns="0" rtlCol="0"/>
-          <a:lstStyle/>
-          <a:p>
-            <a:r>
-              <a:rPr lang="en-ZA" sz="3600" dirty="0">
-                <a:latin typeface="Times New Roman" pitchFamily="18" charset="0"/>
-                <a:cs typeface="Times New Roman" pitchFamily="18" charset="0"/>
-              </a:rPr>
-              <a:t> </a:t>
-            </a:r>
-            <a:r>
-              <a:rPr lang="en-ZA" sz="3600" dirty="0" smtClean="0">
-                <a:latin typeface="Times New Roman" pitchFamily="18" charset="0"/>
-                <a:cs typeface="Times New Roman" pitchFamily="18" charset="0"/>
-              </a:rPr>
-              <a:t>Deploying of the prototype and gathering user feedback </a:t>
-            </a:r>
-            <a:endParaRPr sz="3600" dirty="0">
-              <a:latin typeface="Times New Roman" pitchFamily="18" charset="0"/>
-              <a:cs typeface="Times New Roman" pitchFamily="18" charset="0"/>
-            </a:endParaRPr>
-          </a:p>
-        </p:txBody>
-      </p:sp>
-      <p:sp>
-        <p:nvSpPr>
-          <p:cNvPr id="5" name="object 5"/>
-          <p:cNvSpPr/>
-          <p:nvPr/>
-        </p:nvSpPr>
-        <p:spPr>
-          <a:xfrm>
-            <a:off x="1703358" y="7534321"/>
-            <a:ext cx="14878050" cy="600075"/>
-          </a:xfrm>
-          <a:custGeom>
-            <a:avLst/>
-            <a:gdLst/>
-            <a:ahLst/>
-            <a:cxnLst/>
-            <a:rect l="l" t="t" r="r" b="b"/>
-            <a:pathLst>
-              <a:path w="14878050" h="600075">
-                <a:moveTo>
-                  <a:pt x="14878048" y="600074"/>
-                </a:moveTo>
-                <a:lnTo>
-                  <a:pt x="0" y="600074"/>
-                </a:lnTo>
-                <a:lnTo>
-                  <a:pt x="0" y="0"/>
-                </a:lnTo>
-                <a:lnTo>
-                  <a:pt x="14878048" y="0"/>
-                </a:lnTo>
-                <a:lnTo>
-                  <a:pt x="14878048" y="600074"/>
-                </a:lnTo>
-                <a:close/>
-              </a:path>
-            </a:pathLst>
-          </a:custGeom>
-          <a:solidFill>
-            <a:srgbClr val="8F113D">
-              <a:alpha val="1998"/>
-            </a:srgbClr>
-          </a:solidFill>
-        </p:spPr>
-        <p:txBody>
-          <a:bodyPr wrap="square" lIns="0" tIns="0" rIns="0" bIns="0" rtlCol="0"/>
-          <a:lstStyle/>
-          <a:p>
-            <a:r>
-              <a:rPr lang="en-ZA" sz="3600" dirty="0" smtClean="0">
-                <a:latin typeface="Times New Roman" pitchFamily="18" charset="0"/>
-                <a:cs typeface="Times New Roman" pitchFamily="18" charset="0"/>
-              </a:rPr>
-              <a:t>Preparation of reports, presentation, and plan for scaling the project </a:t>
-            </a:r>
-            <a:endParaRPr sz="3600" dirty="0">
-              <a:latin typeface="Times New Roman" pitchFamily="18" charset="0"/>
-              <a:cs typeface="Times New Roman" pitchFamily="18" charset="0"/>
-            </a:endParaRPr>
-          </a:p>
-        </p:txBody>
-      </p:sp>
-      <p:sp>
-        <p:nvSpPr>
-          <p:cNvPr id="6" name="object 6"/>
-          <p:cNvSpPr/>
-          <p:nvPr/>
-        </p:nvSpPr>
-        <p:spPr>
-          <a:xfrm>
-            <a:off x="1703358" y="3367387"/>
-            <a:ext cx="14881860" cy="0"/>
-          </a:xfrm>
-          <a:custGeom>
-            <a:avLst/>
-            <a:gdLst/>
-            <a:ahLst/>
-            <a:cxnLst/>
-            <a:rect l="l" t="t" r="r" b="b"/>
-            <a:pathLst>
-              <a:path w="14881860">
-                <a:moveTo>
-                  <a:pt x="0" y="0"/>
-                </a:moveTo>
-                <a:lnTo>
-                  <a:pt x="14881281" y="0"/>
-                </a:lnTo>
-              </a:path>
-            </a:pathLst>
-          </a:custGeom>
-          <a:ln w="19049">
-            <a:solidFill>
-              <a:srgbClr val="8F113D"/>
-            </a:solidFill>
-          </a:ln>
-        </p:spPr>
-        <p:txBody>
-          <a:bodyPr wrap="square" lIns="0" tIns="0" rIns="0" bIns="0" rtlCol="0"/>
-          <a:lstStyle/>
-          <a:p>
-            <a:endParaRPr/>
-          </a:p>
-        </p:txBody>
-      </p:sp>
-      <p:sp>
-        <p:nvSpPr>
-          <p:cNvPr id="7" name="object 7"/>
-          <p:cNvSpPr/>
-          <p:nvPr/>
-        </p:nvSpPr>
-        <p:spPr>
-          <a:xfrm>
-            <a:off x="1703358" y="8136752"/>
-            <a:ext cx="14881860" cy="19050"/>
-          </a:xfrm>
-          <a:custGeom>
-            <a:avLst/>
-            <a:gdLst/>
-            <a:ahLst/>
-            <a:cxnLst/>
-            <a:rect l="l" t="t" r="r" b="b"/>
-            <a:pathLst>
-              <a:path w="14881860" h="19050">
-                <a:moveTo>
-                  <a:pt x="0" y="0"/>
-                </a:moveTo>
-                <a:lnTo>
-                  <a:pt x="14881281" y="0"/>
-                </a:lnTo>
-                <a:lnTo>
-                  <a:pt x="14881281" y="19049"/>
-                </a:lnTo>
-                <a:lnTo>
-                  <a:pt x="0" y="19049"/>
-                </a:lnTo>
-                <a:lnTo>
-                  <a:pt x="0" y="0"/>
-                </a:lnTo>
-                <a:close/>
-              </a:path>
-            </a:pathLst>
-          </a:custGeom>
-          <a:solidFill>
-            <a:srgbClr val="8F113D"/>
-          </a:solidFill>
-        </p:spPr>
-        <p:txBody>
-          <a:bodyPr wrap="square" lIns="0" tIns="0" rIns="0" bIns="0" rtlCol="0"/>
-          <a:lstStyle/>
-          <a:p>
-            <a:endParaRPr/>
-          </a:p>
-        </p:txBody>
-      </p:sp>
-      <p:sp>
-        <p:nvSpPr>
-          <p:cNvPr id="8" name="object 8"/>
-          <p:cNvSpPr txBox="1"/>
-          <p:nvPr/>
-        </p:nvSpPr>
-        <p:spPr>
-          <a:xfrm>
-            <a:off x="7190054" y="2722212"/>
-            <a:ext cx="972185" cy="375920"/>
-          </a:xfrm>
-          <a:prstGeom prst="rect">
-            <a:avLst/>
-          </a:prstGeom>
-        </p:spPr>
-        <p:txBody>
-          <a:bodyPr vert="horz" wrap="square" lIns="0" tIns="12700" rIns="0" bIns="0" rtlCol="0">
-            <a:spAutoFit/>
-          </a:bodyPr>
-          <a:lstStyle/>
-          <a:p>
-            <a:pPr marL="12700">
-              <a:lnSpc>
-                <a:spcPct val="100000"/>
-              </a:lnSpc>
-              <a:spcBef>
-                <a:spcPts val="100"/>
-              </a:spcBef>
-            </a:pPr>
-            <a:r>
-              <a:rPr sz="2300" spc="-50" dirty="0">
-                <a:solidFill>
-                  <a:srgbClr val="8F113D"/>
-                </a:solidFill>
-                <a:latin typeface="Tahoma"/>
-                <a:cs typeface="Tahoma"/>
-              </a:rPr>
-              <a:t>Month</a:t>
-            </a:r>
-            <a:r>
-              <a:rPr sz="2300" spc="-215" dirty="0">
-                <a:solidFill>
-                  <a:srgbClr val="8F113D"/>
-                </a:solidFill>
-                <a:latin typeface="Tahoma"/>
-                <a:cs typeface="Tahoma"/>
-              </a:rPr>
-              <a:t> </a:t>
-            </a:r>
-            <a:r>
-              <a:rPr sz="2300" spc="-515" dirty="0">
-                <a:solidFill>
-                  <a:srgbClr val="8F113D"/>
-                </a:solidFill>
-                <a:latin typeface="Tahoma"/>
-                <a:cs typeface="Tahoma"/>
-              </a:rPr>
-              <a:t>1</a:t>
-            </a:r>
-            <a:endParaRPr sz="2300">
-              <a:latin typeface="Tahoma"/>
-              <a:cs typeface="Tahoma"/>
-            </a:endParaRPr>
-          </a:p>
-        </p:txBody>
-      </p:sp>
-      <p:sp>
-        <p:nvSpPr>
-          <p:cNvPr id="9" name="object 9"/>
-          <p:cNvSpPr txBox="1"/>
-          <p:nvPr/>
-        </p:nvSpPr>
-        <p:spPr>
-          <a:xfrm>
-            <a:off x="9219812" y="2722212"/>
-            <a:ext cx="1028700" cy="375920"/>
-          </a:xfrm>
-          <a:prstGeom prst="rect">
-            <a:avLst/>
-          </a:prstGeom>
-        </p:spPr>
-        <p:txBody>
-          <a:bodyPr vert="horz" wrap="square" lIns="0" tIns="12700" rIns="0" bIns="0" rtlCol="0">
-            <a:spAutoFit/>
-          </a:bodyPr>
-          <a:lstStyle/>
-          <a:p>
-            <a:pPr marL="12700">
-              <a:lnSpc>
-                <a:spcPct val="100000"/>
-              </a:lnSpc>
-              <a:spcBef>
-                <a:spcPts val="100"/>
-              </a:spcBef>
-            </a:pPr>
-            <a:r>
-              <a:rPr sz="2300" spc="-50" dirty="0">
-                <a:solidFill>
-                  <a:srgbClr val="8F113D"/>
-                </a:solidFill>
-                <a:latin typeface="Tahoma"/>
-                <a:cs typeface="Tahoma"/>
-              </a:rPr>
-              <a:t>Month</a:t>
-            </a:r>
-            <a:r>
-              <a:rPr sz="2300" spc="-215" dirty="0">
-                <a:solidFill>
-                  <a:srgbClr val="8F113D"/>
-                </a:solidFill>
-                <a:latin typeface="Tahoma"/>
-                <a:cs typeface="Tahoma"/>
-              </a:rPr>
-              <a:t> </a:t>
-            </a:r>
-            <a:r>
-              <a:rPr sz="2300" spc="-50" dirty="0">
-                <a:solidFill>
-                  <a:srgbClr val="8F113D"/>
-                </a:solidFill>
-                <a:latin typeface="Tahoma"/>
-                <a:cs typeface="Tahoma"/>
-              </a:rPr>
-              <a:t>2</a:t>
-            </a:r>
-            <a:endParaRPr sz="2300">
-              <a:latin typeface="Tahoma"/>
-              <a:cs typeface="Tahoma"/>
-            </a:endParaRPr>
-          </a:p>
-        </p:txBody>
-      </p:sp>
-      <p:sp>
-        <p:nvSpPr>
-          <p:cNvPr id="10" name="object 10"/>
-          <p:cNvSpPr txBox="1"/>
-          <p:nvPr/>
-        </p:nvSpPr>
-        <p:spPr>
-          <a:xfrm>
-            <a:off x="11176134" y="2722212"/>
-            <a:ext cx="1022985" cy="375920"/>
-          </a:xfrm>
-          <a:prstGeom prst="rect">
-            <a:avLst/>
-          </a:prstGeom>
-        </p:spPr>
-        <p:txBody>
-          <a:bodyPr vert="horz" wrap="square" lIns="0" tIns="12700" rIns="0" bIns="0" rtlCol="0">
-            <a:spAutoFit/>
-          </a:bodyPr>
-          <a:lstStyle/>
-          <a:p>
-            <a:pPr marL="12700">
-              <a:lnSpc>
-                <a:spcPct val="100000"/>
-              </a:lnSpc>
-              <a:spcBef>
-                <a:spcPts val="100"/>
-              </a:spcBef>
-            </a:pPr>
-            <a:r>
-              <a:rPr sz="2300" spc="-50" dirty="0">
-                <a:solidFill>
-                  <a:srgbClr val="8F113D"/>
-                </a:solidFill>
-                <a:latin typeface="Tahoma"/>
-                <a:cs typeface="Tahoma"/>
-              </a:rPr>
-              <a:t>Month</a:t>
-            </a:r>
-            <a:r>
-              <a:rPr sz="2300" spc="-215" dirty="0">
-                <a:solidFill>
-                  <a:srgbClr val="8F113D"/>
-                </a:solidFill>
-                <a:latin typeface="Tahoma"/>
-                <a:cs typeface="Tahoma"/>
-              </a:rPr>
-              <a:t> </a:t>
-            </a:r>
-            <a:r>
-              <a:rPr sz="2300" spc="-50" dirty="0">
-                <a:solidFill>
-                  <a:srgbClr val="8F113D"/>
-                </a:solidFill>
-                <a:latin typeface="Tahoma"/>
-                <a:cs typeface="Tahoma"/>
-              </a:rPr>
-              <a:t>3</a:t>
-            </a:r>
-            <a:endParaRPr sz="2300">
-              <a:latin typeface="Tahoma"/>
-              <a:cs typeface="Tahoma"/>
-            </a:endParaRPr>
-          </a:p>
-        </p:txBody>
-      </p:sp>
-      <p:sp>
-        <p:nvSpPr>
-          <p:cNvPr id="11" name="object 11"/>
-          <p:cNvSpPr txBox="1"/>
-          <p:nvPr/>
-        </p:nvSpPr>
-        <p:spPr>
-          <a:xfrm>
-            <a:off x="13124482" y="2722212"/>
-            <a:ext cx="1033144" cy="375920"/>
-          </a:xfrm>
-          <a:prstGeom prst="rect">
-            <a:avLst/>
-          </a:prstGeom>
-        </p:spPr>
-        <p:txBody>
-          <a:bodyPr vert="horz" wrap="square" lIns="0" tIns="12700" rIns="0" bIns="0" rtlCol="0">
-            <a:spAutoFit/>
-          </a:bodyPr>
-          <a:lstStyle/>
-          <a:p>
-            <a:pPr marL="12700">
-              <a:lnSpc>
-                <a:spcPct val="100000"/>
-              </a:lnSpc>
-              <a:spcBef>
-                <a:spcPts val="100"/>
-              </a:spcBef>
-            </a:pPr>
-            <a:r>
-              <a:rPr sz="2300" spc="-50" dirty="0">
-                <a:solidFill>
-                  <a:srgbClr val="8F113D"/>
-                </a:solidFill>
-                <a:latin typeface="Tahoma"/>
-                <a:cs typeface="Tahoma"/>
-              </a:rPr>
-              <a:t>Month</a:t>
-            </a:r>
-            <a:r>
-              <a:rPr sz="2300" spc="-215" dirty="0">
-                <a:solidFill>
-                  <a:srgbClr val="8F113D"/>
-                </a:solidFill>
-                <a:latin typeface="Tahoma"/>
-                <a:cs typeface="Tahoma"/>
-              </a:rPr>
-              <a:t> </a:t>
-            </a:r>
-            <a:r>
-              <a:rPr sz="2300" spc="-50" dirty="0">
-                <a:solidFill>
-                  <a:srgbClr val="8F113D"/>
-                </a:solidFill>
-                <a:latin typeface="Tahoma"/>
-                <a:cs typeface="Tahoma"/>
-              </a:rPr>
-              <a:t>4</a:t>
-            </a:r>
-            <a:endParaRPr sz="2300">
-              <a:latin typeface="Tahoma"/>
-              <a:cs typeface="Tahoma"/>
-            </a:endParaRPr>
-          </a:p>
-        </p:txBody>
-      </p:sp>
-      <p:sp>
-        <p:nvSpPr>
-          <p:cNvPr id="12" name="object 12"/>
-          <p:cNvSpPr txBox="1"/>
-          <p:nvPr/>
-        </p:nvSpPr>
-        <p:spPr>
-          <a:xfrm>
-            <a:off x="15083254" y="2722212"/>
-            <a:ext cx="1022350" cy="375920"/>
-          </a:xfrm>
-          <a:prstGeom prst="rect">
-            <a:avLst/>
-          </a:prstGeom>
-        </p:spPr>
-        <p:txBody>
-          <a:bodyPr vert="horz" wrap="square" lIns="0" tIns="12700" rIns="0" bIns="0" rtlCol="0">
-            <a:spAutoFit/>
-          </a:bodyPr>
-          <a:lstStyle/>
-          <a:p>
-            <a:pPr marL="12700">
-              <a:lnSpc>
-                <a:spcPct val="100000"/>
-              </a:lnSpc>
-              <a:spcBef>
-                <a:spcPts val="100"/>
-              </a:spcBef>
-            </a:pPr>
-            <a:r>
-              <a:rPr sz="2300" spc="-50" dirty="0">
-                <a:solidFill>
-                  <a:srgbClr val="8F113D"/>
-                </a:solidFill>
-                <a:latin typeface="Tahoma"/>
-                <a:cs typeface="Tahoma"/>
-              </a:rPr>
-              <a:t>Month</a:t>
-            </a:r>
-            <a:r>
-              <a:rPr sz="2300" spc="-215" dirty="0">
-                <a:solidFill>
-                  <a:srgbClr val="8F113D"/>
-                </a:solidFill>
-                <a:latin typeface="Tahoma"/>
-                <a:cs typeface="Tahoma"/>
-              </a:rPr>
-              <a:t> </a:t>
-            </a:r>
-            <a:r>
-              <a:rPr sz="2300" spc="-50" dirty="0">
-                <a:solidFill>
-                  <a:srgbClr val="8F113D"/>
-                </a:solidFill>
-                <a:latin typeface="Tahoma"/>
-                <a:cs typeface="Tahoma"/>
-              </a:rPr>
-              <a:t>5</a:t>
-            </a:r>
-            <a:endParaRPr sz="2300">
-              <a:latin typeface="Tahoma"/>
-              <a:cs typeface="Tahoma"/>
-            </a:endParaRPr>
-          </a:p>
-        </p:txBody>
-      </p:sp>
-      <p:sp>
-        <p:nvSpPr>
-          <p:cNvPr id="13" name="object 13"/>
-          <p:cNvSpPr txBox="1"/>
-          <p:nvPr/>
-        </p:nvSpPr>
-        <p:spPr>
-          <a:xfrm>
-            <a:off x="2056102" y="2714563"/>
-            <a:ext cx="768985" cy="375920"/>
-          </a:xfrm>
-          <a:prstGeom prst="rect">
-            <a:avLst/>
-          </a:prstGeom>
-        </p:spPr>
-        <p:txBody>
-          <a:bodyPr vert="horz" wrap="square" lIns="0" tIns="12700" rIns="0" bIns="0" rtlCol="0">
-            <a:spAutoFit/>
-          </a:bodyPr>
-          <a:lstStyle/>
-          <a:p>
-            <a:pPr marL="12700">
-              <a:lnSpc>
-                <a:spcPct val="100000"/>
-              </a:lnSpc>
-              <a:spcBef>
-                <a:spcPts val="100"/>
-              </a:spcBef>
-            </a:pPr>
-            <a:r>
-              <a:rPr sz="2300" spc="-10" dirty="0">
-                <a:solidFill>
-                  <a:srgbClr val="8F113D"/>
-                </a:solidFill>
-                <a:latin typeface="Tahoma"/>
-                <a:cs typeface="Tahoma"/>
-              </a:rPr>
-              <a:t>Tasks</a:t>
-            </a:r>
-            <a:endParaRPr sz="2300">
-              <a:latin typeface="Tahoma"/>
-              <a:cs typeface="Tahoma"/>
-            </a:endParaRPr>
-          </a:p>
-        </p:txBody>
-      </p:sp>
-      <p:sp>
-        <p:nvSpPr>
-          <p:cNvPr id="14" name="object 14"/>
-          <p:cNvSpPr txBox="1"/>
-          <p:nvPr/>
-        </p:nvSpPr>
-        <p:spPr>
-          <a:xfrm>
-            <a:off x="1985042" y="3439398"/>
-            <a:ext cx="14600176" cy="933589"/>
-          </a:xfrm>
-          <a:prstGeom prst="rect">
-            <a:avLst/>
-          </a:prstGeom>
-        </p:spPr>
-        <p:txBody>
-          <a:bodyPr vert="horz" wrap="square" lIns="0" tIns="12700" rIns="0" bIns="0" rtlCol="0">
-            <a:spAutoFit/>
-          </a:bodyPr>
-          <a:lstStyle/>
-          <a:p>
-            <a:pPr marL="12700" algn="just">
-              <a:lnSpc>
-                <a:spcPct val="100000"/>
-              </a:lnSpc>
-              <a:spcBef>
-                <a:spcPts val="100"/>
-              </a:spcBef>
-            </a:pPr>
-            <a:r>
-              <a:rPr lang="en-ZA" sz="3600" dirty="0" smtClean="0">
-                <a:solidFill>
-                  <a:schemeClr val="tx1"/>
-                </a:solidFill>
-                <a:latin typeface="Times New Roman" pitchFamily="18" charset="0"/>
-                <a:cs typeface="Times New Roman" pitchFamily="18" charset="0"/>
-              </a:rPr>
-              <a:t>Problem identification </a:t>
-            </a:r>
-            <a:r>
-              <a:rPr sz="3600" spc="-150" dirty="0" smtClean="0">
-                <a:solidFill>
-                  <a:schemeClr val="tx1"/>
-                </a:solidFill>
-                <a:latin typeface="Times New Roman" pitchFamily="18" charset="0"/>
-                <a:cs typeface="Times New Roman" pitchFamily="18" charset="0"/>
-              </a:rPr>
-              <a:t> </a:t>
-            </a:r>
-            <a:endParaRPr lang="en-ZA" sz="3600" spc="-20" dirty="0">
-              <a:solidFill>
-                <a:schemeClr val="tx1"/>
-              </a:solidFill>
-              <a:latin typeface="Times New Roman" pitchFamily="18" charset="0"/>
-              <a:cs typeface="Times New Roman" pitchFamily="18" charset="0"/>
-            </a:endParaRPr>
-          </a:p>
-          <a:p>
-            <a:pPr marL="12700" algn="just">
-              <a:lnSpc>
-                <a:spcPct val="100000"/>
-              </a:lnSpc>
-              <a:spcBef>
-                <a:spcPts val="100"/>
-              </a:spcBef>
-            </a:pPr>
-            <a:endParaRPr sz="2300" dirty="0">
-              <a:latin typeface="Tahoma"/>
-              <a:cs typeface="Tahoma"/>
-            </a:endParaRPr>
-          </a:p>
-        </p:txBody>
-      </p:sp>
-      <p:sp>
-        <p:nvSpPr>
-          <p:cNvPr id="15" name="object 15"/>
-          <p:cNvSpPr/>
-          <p:nvPr/>
-        </p:nvSpPr>
-        <p:spPr>
-          <a:xfrm>
-            <a:off x="6673183" y="3426734"/>
-            <a:ext cx="1972945" cy="485775"/>
-          </a:xfrm>
-          <a:custGeom>
-            <a:avLst/>
-            <a:gdLst/>
-            <a:ahLst/>
-            <a:cxnLst/>
-            <a:rect l="l" t="t" r="r" b="b"/>
-            <a:pathLst>
-              <a:path w="1972945" h="485775">
-                <a:moveTo>
-                  <a:pt x="0" y="0"/>
-                </a:moveTo>
-                <a:lnTo>
-                  <a:pt x="1972819" y="0"/>
-                </a:lnTo>
-                <a:lnTo>
-                  <a:pt x="1972819" y="485774"/>
-                </a:lnTo>
-                <a:lnTo>
-                  <a:pt x="0" y="485774"/>
-                </a:lnTo>
-                <a:lnTo>
-                  <a:pt x="0" y="0"/>
-                </a:lnTo>
-                <a:close/>
-              </a:path>
-            </a:pathLst>
-          </a:custGeom>
-          <a:solidFill>
-            <a:srgbClr val="8F113D"/>
-          </a:solidFill>
-        </p:spPr>
-        <p:txBody>
-          <a:bodyPr wrap="square" lIns="0" tIns="0" rIns="0" bIns="0" rtlCol="0"/>
-          <a:lstStyle/>
-          <a:p>
-            <a:endParaRPr/>
-          </a:p>
-        </p:txBody>
-      </p:sp>
-      <p:sp>
-        <p:nvSpPr>
-          <p:cNvPr id="16" name="object 16"/>
-          <p:cNvSpPr/>
-          <p:nvPr/>
-        </p:nvSpPr>
-        <p:spPr>
-          <a:xfrm>
-            <a:off x="7659592" y="4029975"/>
-            <a:ext cx="2972435" cy="485775"/>
-          </a:xfrm>
-          <a:custGeom>
-            <a:avLst/>
-            <a:gdLst/>
-            <a:ahLst/>
-            <a:cxnLst/>
-            <a:rect l="l" t="t" r="r" b="b"/>
-            <a:pathLst>
-              <a:path w="2972434" h="485775">
-                <a:moveTo>
-                  <a:pt x="0" y="0"/>
-                </a:moveTo>
-                <a:lnTo>
-                  <a:pt x="2972327" y="0"/>
-                </a:lnTo>
-                <a:lnTo>
-                  <a:pt x="2972327" y="485774"/>
-                </a:lnTo>
-                <a:lnTo>
-                  <a:pt x="0" y="485774"/>
-                </a:lnTo>
-                <a:lnTo>
-                  <a:pt x="0" y="0"/>
-                </a:lnTo>
-                <a:close/>
-              </a:path>
-            </a:pathLst>
-          </a:custGeom>
-          <a:solidFill>
-            <a:srgbClr val="0AB5BC"/>
-          </a:solidFill>
-        </p:spPr>
-        <p:txBody>
-          <a:bodyPr wrap="square" lIns="0" tIns="0" rIns="0" bIns="0" rtlCol="0"/>
-          <a:lstStyle/>
-          <a:p>
-            <a:endParaRPr/>
-          </a:p>
-        </p:txBody>
-      </p:sp>
-      <p:sp>
-        <p:nvSpPr>
-          <p:cNvPr id="18" name="object 18"/>
-          <p:cNvSpPr/>
-          <p:nvPr/>
-        </p:nvSpPr>
-        <p:spPr>
-          <a:xfrm>
-            <a:off x="12631284" y="6404756"/>
-            <a:ext cx="2962910" cy="485775"/>
-          </a:xfrm>
-          <a:custGeom>
-            <a:avLst/>
-            <a:gdLst/>
-            <a:ahLst/>
-            <a:cxnLst/>
-            <a:rect l="l" t="t" r="r" b="b"/>
-            <a:pathLst>
-              <a:path w="2962909" h="485775">
-                <a:moveTo>
-                  <a:pt x="0" y="0"/>
-                </a:moveTo>
-                <a:lnTo>
-                  <a:pt x="2962913" y="0"/>
-                </a:lnTo>
-                <a:lnTo>
-                  <a:pt x="2962913" y="485774"/>
-                </a:lnTo>
-                <a:lnTo>
-                  <a:pt x="0" y="485774"/>
-                </a:lnTo>
-                <a:lnTo>
-                  <a:pt x="0" y="0"/>
-                </a:lnTo>
-                <a:close/>
-              </a:path>
-            </a:pathLst>
-          </a:custGeom>
-          <a:solidFill>
-            <a:srgbClr val="083169"/>
-          </a:solidFill>
-        </p:spPr>
-        <p:txBody>
-          <a:bodyPr wrap="square" lIns="0" tIns="0" rIns="0" bIns="0" rtlCol="0"/>
-          <a:lstStyle/>
-          <a:p>
-            <a:endParaRPr/>
-          </a:p>
-        </p:txBody>
-      </p:sp>
-      <p:sp>
-        <p:nvSpPr>
-          <p:cNvPr id="19" name="object 19"/>
-          <p:cNvSpPr/>
-          <p:nvPr/>
-        </p:nvSpPr>
-        <p:spPr>
-          <a:xfrm>
-            <a:off x="14603758" y="6999076"/>
-            <a:ext cx="1981200" cy="485775"/>
-          </a:xfrm>
-          <a:custGeom>
-            <a:avLst/>
-            <a:gdLst/>
-            <a:ahLst/>
-            <a:cxnLst/>
-            <a:rect l="l" t="t" r="r" b="b"/>
-            <a:pathLst>
-              <a:path w="1981200" h="485775">
-                <a:moveTo>
-                  <a:pt x="0" y="0"/>
-                </a:moveTo>
-                <a:lnTo>
-                  <a:pt x="1980882" y="0"/>
-                </a:lnTo>
-                <a:lnTo>
-                  <a:pt x="1980882" y="485774"/>
-                </a:lnTo>
-                <a:lnTo>
-                  <a:pt x="0" y="485774"/>
-                </a:lnTo>
-                <a:lnTo>
-                  <a:pt x="0" y="0"/>
-                </a:lnTo>
-                <a:close/>
-              </a:path>
-            </a:pathLst>
-          </a:custGeom>
-          <a:solidFill>
-            <a:srgbClr val="CF6E37"/>
-          </a:solidFill>
-        </p:spPr>
-        <p:txBody>
-          <a:bodyPr wrap="square" lIns="0" tIns="0" rIns="0" bIns="0" rtlCol="0"/>
-          <a:lstStyle/>
-          <a:p>
-            <a:endParaRPr/>
-          </a:p>
-        </p:txBody>
-      </p:sp>
-      <p:sp>
-        <p:nvSpPr>
-          <p:cNvPr id="20" name="object 20"/>
-          <p:cNvSpPr/>
-          <p:nvPr/>
-        </p:nvSpPr>
-        <p:spPr>
-          <a:xfrm>
-            <a:off x="15598404" y="7592505"/>
-            <a:ext cx="986790" cy="485775"/>
-          </a:xfrm>
-          <a:custGeom>
-            <a:avLst/>
-            <a:gdLst/>
-            <a:ahLst/>
-            <a:cxnLst/>
-            <a:rect l="l" t="t" r="r" b="b"/>
-            <a:pathLst>
-              <a:path w="986790" h="485775">
-                <a:moveTo>
-                  <a:pt x="0" y="0"/>
-                </a:moveTo>
-                <a:lnTo>
-                  <a:pt x="986236" y="0"/>
-                </a:lnTo>
-                <a:lnTo>
-                  <a:pt x="986236" y="485774"/>
-                </a:lnTo>
-                <a:lnTo>
-                  <a:pt x="0" y="485774"/>
-                </a:lnTo>
-                <a:lnTo>
-                  <a:pt x="0" y="0"/>
-                </a:lnTo>
-                <a:close/>
-              </a:path>
-            </a:pathLst>
-          </a:custGeom>
-          <a:solidFill>
-            <a:srgbClr val="FF5757"/>
-          </a:solidFill>
-        </p:spPr>
-        <p:txBody>
-          <a:bodyPr wrap="square" lIns="0" tIns="0" rIns="0" bIns="0" rtlCol="0"/>
-          <a:lstStyle/>
-          <a:p>
-            <a:endParaRPr/>
-          </a:p>
-        </p:txBody>
-      </p:sp>
-      <p:sp>
-        <p:nvSpPr>
-          <p:cNvPr id="21" name="object 21"/>
-          <p:cNvSpPr/>
-          <p:nvPr/>
-        </p:nvSpPr>
-        <p:spPr>
-          <a:xfrm>
-            <a:off x="10645367" y="5217007"/>
-            <a:ext cx="3966845" cy="485775"/>
-          </a:xfrm>
-          <a:custGeom>
-            <a:avLst/>
-            <a:gdLst/>
-            <a:ahLst/>
-            <a:cxnLst/>
-            <a:rect l="l" t="t" r="r" b="b"/>
-            <a:pathLst>
-              <a:path w="3966844" h="485775">
-                <a:moveTo>
-                  <a:pt x="0" y="0"/>
-                </a:moveTo>
-                <a:lnTo>
-                  <a:pt x="3966800" y="0"/>
-                </a:lnTo>
-                <a:lnTo>
-                  <a:pt x="3966800" y="485774"/>
-                </a:lnTo>
-                <a:lnTo>
-                  <a:pt x="0" y="485774"/>
-                </a:lnTo>
-                <a:lnTo>
-                  <a:pt x="0" y="0"/>
-                </a:lnTo>
-                <a:close/>
-              </a:path>
-            </a:pathLst>
-          </a:custGeom>
-          <a:solidFill>
-            <a:srgbClr val="FFDE58"/>
-          </a:solidFill>
-        </p:spPr>
-        <p:txBody>
-          <a:bodyPr wrap="square" lIns="0" tIns="0" rIns="0" bIns="0" rtlCol="0"/>
-          <a:lstStyle/>
-          <a:p>
-            <a:endParaRPr/>
-          </a:p>
-        </p:txBody>
-      </p:sp>
-      <p:sp>
-        <p:nvSpPr>
-          <p:cNvPr id="23" name="object 23"/>
-          <p:cNvSpPr txBox="1">
-            <a:spLocks noGrp="1"/>
-          </p:cNvSpPr>
-          <p:nvPr>
-            <p:ph type="title"/>
-          </p:nvPr>
-        </p:nvSpPr>
-        <p:spPr>
-          <a:xfrm>
-            <a:off x="1690658" y="330403"/>
-            <a:ext cx="7388225" cy="1259840"/>
-          </a:xfrm>
-          <a:prstGeom prst="rect">
-            <a:avLst/>
-          </a:prstGeom>
-        </p:spPr>
-        <p:txBody>
-          <a:bodyPr vert="horz" wrap="square" lIns="0" tIns="12700" rIns="0" bIns="0" rtlCol="0">
-            <a:spAutoFit/>
-          </a:bodyPr>
-          <a:lstStyle/>
-          <a:p>
-            <a:pPr marL="12700">
-              <a:lnSpc>
-                <a:spcPct val="100000"/>
-              </a:lnSpc>
-              <a:spcBef>
-                <a:spcPts val="100"/>
-              </a:spcBef>
-            </a:pPr>
-            <a:r>
-              <a:rPr spc="-475" dirty="0"/>
-              <a:t>Project</a:t>
-            </a:r>
-            <a:r>
-              <a:rPr spc="-725" dirty="0"/>
-              <a:t> </a:t>
-            </a:r>
-            <a:r>
-              <a:rPr spc="-450" dirty="0"/>
-              <a:t>Traction</a:t>
-            </a:r>
-          </a:p>
-        </p:txBody>
-      </p:sp>
-      <p:sp>
-        <p:nvSpPr>
-          <p:cNvPr id="24" name="object 24"/>
-          <p:cNvSpPr/>
-          <p:nvPr/>
-        </p:nvSpPr>
-        <p:spPr>
-          <a:xfrm>
-            <a:off x="0" y="8998522"/>
-            <a:ext cx="18286095" cy="1289050"/>
-          </a:xfrm>
-          <a:custGeom>
-            <a:avLst/>
-            <a:gdLst/>
-            <a:ahLst/>
-            <a:cxnLst/>
-            <a:rect l="l" t="t" r="r" b="b"/>
-            <a:pathLst>
-              <a:path w="18286095" h="1289050">
-                <a:moveTo>
-                  <a:pt x="18285982" y="1288477"/>
-                </a:moveTo>
-                <a:lnTo>
-                  <a:pt x="0" y="1288477"/>
-                </a:lnTo>
-                <a:lnTo>
-                  <a:pt x="0" y="0"/>
-                </a:lnTo>
-                <a:lnTo>
-                  <a:pt x="18285982" y="0"/>
-                </a:lnTo>
-                <a:lnTo>
-                  <a:pt x="18285982" y="1288477"/>
-                </a:lnTo>
-                <a:close/>
-              </a:path>
-            </a:pathLst>
-          </a:custGeom>
-          <a:solidFill>
-            <a:srgbClr val="8F113D"/>
-          </a:solidFill>
-        </p:spPr>
-        <p:txBody>
-          <a:bodyPr wrap="square" lIns="0" tIns="0" rIns="0" bIns="0" rtlCol="0"/>
-          <a:lstStyle/>
-          <a:p>
-            <a:endParaRPr/>
-          </a:p>
-        </p:txBody>
-      </p:sp>
-      <p:sp>
-        <p:nvSpPr>
-          <p:cNvPr id="25" name="object 25"/>
-          <p:cNvSpPr txBox="1"/>
-          <p:nvPr/>
-        </p:nvSpPr>
-        <p:spPr>
-          <a:xfrm>
-            <a:off x="17534146" y="9481161"/>
-            <a:ext cx="328295" cy="360680"/>
-          </a:xfrm>
-          <a:prstGeom prst="rect">
-            <a:avLst/>
-          </a:prstGeom>
-        </p:spPr>
-        <p:txBody>
-          <a:bodyPr vert="horz" wrap="square" lIns="0" tIns="12700" rIns="0" bIns="0" rtlCol="0">
-            <a:spAutoFit/>
-          </a:bodyPr>
-          <a:lstStyle/>
-          <a:p>
-            <a:pPr marL="12700">
-              <a:lnSpc>
-                <a:spcPct val="100000"/>
-              </a:lnSpc>
-              <a:spcBef>
-                <a:spcPts val="100"/>
-              </a:spcBef>
-            </a:pPr>
-            <a:r>
-              <a:rPr sz="2200" b="1" spc="-190" dirty="0">
-                <a:latin typeface="Tahoma"/>
-                <a:cs typeface="Tahoma"/>
-              </a:rPr>
-              <a:t>23</a:t>
-            </a:r>
-            <a:endParaRPr sz="2200">
-              <a:latin typeface="Tahoma"/>
-              <a:cs typeface="Tahoma"/>
-            </a:endParaRPr>
-          </a:p>
-        </p:txBody>
-      </p:sp>
-    </p:spTree>
-  </p:cSld>
-  <p:clrMapOvr>
-    <a:masterClrMapping/>
-  </p:clrMapOvr>
-</p:sld>
-</file>
-
-<file path=ppt/slides/slide11.xml><?xml version="1.0" encoding="utf-8"?>
 <p:sld xmlns:a="http://schemas.openxmlformats.org/drawingml/2006/main" xmlns:r="http://schemas.openxmlformats.org/officeDocument/2006/relationships" xmlns:p="http://schemas.openxmlformats.org/presentationml/2006/main" showMasterSp="0">
   <p:cSld>
     <p:spTree>
@@ -6820,6 +3724,512 @@
               <a:t>Maintenance &amp; Support Plans – Charging for system monitoring, updates, and technical support.</a:t>
             </a:r>
             <a:endParaRPr lang="en-ZA" sz="3200" dirty="0"/>
+          </a:p>
+        </p:txBody>
+      </p:sp>
+    </p:spTree>
+  </p:cSld>
+  <p:clrMapOvr>
+    <a:masterClrMapping/>
+  </p:clrMapOvr>
+</p:sld>
+</file>
+
+<file path=ppt/slides/slide11.xml><?xml version="1.0" encoding="utf-8"?>
+<p:sld xmlns:a="http://schemas.openxmlformats.org/drawingml/2006/main" xmlns:r="http://schemas.openxmlformats.org/officeDocument/2006/relationships" xmlns:p="http://schemas.openxmlformats.org/presentationml/2006/main" showMasterSp="0">
+  <p:cSld>
+    <p:spTree>
+      <p:nvGrpSpPr>
+        <p:cNvPr id="1" name=""/>
+        <p:cNvGrpSpPr/>
+        <p:nvPr/>
+      </p:nvGrpSpPr>
+      <p:grpSpPr>
+        <a:xfrm>
+          <a:off x="0" y="0"/>
+          <a:ext cx="0" cy="0"/>
+          <a:chOff x="0" y="0"/>
+          <a:chExt cx="0" cy="0"/>
+        </a:xfrm>
+      </p:grpSpPr>
+      <p:grpSp>
+        <p:nvGrpSpPr>
+          <p:cNvPr id="2" name="object 2"/>
+          <p:cNvGrpSpPr/>
+          <p:nvPr/>
+        </p:nvGrpSpPr>
+        <p:grpSpPr>
+          <a:xfrm>
+            <a:off x="0" y="0"/>
+            <a:ext cx="1905000" cy="10287000"/>
+            <a:chOff x="0" y="0"/>
+            <a:chExt cx="1905000" cy="10287000"/>
+          </a:xfrm>
+        </p:grpSpPr>
+        <p:sp>
+          <p:nvSpPr>
+            <p:cNvPr id="3" name="object 3"/>
+            <p:cNvSpPr/>
+            <p:nvPr/>
+          </p:nvSpPr>
+          <p:spPr>
+            <a:xfrm>
+              <a:off x="0" y="0"/>
+              <a:ext cx="1905000" cy="10287000"/>
+            </a:xfrm>
+            <a:custGeom>
+              <a:avLst/>
+              <a:gdLst/>
+              <a:ahLst/>
+              <a:cxnLst/>
+              <a:rect l="l" t="t" r="r" b="b"/>
+              <a:pathLst>
+                <a:path w="1905000" h="10287000">
+                  <a:moveTo>
+                    <a:pt x="1904999" y="10286999"/>
+                  </a:moveTo>
+                  <a:lnTo>
+                    <a:pt x="0" y="10286999"/>
+                  </a:lnTo>
+                  <a:lnTo>
+                    <a:pt x="0" y="0"/>
+                  </a:lnTo>
+                  <a:lnTo>
+                    <a:pt x="1904999" y="0"/>
+                  </a:lnTo>
+                  <a:lnTo>
+                    <a:pt x="1904999" y="10286999"/>
+                  </a:lnTo>
+                  <a:close/>
+                </a:path>
+              </a:pathLst>
+            </a:custGeom>
+            <a:solidFill>
+              <a:srgbClr val="8F113D"/>
+            </a:solidFill>
+          </p:spPr>
+          <p:txBody>
+            <a:bodyPr wrap="square" lIns="0" tIns="0" rIns="0" bIns="0" rtlCol="0"/>
+            <a:lstStyle/>
+            <a:p>
+              <a:endParaRPr/>
+            </a:p>
+          </p:txBody>
+        </p:sp>
+        <p:sp>
+          <p:nvSpPr>
+            <p:cNvPr id="4" name="object 4"/>
+            <p:cNvSpPr/>
+            <p:nvPr/>
+          </p:nvSpPr>
+          <p:spPr>
+            <a:xfrm>
+              <a:off x="0" y="11"/>
+              <a:ext cx="1898650" cy="10287000"/>
+            </a:xfrm>
+            <a:custGeom>
+              <a:avLst/>
+              <a:gdLst/>
+              <a:ahLst/>
+              <a:cxnLst/>
+              <a:rect l="l" t="t" r="r" b="b"/>
+              <a:pathLst>
+                <a:path w="1898650" h="10287000">
+                  <a:moveTo>
+                    <a:pt x="1898154" y="0"/>
+                  </a:moveTo>
+                  <a:lnTo>
+                    <a:pt x="1894954" y="0"/>
+                  </a:lnTo>
+                  <a:lnTo>
+                    <a:pt x="1894954" y="865327"/>
+                  </a:lnTo>
+                  <a:lnTo>
+                    <a:pt x="1894954" y="879830"/>
+                  </a:lnTo>
+                  <a:lnTo>
+                    <a:pt x="1894954" y="9408096"/>
+                  </a:lnTo>
+                  <a:lnTo>
+                    <a:pt x="960285" y="9408096"/>
+                  </a:lnTo>
+                  <a:lnTo>
+                    <a:pt x="960285" y="8473427"/>
+                  </a:lnTo>
+                  <a:lnTo>
+                    <a:pt x="1894954" y="8473427"/>
+                  </a:lnTo>
+                  <a:lnTo>
+                    <a:pt x="1894954" y="8458924"/>
+                  </a:lnTo>
+                  <a:lnTo>
+                    <a:pt x="960285" y="8458924"/>
+                  </a:lnTo>
+                  <a:lnTo>
+                    <a:pt x="960285" y="7524153"/>
+                  </a:lnTo>
+                  <a:lnTo>
+                    <a:pt x="1894954" y="7524153"/>
+                  </a:lnTo>
+                  <a:lnTo>
+                    <a:pt x="1894954" y="7509650"/>
+                  </a:lnTo>
+                  <a:lnTo>
+                    <a:pt x="960285" y="7509650"/>
+                  </a:lnTo>
+                  <a:lnTo>
+                    <a:pt x="960285" y="6574980"/>
+                  </a:lnTo>
+                  <a:lnTo>
+                    <a:pt x="1894954" y="6574980"/>
+                  </a:lnTo>
+                  <a:lnTo>
+                    <a:pt x="1894954" y="6560477"/>
+                  </a:lnTo>
+                  <a:lnTo>
+                    <a:pt x="960285" y="6560477"/>
+                  </a:lnTo>
+                  <a:lnTo>
+                    <a:pt x="960285" y="5625808"/>
+                  </a:lnTo>
+                  <a:lnTo>
+                    <a:pt x="1894954" y="5625808"/>
+                  </a:lnTo>
+                  <a:lnTo>
+                    <a:pt x="1894954" y="5611304"/>
+                  </a:lnTo>
+                  <a:lnTo>
+                    <a:pt x="960285" y="5611304"/>
+                  </a:lnTo>
+                  <a:lnTo>
+                    <a:pt x="960285" y="4676635"/>
+                  </a:lnTo>
+                  <a:lnTo>
+                    <a:pt x="1894954" y="4676635"/>
+                  </a:lnTo>
+                  <a:lnTo>
+                    <a:pt x="1894954" y="4662132"/>
+                  </a:lnTo>
+                  <a:lnTo>
+                    <a:pt x="960285" y="4662132"/>
+                  </a:lnTo>
+                  <a:lnTo>
+                    <a:pt x="960285" y="3727450"/>
+                  </a:lnTo>
+                  <a:lnTo>
+                    <a:pt x="1894954" y="3727450"/>
+                  </a:lnTo>
+                  <a:lnTo>
+                    <a:pt x="1894954" y="3712959"/>
+                  </a:lnTo>
+                  <a:lnTo>
+                    <a:pt x="960285" y="3712959"/>
+                  </a:lnTo>
+                  <a:lnTo>
+                    <a:pt x="960285" y="2778277"/>
+                  </a:lnTo>
+                  <a:lnTo>
+                    <a:pt x="1894954" y="2778277"/>
+                  </a:lnTo>
+                  <a:lnTo>
+                    <a:pt x="1894954" y="2763774"/>
+                  </a:lnTo>
+                  <a:lnTo>
+                    <a:pt x="960285" y="2763774"/>
+                  </a:lnTo>
+                  <a:lnTo>
+                    <a:pt x="960285" y="1829003"/>
+                  </a:lnTo>
+                  <a:lnTo>
+                    <a:pt x="1894954" y="1829003"/>
+                  </a:lnTo>
+                  <a:lnTo>
+                    <a:pt x="1894954" y="1814512"/>
+                  </a:lnTo>
+                  <a:lnTo>
+                    <a:pt x="960285" y="1814512"/>
+                  </a:lnTo>
+                  <a:lnTo>
+                    <a:pt x="960285" y="879830"/>
+                  </a:lnTo>
+                  <a:lnTo>
+                    <a:pt x="1894954" y="879830"/>
+                  </a:lnTo>
+                  <a:lnTo>
+                    <a:pt x="1894954" y="865327"/>
+                  </a:lnTo>
+                  <a:lnTo>
+                    <a:pt x="960285" y="865327"/>
+                  </a:lnTo>
+                  <a:lnTo>
+                    <a:pt x="960285" y="0"/>
+                  </a:lnTo>
+                  <a:lnTo>
+                    <a:pt x="945781" y="0"/>
+                  </a:lnTo>
+                  <a:lnTo>
+                    <a:pt x="945781" y="9408096"/>
+                  </a:lnTo>
+                  <a:lnTo>
+                    <a:pt x="11010" y="9408096"/>
+                  </a:lnTo>
+                  <a:lnTo>
+                    <a:pt x="11010" y="8473427"/>
+                  </a:lnTo>
+                  <a:lnTo>
+                    <a:pt x="945781" y="8473427"/>
+                  </a:lnTo>
+                  <a:lnTo>
+                    <a:pt x="945781" y="8458924"/>
+                  </a:lnTo>
+                  <a:lnTo>
+                    <a:pt x="11010" y="8458924"/>
+                  </a:lnTo>
+                  <a:lnTo>
+                    <a:pt x="11010" y="7524153"/>
+                  </a:lnTo>
+                  <a:lnTo>
+                    <a:pt x="945781" y="7524153"/>
+                  </a:lnTo>
+                  <a:lnTo>
+                    <a:pt x="945781" y="7509650"/>
+                  </a:lnTo>
+                  <a:lnTo>
+                    <a:pt x="11010" y="7509650"/>
+                  </a:lnTo>
+                  <a:lnTo>
+                    <a:pt x="11010" y="6574980"/>
+                  </a:lnTo>
+                  <a:lnTo>
+                    <a:pt x="945781" y="6574980"/>
+                  </a:lnTo>
+                  <a:lnTo>
+                    <a:pt x="945781" y="6560477"/>
+                  </a:lnTo>
+                  <a:lnTo>
+                    <a:pt x="11010" y="6560477"/>
+                  </a:lnTo>
+                  <a:lnTo>
+                    <a:pt x="11010" y="5625808"/>
+                  </a:lnTo>
+                  <a:lnTo>
+                    <a:pt x="945781" y="5625808"/>
+                  </a:lnTo>
+                  <a:lnTo>
+                    <a:pt x="945781" y="5611304"/>
+                  </a:lnTo>
+                  <a:lnTo>
+                    <a:pt x="11010" y="5611304"/>
+                  </a:lnTo>
+                  <a:lnTo>
+                    <a:pt x="11010" y="4676635"/>
+                  </a:lnTo>
+                  <a:lnTo>
+                    <a:pt x="945781" y="4676635"/>
+                  </a:lnTo>
+                  <a:lnTo>
+                    <a:pt x="945781" y="4662132"/>
+                  </a:lnTo>
+                  <a:lnTo>
+                    <a:pt x="11010" y="4662132"/>
+                  </a:lnTo>
+                  <a:lnTo>
+                    <a:pt x="11010" y="3727450"/>
+                  </a:lnTo>
+                  <a:lnTo>
+                    <a:pt x="945781" y="3727450"/>
+                  </a:lnTo>
+                  <a:lnTo>
+                    <a:pt x="945781" y="3712959"/>
+                  </a:lnTo>
+                  <a:lnTo>
+                    <a:pt x="11010" y="3712959"/>
+                  </a:lnTo>
+                  <a:lnTo>
+                    <a:pt x="11010" y="2778277"/>
+                  </a:lnTo>
+                  <a:lnTo>
+                    <a:pt x="945781" y="2778277"/>
+                  </a:lnTo>
+                  <a:lnTo>
+                    <a:pt x="945781" y="2763774"/>
+                  </a:lnTo>
+                  <a:lnTo>
+                    <a:pt x="11010" y="2763774"/>
+                  </a:lnTo>
+                  <a:lnTo>
+                    <a:pt x="11010" y="1829003"/>
+                  </a:lnTo>
+                  <a:lnTo>
+                    <a:pt x="945781" y="1829003"/>
+                  </a:lnTo>
+                  <a:lnTo>
+                    <a:pt x="945781" y="1814512"/>
+                  </a:lnTo>
+                  <a:lnTo>
+                    <a:pt x="11010" y="1814512"/>
+                  </a:lnTo>
+                  <a:lnTo>
+                    <a:pt x="11010" y="879830"/>
+                  </a:lnTo>
+                  <a:lnTo>
+                    <a:pt x="945781" y="879830"/>
+                  </a:lnTo>
+                  <a:lnTo>
+                    <a:pt x="945781" y="865327"/>
+                  </a:lnTo>
+                  <a:lnTo>
+                    <a:pt x="11010" y="865327"/>
+                  </a:lnTo>
+                  <a:lnTo>
+                    <a:pt x="11010" y="0"/>
+                  </a:lnTo>
+                  <a:lnTo>
+                    <a:pt x="0" y="0"/>
+                  </a:lnTo>
+                  <a:lnTo>
+                    <a:pt x="0" y="10287000"/>
+                  </a:lnTo>
+                  <a:lnTo>
+                    <a:pt x="11010" y="10287000"/>
+                  </a:lnTo>
+                  <a:lnTo>
+                    <a:pt x="11010" y="9422600"/>
+                  </a:lnTo>
+                  <a:lnTo>
+                    <a:pt x="945781" y="9422600"/>
+                  </a:lnTo>
+                  <a:lnTo>
+                    <a:pt x="945781" y="10287000"/>
+                  </a:lnTo>
+                  <a:lnTo>
+                    <a:pt x="960285" y="10287000"/>
+                  </a:lnTo>
+                  <a:lnTo>
+                    <a:pt x="960285" y="9422600"/>
+                  </a:lnTo>
+                  <a:lnTo>
+                    <a:pt x="1894954" y="9422600"/>
+                  </a:lnTo>
+                  <a:lnTo>
+                    <a:pt x="1894954" y="10287000"/>
+                  </a:lnTo>
+                  <a:lnTo>
+                    <a:pt x="1898154" y="10287000"/>
+                  </a:lnTo>
+                  <a:lnTo>
+                    <a:pt x="1898154" y="865327"/>
+                  </a:lnTo>
+                  <a:lnTo>
+                    <a:pt x="1898154" y="0"/>
+                  </a:lnTo>
+                  <a:close/>
+                </a:path>
+              </a:pathLst>
+            </a:custGeom>
+            <a:solidFill>
+              <a:srgbClr val="FFFFFF"/>
+            </a:solidFill>
+          </p:spPr>
+          <p:txBody>
+            <a:bodyPr wrap="square" lIns="0" tIns="0" rIns="0" bIns="0" rtlCol="0"/>
+            <a:lstStyle/>
+            <a:p>
+              <a:endParaRPr/>
+            </a:p>
+          </p:txBody>
+        </p:sp>
+      </p:grpSp>
+      <p:sp>
+        <p:nvSpPr>
+          <p:cNvPr id="5" name="object 5"/>
+          <p:cNvSpPr txBox="1"/>
+          <p:nvPr/>
+        </p:nvSpPr>
+        <p:spPr>
+          <a:xfrm>
+            <a:off x="2164054" y="2607101"/>
+            <a:ext cx="9566910" cy="3341299"/>
+          </a:xfrm>
+          <a:prstGeom prst="rect">
+            <a:avLst/>
+          </a:prstGeom>
+        </p:spPr>
+        <p:txBody>
+          <a:bodyPr vert="horz" wrap="square" lIns="0" tIns="17145" rIns="0" bIns="0" rtlCol="0">
+            <a:spAutoFit/>
+          </a:bodyPr>
+          <a:lstStyle/>
+          <a:p>
+            <a:r>
+              <a:rPr lang="en-GB" sz="3600" dirty="0" smtClean="0"/>
+              <a:t>Partner with local municipalities and utility providers</a:t>
+            </a:r>
+          </a:p>
+          <a:p>
+            <a:r>
+              <a:rPr lang="en-GB" sz="3600" dirty="0" smtClean="0"/>
+              <a:t>Attend tech expos, energy summits, and engineering conferences</a:t>
+            </a:r>
+          </a:p>
+          <a:p>
+            <a:r>
+              <a:rPr lang="en-GB" sz="3600" dirty="0" smtClean="0"/>
+              <a:t>Launch a website with demos, case studies, and contact forms</a:t>
+            </a:r>
+            <a:endParaRPr lang="en-GB" sz="3600" dirty="0"/>
+          </a:p>
+        </p:txBody>
+      </p:sp>
+      <p:sp>
+        <p:nvSpPr>
+          <p:cNvPr id="6" name="object 6"/>
+          <p:cNvSpPr txBox="1">
+            <a:spLocks noGrp="1"/>
+          </p:cNvSpPr>
+          <p:nvPr>
+            <p:ph type="ctrTitle"/>
+          </p:nvPr>
+        </p:nvSpPr>
+        <p:spPr>
+          <a:prstGeom prst="rect">
+            <a:avLst/>
+          </a:prstGeom>
+        </p:spPr>
+        <p:txBody>
+          <a:bodyPr vert="horz" wrap="square" lIns="0" tIns="12700" rIns="0" bIns="0" rtlCol="0">
+            <a:spAutoFit/>
+          </a:bodyPr>
+          <a:lstStyle/>
+          <a:p>
+            <a:pPr marL="1366520">
+              <a:lnSpc>
+                <a:spcPct val="100000"/>
+              </a:lnSpc>
+              <a:spcBef>
+                <a:spcPts val="100"/>
+              </a:spcBef>
+            </a:pPr>
+            <a:r>
+              <a:rPr spc="-825" dirty="0"/>
+              <a:t>Go</a:t>
+            </a:r>
+            <a:r>
+              <a:rPr spc="-755" dirty="0"/>
+              <a:t> </a:t>
+            </a:r>
+            <a:r>
+              <a:rPr spc="-400" dirty="0"/>
+              <a:t>To</a:t>
+            </a:r>
+            <a:r>
+              <a:rPr spc="-750" dirty="0"/>
+              <a:t> </a:t>
+            </a:r>
+            <a:r>
+              <a:rPr spc="-695" dirty="0"/>
+              <a:t>Market</a:t>
+            </a:r>
           </a:p>
         </p:txBody>
       </p:sp>
@@ -7244,512 +4654,6 @@
         </p:nvSpPr>
         <p:spPr>
           <a:xfrm>
-            <a:off x="2164054" y="2607101"/>
-            <a:ext cx="9566910" cy="3341299"/>
-          </a:xfrm>
-          <a:prstGeom prst="rect">
-            <a:avLst/>
-          </a:prstGeom>
-        </p:spPr>
-        <p:txBody>
-          <a:bodyPr vert="horz" wrap="square" lIns="0" tIns="17145" rIns="0" bIns="0" rtlCol="0">
-            <a:spAutoFit/>
-          </a:bodyPr>
-          <a:lstStyle/>
-          <a:p>
-            <a:r>
-              <a:rPr lang="en-GB" sz="3600" dirty="0" smtClean="0"/>
-              <a:t>Partner with local municipalities and utility providers</a:t>
-            </a:r>
-          </a:p>
-          <a:p>
-            <a:r>
-              <a:rPr lang="en-GB" sz="3600" dirty="0" smtClean="0"/>
-              <a:t>Attend tech expos, energy summits, and engineering conferences</a:t>
-            </a:r>
-          </a:p>
-          <a:p>
-            <a:r>
-              <a:rPr lang="en-GB" sz="3600" dirty="0" smtClean="0"/>
-              <a:t>Launch a website with demos, case studies, and contact forms</a:t>
-            </a:r>
-            <a:endParaRPr lang="en-GB" sz="3600" dirty="0"/>
-          </a:p>
-        </p:txBody>
-      </p:sp>
-      <p:sp>
-        <p:nvSpPr>
-          <p:cNvPr id="6" name="object 6"/>
-          <p:cNvSpPr txBox="1">
-            <a:spLocks noGrp="1"/>
-          </p:cNvSpPr>
-          <p:nvPr>
-            <p:ph type="ctrTitle"/>
-          </p:nvPr>
-        </p:nvSpPr>
-        <p:spPr>
-          <a:prstGeom prst="rect">
-            <a:avLst/>
-          </a:prstGeom>
-        </p:spPr>
-        <p:txBody>
-          <a:bodyPr vert="horz" wrap="square" lIns="0" tIns="12700" rIns="0" bIns="0" rtlCol="0">
-            <a:spAutoFit/>
-          </a:bodyPr>
-          <a:lstStyle/>
-          <a:p>
-            <a:pPr marL="1366520">
-              <a:lnSpc>
-                <a:spcPct val="100000"/>
-              </a:lnSpc>
-              <a:spcBef>
-                <a:spcPts val="100"/>
-              </a:spcBef>
-            </a:pPr>
-            <a:r>
-              <a:rPr spc="-825" dirty="0"/>
-              <a:t>Go</a:t>
-            </a:r>
-            <a:r>
-              <a:rPr spc="-755" dirty="0"/>
-              <a:t> </a:t>
-            </a:r>
-            <a:r>
-              <a:rPr spc="-400" dirty="0"/>
-              <a:t>To</a:t>
-            </a:r>
-            <a:r>
-              <a:rPr spc="-750" dirty="0"/>
-              <a:t> </a:t>
-            </a:r>
-            <a:r>
-              <a:rPr spc="-695" dirty="0"/>
-              <a:t>Market</a:t>
-            </a:r>
-          </a:p>
-        </p:txBody>
-      </p:sp>
-    </p:spTree>
-  </p:cSld>
-  <p:clrMapOvr>
-    <a:masterClrMapping/>
-  </p:clrMapOvr>
-</p:sld>
-</file>
-
-<file path=ppt/slides/slide13.xml><?xml version="1.0" encoding="utf-8"?>
-<p:sld xmlns:a="http://schemas.openxmlformats.org/drawingml/2006/main" xmlns:r="http://schemas.openxmlformats.org/officeDocument/2006/relationships" xmlns:p="http://schemas.openxmlformats.org/presentationml/2006/main" showMasterSp="0">
-  <p:cSld>
-    <p:spTree>
-      <p:nvGrpSpPr>
-        <p:cNvPr id="1" name=""/>
-        <p:cNvGrpSpPr/>
-        <p:nvPr/>
-      </p:nvGrpSpPr>
-      <p:grpSpPr>
-        <a:xfrm>
-          <a:off x="0" y="0"/>
-          <a:ext cx="0" cy="0"/>
-          <a:chOff x="0" y="0"/>
-          <a:chExt cx="0" cy="0"/>
-        </a:xfrm>
-      </p:grpSpPr>
-      <p:grpSp>
-        <p:nvGrpSpPr>
-          <p:cNvPr id="2" name="object 2"/>
-          <p:cNvGrpSpPr/>
-          <p:nvPr/>
-        </p:nvGrpSpPr>
-        <p:grpSpPr>
-          <a:xfrm>
-            <a:off x="0" y="0"/>
-            <a:ext cx="1905000" cy="10287000"/>
-            <a:chOff x="0" y="0"/>
-            <a:chExt cx="1905000" cy="10287000"/>
-          </a:xfrm>
-        </p:grpSpPr>
-        <p:sp>
-          <p:nvSpPr>
-            <p:cNvPr id="3" name="object 3"/>
-            <p:cNvSpPr/>
-            <p:nvPr/>
-          </p:nvSpPr>
-          <p:spPr>
-            <a:xfrm>
-              <a:off x="0" y="0"/>
-              <a:ext cx="1905000" cy="10287000"/>
-            </a:xfrm>
-            <a:custGeom>
-              <a:avLst/>
-              <a:gdLst/>
-              <a:ahLst/>
-              <a:cxnLst/>
-              <a:rect l="l" t="t" r="r" b="b"/>
-              <a:pathLst>
-                <a:path w="1905000" h="10287000">
-                  <a:moveTo>
-                    <a:pt x="1904999" y="10286999"/>
-                  </a:moveTo>
-                  <a:lnTo>
-                    <a:pt x="0" y="10286999"/>
-                  </a:lnTo>
-                  <a:lnTo>
-                    <a:pt x="0" y="0"/>
-                  </a:lnTo>
-                  <a:lnTo>
-                    <a:pt x="1904999" y="0"/>
-                  </a:lnTo>
-                  <a:lnTo>
-                    <a:pt x="1904999" y="10286999"/>
-                  </a:lnTo>
-                  <a:close/>
-                </a:path>
-              </a:pathLst>
-            </a:custGeom>
-            <a:solidFill>
-              <a:srgbClr val="8F113D"/>
-            </a:solidFill>
-          </p:spPr>
-          <p:txBody>
-            <a:bodyPr wrap="square" lIns="0" tIns="0" rIns="0" bIns="0" rtlCol="0"/>
-            <a:lstStyle/>
-            <a:p>
-              <a:endParaRPr/>
-            </a:p>
-          </p:txBody>
-        </p:sp>
-        <p:sp>
-          <p:nvSpPr>
-            <p:cNvPr id="4" name="object 4"/>
-            <p:cNvSpPr/>
-            <p:nvPr/>
-          </p:nvSpPr>
-          <p:spPr>
-            <a:xfrm>
-              <a:off x="0" y="11"/>
-              <a:ext cx="1898650" cy="10287000"/>
-            </a:xfrm>
-            <a:custGeom>
-              <a:avLst/>
-              <a:gdLst/>
-              <a:ahLst/>
-              <a:cxnLst/>
-              <a:rect l="l" t="t" r="r" b="b"/>
-              <a:pathLst>
-                <a:path w="1898650" h="10287000">
-                  <a:moveTo>
-                    <a:pt x="1898154" y="0"/>
-                  </a:moveTo>
-                  <a:lnTo>
-                    <a:pt x="1894954" y="0"/>
-                  </a:lnTo>
-                  <a:lnTo>
-                    <a:pt x="1894954" y="865327"/>
-                  </a:lnTo>
-                  <a:lnTo>
-                    <a:pt x="1894954" y="879830"/>
-                  </a:lnTo>
-                  <a:lnTo>
-                    <a:pt x="1894954" y="9408096"/>
-                  </a:lnTo>
-                  <a:lnTo>
-                    <a:pt x="960285" y="9408096"/>
-                  </a:lnTo>
-                  <a:lnTo>
-                    <a:pt x="960285" y="8473427"/>
-                  </a:lnTo>
-                  <a:lnTo>
-                    <a:pt x="1894954" y="8473427"/>
-                  </a:lnTo>
-                  <a:lnTo>
-                    <a:pt x="1894954" y="8458924"/>
-                  </a:lnTo>
-                  <a:lnTo>
-                    <a:pt x="960285" y="8458924"/>
-                  </a:lnTo>
-                  <a:lnTo>
-                    <a:pt x="960285" y="7524153"/>
-                  </a:lnTo>
-                  <a:lnTo>
-                    <a:pt x="1894954" y="7524153"/>
-                  </a:lnTo>
-                  <a:lnTo>
-                    <a:pt x="1894954" y="7509650"/>
-                  </a:lnTo>
-                  <a:lnTo>
-                    <a:pt x="960285" y="7509650"/>
-                  </a:lnTo>
-                  <a:lnTo>
-                    <a:pt x="960285" y="6574980"/>
-                  </a:lnTo>
-                  <a:lnTo>
-                    <a:pt x="1894954" y="6574980"/>
-                  </a:lnTo>
-                  <a:lnTo>
-                    <a:pt x="1894954" y="6560477"/>
-                  </a:lnTo>
-                  <a:lnTo>
-                    <a:pt x="960285" y="6560477"/>
-                  </a:lnTo>
-                  <a:lnTo>
-                    <a:pt x="960285" y="5625808"/>
-                  </a:lnTo>
-                  <a:lnTo>
-                    <a:pt x="1894954" y="5625808"/>
-                  </a:lnTo>
-                  <a:lnTo>
-                    <a:pt x="1894954" y="5611304"/>
-                  </a:lnTo>
-                  <a:lnTo>
-                    <a:pt x="960285" y="5611304"/>
-                  </a:lnTo>
-                  <a:lnTo>
-                    <a:pt x="960285" y="4676635"/>
-                  </a:lnTo>
-                  <a:lnTo>
-                    <a:pt x="1894954" y="4676635"/>
-                  </a:lnTo>
-                  <a:lnTo>
-                    <a:pt x="1894954" y="4662132"/>
-                  </a:lnTo>
-                  <a:lnTo>
-                    <a:pt x="960285" y="4662132"/>
-                  </a:lnTo>
-                  <a:lnTo>
-                    <a:pt x="960285" y="3727450"/>
-                  </a:lnTo>
-                  <a:lnTo>
-                    <a:pt x="1894954" y="3727450"/>
-                  </a:lnTo>
-                  <a:lnTo>
-                    <a:pt x="1894954" y="3712959"/>
-                  </a:lnTo>
-                  <a:lnTo>
-                    <a:pt x="960285" y="3712959"/>
-                  </a:lnTo>
-                  <a:lnTo>
-                    <a:pt x="960285" y="2778277"/>
-                  </a:lnTo>
-                  <a:lnTo>
-                    <a:pt x="1894954" y="2778277"/>
-                  </a:lnTo>
-                  <a:lnTo>
-                    <a:pt x="1894954" y="2763774"/>
-                  </a:lnTo>
-                  <a:lnTo>
-                    <a:pt x="960285" y="2763774"/>
-                  </a:lnTo>
-                  <a:lnTo>
-                    <a:pt x="960285" y="1829003"/>
-                  </a:lnTo>
-                  <a:lnTo>
-                    <a:pt x="1894954" y="1829003"/>
-                  </a:lnTo>
-                  <a:lnTo>
-                    <a:pt x="1894954" y="1814512"/>
-                  </a:lnTo>
-                  <a:lnTo>
-                    <a:pt x="960285" y="1814512"/>
-                  </a:lnTo>
-                  <a:lnTo>
-                    <a:pt x="960285" y="879830"/>
-                  </a:lnTo>
-                  <a:lnTo>
-                    <a:pt x="1894954" y="879830"/>
-                  </a:lnTo>
-                  <a:lnTo>
-                    <a:pt x="1894954" y="865327"/>
-                  </a:lnTo>
-                  <a:lnTo>
-                    <a:pt x="960285" y="865327"/>
-                  </a:lnTo>
-                  <a:lnTo>
-                    <a:pt x="960285" y="0"/>
-                  </a:lnTo>
-                  <a:lnTo>
-                    <a:pt x="945781" y="0"/>
-                  </a:lnTo>
-                  <a:lnTo>
-                    <a:pt x="945781" y="9408096"/>
-                  </a:lnTo>
-                  <a:lnTo>
-                    <a:pt x="11010" y="9408096"/>
-                  </a:lnTo>
-                  <a:lnTo>
-                    <a:pt x="11010" y="8473427"/>
-                  </a:lnTo>
-                  <a:lnTo>
-                    <a:pt x="945781" y="8473427"/>
-                  </a:lnTo>
-                  <a:lnTo>
-                    <a:pt x="945781" y="8458924"/>
-                  </a:lnTo>
-                  <a:lnTo>
-                    <a:pt x="11010" y="8458924"/>
-                  </a:lnTo>
-                  <a:lnTo>
-                    <a:pt x="11010" y="7524153"/>
-                  </a:lnTo>
-                  <a:lnTo>
-                    <a:pt x="945781" y="7524153"/>
-                  </a:lnTo>
-                  <a:lnTo>
-                    <a:pt x="945781" y="7509650"/>
-                  </a:lnTo>
-                  <a:lnTo>
-                    <a:pt x="11010" y="7509650"/>
-                  </a:lnTo>
-                  <a:lnTo>
-                    <a:pt x="11010" y="6574980"/>
-                  </a:lnTo>
-                  <a:lnTo>
-                    <a:pt x="945781" y="6574980"/>
-                  </a:lnTo>
-                  <a:lnTo>
-                    <a:pt x="945781" y="6560477"/>
-                  </a:lnTo>
-                  <a:lnTo>
-                    <a:pt x="11010" y="6560477"/>
-                  </a:lnTo>
-                  <a:lnTo>
-                    <a:pt x="11010" y="5625808"/>
-                  </a:lnTo>
-                  <a:lnTo>
-                    <a:pt x="945781" y="5625808"/>
-                  </a:lnTo>
-                  <a:lnTo>
-                    <a:pt x="945781" y="5611304"/>
-                  </a:lnTo>
-                  <a:lnTo>
-                    <a:pt x="11010" y="5611304"/>
-                  </a:lnTo>
-                  <a:lnTo>
-                    <a:pt x="11010" y="4676635"/>
-                  </a:lnTo>
-                  <a:lnTo>
-                    <a:pt x="945781" y="4676635"/>
-                  </a:lnTo>
-                  <a:lnTo>
-                    <a:pt x="945781" y="4662132"/>
-                  </a:lnTo>
-                  <a:lnTo>
-                    <a:pt x="11010" y="4662132"/>
-                  </a:lnTo>
-                  <a:lnTo>
-                    <a:pt x="11010" y="3727450"/>
-                  </a:lnTo>
-                  <a:lnTo>
-                    <a:pt x="945781" y="3727450"/>
-                  </a:lnTo>
-                  <a:lnTo>
-                    <a:pt x="945781" y="3712959"/>
-                  </a:lnTo>
-                  <a:lnTo>
-                    <a:pt x="11010" y="3712959"/>
-                  </a:lnTo>
-                  <a:lnTo>
-                    <a:pt x="11010" y="2778277"/>
-                  </a:lnTo>
-                  <a:lnTo>
-                    <a:pt x="945781" y="2778277"/>
-                  </a:lnTo>
-                  <a:lnTo>
-                    <a:pt x="945781" y="2763774"/>
-                  </a:lnTo>
-                  <a:lnTo>
-                    <a:pt x="11010" y="2763774"/>
-                  </a:lnTo>
-                  <a:lnTo>
-                    <a:pt x="11010" y="1829003"/>
-                  </a:lnTo>
-                  <a:lnTo>
-                    <a:pt x="945781" y="1829003"/>
-                  </a:lnTo>
-                  <a:lnTo>
-                    <a:pt x="945781" y="1814512"/>
-                  </a:lnTo>
-                  <a:lnTo>
-                    <a:pt x="11010" y="1814512"/>
-                  </a:lnTo>
-                  <a:lnTo>
-                    <a:pt x="11010" y="879830"/>
-                  </a:lnTo>
-                  <a:lnTo>
-                    <a:pt x="945781" y="879830"/>
-                  </a:lnTo>
-                  <a:lnTo>
-                    <a:pt x="945781" y="865327"/>
-                  </a:lnTo>
-                  <a:lnTo>
-                    <a:pt x="11010" y="865327"/>
-                  </a:lnTo>
-                  <a:lnTo>
-                    <a:pt x="11010" y="0"/>
-                  </a:lnTo>
-                  <a:lnTo>
-                    <a:pt x="0" y="0"/>
-                  </a:lnTo>
-                  <a:lnTo>
-                    <a:pt x="0" y="10287000"/>
-                  </a:lnTo>
-                  <a:lnTo>
-                    <a:pt x="11010" y="10287000"/>
-                  </a:lnTo>
-                  <a:lnTo>
-                    <a:pt x="11010" y="9422600"/>
-                  </a:lnTo>
-                  <a:lnTo>
-                    <a:pt x="945781" y="9422600"/>
-                  </a:lnTo>
-                  <a:lnTo>
-                    <a:pt x="945781" y="10287000"/>
-                  </a:lnTo>
-                  <a:lnTo>
-                    <a:pt x="960285" y="10287000"/>
-                  </a:lnTo>
-                  <a:lnTo>
-                    <a:pt x="960285" y="9422600"/>
-                  </a:lnTo>
-                  <a:lnTo>
-                    <a:pt x="1894954" y="9422600"/>
-                  </a:lnTo>
-                  <a:lnTo>
-                    <a:pt x="1894954" y="10287000"/>
-                  </a:lnTo>
-                  <a:lnTo>
-                    <a:pt x="1898154" y="10287000"/>
-                  </a:lnTo>
-                  <a:lnTo>
-                    <a:pt x="1898154" y="865327"/>
-                  </a:lnTo>
-                  <a:lnTo>
-                    <a:pt x="1898154" y="0"/>
-                  </a:lnTo>
-                  <a:close/>
-                </a:path>
-              </a:pathLst>
-            </a:custGeom>
-            <a:solidFill>
-              <a:srgbClr val="FFFFFF"/>
-            </a:solidFill>
-          </p:spPr>
-          <p:txBody>
-            <a:bodyPr wrap="square" lIns="0" tIns="0" rIns="0" bIns="0" rtlCol="0"/>
-            <a:lstStyle/>
-            <a:p>
-              <a:endParaRPr/>
-            </a:p>
-          </p:txBody>
-        </p:sp>
-      </p:grpSp>
-      <p:sp>
-        <p:nvSpPr>
-          <p:cNvPr id="5" name="object 5"/>
-          <p:cNvSpPr txBox="1"/>
-          <p:nvPr/>
-        </p:nvSpPr>
-        <p:spPr>
-          <a:xfrm>
             <a:off x="2164054" y="2524749"/>
             <a:ext cx="11607800" cy="4776308"/>
           </a:xfrm>
@@ -7915,7 +4819,7 @@
 </p:sld>
 </file>
 
-<file path=ppt/slides/slide14.xml><?xml version="1.0" encoding="utf-8"?>
+<file path=ppt/slides/slide13.xml><?xml version="1.0" encoding="utf-8"?>
 <p:sld xmlns:a="http://schemas.openxmlformats.org/drawingml/2006/main" xmlns:r="http://schemas.openxmlformats.org/officeDocument/2006/relationships" xmlns:p="http://schemas.openxmlformats.org/presentationml/2006/main" showMasterSp="0">
   <p:cSld>
     <p:spTree>
@@ -8071,7 +4975,7 @@
 </p:sld>
 </file>
 
-<file path=ppt/slides/slide15.xml><?xml version="1.0" encoding="utf-8"?>
+<file path=ppt/slides/slide14.xml><?xml version="1.0" encoding="utf-8"?>
 <p:sld xmlns:a="http://schemas.openxmlformats.org/drawingml/2006/main" xmlns:r="http://schemas.openxmlformats.org/officeDocument/2006/relationships" xmlns:p="http://schemas.openxmlformats.org/presentationml/2006/main" showMasterSp="0">
   <p:cSld>
     <p:spTree>
@@ -8822,7 +5726,7 @@
 </p:sld>
 </file>
 
-<file path=ppt/slides/slide16.xml><?xml version="1.0" encoding="utf-8"?>
+<file path=ppt/slides/slide15.xml><?xml version="1.0" encoding="utf-8"?>
 <p:sld xmlns:a="http://schemas.openxmlformats.org/drawingml/2006/main" xmlns:r="http://schemas.openxmlformats.org/officeDocument/2006/relationships" xmlns:p="http://schemas.openxmlformats.org/presentationml/2006/main" showMasterSp="0">
   <p:cSld>
     <p:spTree>
@@ -11116,178 +8020,6 @@
 </file>
 
 <file path=ppt/slides/slide2.xml><?xml version="1.0" encoding="utf-8"?>
-<p:sld xmlns:a="http://schemas.openxmlformats.org/drawingml/2006/main" xmlns:r="http://schemas.openxmlformats.org/officeDocument/2006/relationships" xmlns:p="http://schemas.openxmlformats.org/presentationml/2006/main">
-  <p:cSld>
-    <p:spTree>
-      <p:nvGrpSpPr>
-        <p:cNvPr id="1" name=""/>
-        <p:cNvGrpSpPr/>
-        <p:nvPr/>
-      </p:nvGrpSpPr>
-      <p:grpSpPr>
-        <a:xfrm>
-          <a:off x="0" y="0"/>
-          <a:ext cx="0" cy="0"/>
-          <a:chOff x="0" y="0"/>
-          <a:chExt cx="0" cy="0"/>
-        </a:xfrm>
-      </p:grpSpPr>
-      <p:sp>
-        <p:nvSpPr>
-          <p:cNvPr id="2" name="object 2"/>
-          <p:cNvSpPr txBox="1"/>
-          <p:nvPr/>
-        </p:nvSpPr>
-        <p:spPr>
-          <a:xfrm>
-            <a:off x="1016000" y="4010088"/>
-            <a:ext cx="6796405" cy="4326826"/>
-          </a:xfrm>
-          <a:prstGeom prst="rect">
-            <a:avLst/>
-          </a:prstGeom>
-        </p:spPr>
-        <p:txBody>
-          <a:bodyPr vert="horz" wrap="square" lIns="0" tIns="220980" rIns="0" bIns="0" rtlCol="0">
-            <a:spAutoFit/>
-          </a:bodyPr>
-          <a:lstStyle/>
-          <a:p>
-            <a:pPr marL="12700" marR="5080">
-              <a:lnSpc>
-                <a:spcPts val="7950"/>
-              </a:lnSpc>
-              <a:spcBef>
-                <a:spcPts val="1740"/>
-              </a:spcBef>
-            </a:pPr>
-            <a:r>
-              <a:rPr lang="en-ZA" sz="8000" b="1" spc="-605" dirty="0" smtClean="0">
-                <a:solidFill>
-                  <a:schemeClr val="accent5"/>
-                </a:solidFill>
-                <a:latin typeface="Tahoma"/>
-                <a:cs typeface="Tahoma"/>
-              </a:rPr>
-              <a:t>WITH TECH AND AUTOMATION LIFE IS EASY !!!</a:t>
-            </a:r>
-            <a:endParaRPr sz="8000" dirty="0">
-              <a:solidFill>
-                <a:schemeClr val="accent5"/>
-              </a:solidFill>
-              <a:latin typeface="Tahoma"/>
-              <a:cs typeface="Tahoma"/>
-            </a:endParaRPr>
-          </a:p>
-        </p:txBody>
-      </p:sp>
-      <p:sp>
-        <p:nvSpPr>
-          <p:cNvPr id="3" name="object 3"/>
-          <p:cNvSpPr txBox="1"/>
-          <p:nvPr/>
-        </p:nvSpPr>
-        <p:spPr>
-          <a:xfrm>
-            <a:off x="616557" y="9572821"/>
-            <a:ext cx="279400" cy="360680"/>
-          </a:xfrm>
-          <a:prstGeom prst="rect">
-            <a:avLst/>
-          </a:prstGeom>
-        </p:spPr>
-        <p:txBody>
-          <a:bodyPr vert="horz" wrap="square" lIns="0" tIns="12700" rIns="0" bIns="0" rtlCol="0">
-            <a:spAutoFit/>
-          </a:bodyPr>
-          <a:lstStyle/>
-          <a:p>
-            <a:pPr marL="12700">
-              <a:lnSpc>
-                <a:spcPct val="100000"/>
-              </a:lnSpc>
-              <a:spcBef>
-                <a:spcPts val="100"/>
-              </a:spcBef>
-            </a:pPr>
-            <a:r>
-              <a:rPr sz="2200" b="1" spc="-434" dirty="0">
-                <a:solidFill>
-                  <a:srgbClr val="8F113D"/>
-                </a:solidFill>
-                <a:latin typeface="Tahoma"/>
-                <a:cs typeface="Tahoma"/>
-              </a:rPr>
-              <a:t>01</a:t>
-            </a:r>
-            <a:endParaRPr sz="2200">
-              <a:latin typeface="Tahoma"/>
-              <a:cs typeface="Tahoma"/>
-            </a:endParaRPr>
-          </a:p>
-        </p:txBody>
-      </p:sp>
-      <p:pic>
-        <p:nvPicPr>
-          <p:cNvPr id="5" name="object 5"/>
-          <p:cNvPicPr/>
-          <p:nvPr/>
-        </p:nvPicPr>
-        <p:blipFill>
-          <a:blip r:embed="rId2" cstate="print"/>
-          <a:stretch>
-            <a:fillRect/>
-          </a:stretch>
-        </p:blipFill>
-        <p:spPr>
-          <a:xfrm>
-            <a:off x="303663" y="143884"/>
-            <a:ext cx="1838324" cy="1838324"/>
-          </a:xfrm>
-          <a:prstGeom prst="rect">
-            <a:avLst/>
-          </a:prstGeom>
-        </p:spPr>
-      </p:pic>
-      <p:pic>
-        <p:nvPicPr>
-          <p:cNvPr id="7" name="Picture 6"/>
-          <p:cNvPicPr>
-            <a:picLocks noChangeAspect="1"/>
-          </p:cNvPicPr>
-          <p:nvPr/>
-        </p:nvPicPr>
-        <p:blipFill>
-          <a:blip r:embed="rId3">
-            <a:extLst>
-              <a:ext uri="{28A0092B-C50C-407E-A947-70E740481C1C}">
-                <a14:useLocalDpi xmlns:a14="http://schemas.microsoft.com/office/drawing/2010/main" val="0"/>
-              </a:ext>
-            </a:extLst>
-          </a:blip>
-          <a:stretch>
-            <a:fillRect/>
-          </a:stretch>
-        </p:blipFill>
-        <p:spPr>
-          <a:xfrm>
-            <a:off x="10972800" y="1850059"/>
-            <a:ext cx="6553200" cy="6486855"/>
-          </a:xfrm>
-          <a:prstGeom prst="rect">
-            <a:avLst/>
-          </a:prstGeom>
-        </p:spPr>
-      </p:pic>
-    </p:spTree>
-  </p:cSld>
-  <p:clrMapOvr>
-    <a:masterClrMapping/>
-  </p:clrMapOvr>
-</p:sld>
-</file>
-
-<file path=ppt/slides/slide3.xml><?xml version="1.0" encoding="utf-8"?>
 <p:sld xmlns:a="http://schemas.openxmlformats.org/drawingml/2006/main" xmlns:r="http://schemas.openxmlformats.org/officeDocument/2006/relationships" xmlns:p="http://schemas.openxmlformats.org/presentationml/2006/main" showMasterSp="0">
   <p:cSld>
     <p:spTree>
@@ -11744,7 +8476,7 @@
 </p:sld>
 </file>
 
-<file path=ppt/slides/slide4.xml><?xml version="1.0" encoding="utf-8"?>
+<file path=ppt/slides/slide3.xml><?xml version="1.0" encoding="utf-8"?>
 <p:sld xmlns:a="http://schemas.openxmlformats.org/drawingml/2006/main" xmlns:r="http://schemas.openxmlformats.org/officeDocument/2006/relationships" xmlns:p="http://schemas.openxmlformats.org/presentationml/2006/main" showMasterSp="0">
   <p:cSld>
     <p:spTree>
@@ -12360,6 +9092,36 @@
           </a:p>
         </p:txBody>
       </p:sp>
+      <p:pic>
+        <p:nvPicPr>
+          <p:cNvPr id="8" name="Picture 7"/>
+          <p:cNvPicPr>
+            <a:picLocks noChangeAspect="1"/>
+          </p:cNvPicPr>
+          <p:nvPr/>
+        </p:nvPicPr>
+        <p:blipFill>
+          <a:blip r:embed="rId2">
+            <a:extLst>
+              <a:ext uri="{28A0092B-C50C-407E-A947-70E740481C1C}">
+                <a14:useLocalDpi xmlns:a14="http://schemas.microsoft.com/office/drawing/2010/main" val="0"/>
+              </a:ext>
+            </a:extLst>
+          </a:blip>
+          <a:stretch>
+            <a:fillRect/>
+          </a:stretch>
+        </p:blipFill>
+        <p:spPr>
+          <a:xfrm>
+            <a:off x="10668000" y="2457748"/>
+            <a:ext cx="6400800" cy="4819351"/>
+          </a:xfrm>
+          <a:prstGeom prst="rect">
+            <a:avLst/>
+          </a:prstGeom>
+        </p:spPr>
+      </p:pic>
     </p:spTree>
   </p:cSld>
   <p:clrMapOvr>
@@ -12368,7 +9130,7 @@
 </p:sld>
 </file>
 
-<file path=ppt/slides/slide5.xml><?xml version="1.0" encoding="utf-8"?>
+<file path=ppt/slides/slide4.xml><?xml version="1.0" encoding="utf-8"?>
 <p:sld xmlns:a="http://schemas.openxmlformats.org/drawingml/2006/main" xmlns:r="http://schemas.openxmlformats.org/officeDocument/2006/relationships" xmlns:p="http://schemas.openxmlformats.org/presentationml/2006/main" showMasterSp="0">
   <p:cSld>
     <p:spTree>
@@ -12573,6 +9335,36 @@
           </a:p>
         </p:txBody>
       </p:sp>
+      <p:pic>
+        <p:nvPicPr>
+          <p:cNvPr id="2" name="Picture 1"/>
+          <p:cNvPicPr>
+            <a:picLocks noChangeAspect="1"/>
+          </p:cNvPicPr>
+          <p:nvPr/>
+        </p:nvPicPr>
+        <p:blipFill>
+          <a:blip r:embed="rId2">
+            <a:extLst>
+              <a:ext uri="{28A0092B-C50C-407E-A947-70E740481C1C}">
+                <a14:useLocalDpi xmlns:a14="http://schemas.microsoft.com/office/drawing/2010/main" val="0"/>
+              </a:ext>
+            </a:extLst>
+          </a:blip>
+          <a:stretch>
+            <a:fillRect/>
+          </a:stretch>
+        </p:blipFill>
+        <p:spPr>
+          <a:xfrm>
+            <a:off x="609599" y="2270417"/>
+            <a:ext cx="7696201" cy="6125629"/>
+          </a:xfrm>
+          <a:prstGeom prst="rect">
+            <a:avLst/>
+          </a:prstGeom>
+        </p:spPr>
+      </p:pic>
     </p:spTree>
   </p:cSld>
   <p:clrMapOvr>
@@ -12581,7 +9373,7 @@
 </p:sld>
 </file>
 
-<file path=ppt/slides/slide6.xml><?xml version="1.0" encoding="utf-8"?>
+<file path=ppt/slides/slide5.xml><?xml version="1.0" encoding="utf-8"?>
 <p:sld xmlns:a="http://schemas.openxmlformats.org/drawingml/2006/main" xmlns:r="http://schemas.openxmlformats.org/officeDocument/2006/relationships" xmlns:p="http://schemas.openxmlformats.org/presentationml/2006/main" showMasterSp="0">
   <p:cSld>
     <p:spTree>
@@ -12823,7 +9615,7 @@
 </p:sld>
 </file>
 
-<file path=ppt/slides/slide7.xml><?xml version="1.0" encoding="utf-8"?>
+<file path=ppt/slides/slide6.xml><?xml version="1.0" encoding="utf-8"?>
 <p:sld xmlns:a="http://schemas.openxmlformats.org/drawingml/2006/main" xmlns:r="http://schemas.openxmlformats.org/officeDocument/2006/relationships" xmlns:p="http://schemas.openxmlformats.org/presentationml/2006/main" showMasterSp="0">
   <p:cSld>
     <p:spTree>
@@ -12969,7 +9761,7 @@
 </p:sld>
 </file>
 
-<file path=ppt/slides/slide8.xml><?xml version="1.0" encoding="utf-8"?>
+<file path=ppt/slides/slide7.xml><?xml version="1.0" encoding="utf-8"?>
 <p:sld xmlns:a="http://schemas.openxmlformats.org/drawingml/2006/main" xmlns:r="http://schemas.openxmlformats.org/officeDocument/2006/relationships" xmlns:p="http://schemas.openxmlformats.org/presentationml/2006/main" showMasterSp="0">
   <p:cSld>
     <p:spTree>
@@ -13461,7 +10253,7 @@
 </p:sld>
 </file>
 
-<file path=ppt/slides/slide9.xml><?xml version="1.0" encoding="utf-8"?>
+<file path=ppt/slides/slide8.xml><?xml version="1.0" encoding="utf-8"?>
 <p:sld xmlns:a="http://schemas.openxmlformats.org/drawingml/2006/main" xmlns:r="http://schemas.openxmlformats.org/officeDocument/2006/relationships" xmlns:p="http://schemas.openxmlformats.org/presentationml/2006/main" showMasterSp="0">
   <p:cSld>
     <p:spTree>
@@ -14016,6 +10808,1284 @@
           </p:txBody>
         </p:sp>
       </p:grpSp>
+    </p:spTree>
+  </p:cSld>
+  <p:clrMapOvr>
+    <a:masterClrMapping/>
+  </p:clrMapOvr>
+</p:sld>
+</file>
+
+<file path=ppt/slides/slide9.xml><?xml version="1.0" encoding="utf-8"?>
+<p:sld xmlns:a="http://schemas.openxmlformats.org/drawingml/2006/main" xmlns:r="http://schemas.openxmlformats.org/officeDocument/2006/relationships" xmlns:p="http://schemas.openxmlformats.org/presentationml/2006/main" showMasterSp="0">
+  <p:cSld>
+    <p:spTree>
+      <p:nvGrpSpPr>
+        <p:cNvPr id="1" name=""/>
+        <p:cNvGrpSpPr/>
+        <p:nvPr/>
+      </p:nvGrpSpPr>
+      <p:grpSpPr>
+        <a:xfrm>
+          <a:off x="0" y="0"/>
+          <a:ext cx="0" cy="0"/>
+          <a:chOff x="0" y="0"/>
+          <a:chExt cx="0" cy="0"/>
+        </a:xfrm>
+      </p:grpSpPr>
+      <p:sp>
+        <p:nvSpPr>
+          <p:cNvPr id="2" name="object 2"/>
+          <p:cNvSpPr/>
+          <p:nvPr/>
+        </p:nvSpPr>
+        <p:spPr>
+          <a:xfrm>
+            <a:off x="1703358" y="3971075"/>
+            <a:ext cx="14878050" cy="600075"/>
+          </a:xfrm>
+          <a:custGeom>
+            <a:avLst/>
+            <a:gdLst/>
+            <a:ahLst/>
+            <a:cxnLst/>
+            <a:rect l="l" t="t" r="r" b="b"/>
+            <a:pathLst>
+              <a:path w="14878050" h="600075">
+                <a:moveTo>
+                  <a:pt x="14878048" y="600074"/>
+                </a:moveTo>
+                <a:lnTo>
+                  <a:pt x="0" y="600074"/>
+                </a:lnTo>
+                <a:lnTo>
+                  <a:pt x="0" y="0"/>
+                </a:lnTo>
+                <a:lnTo>
+                  <a:pt x="14878048" y="0"/>
+                </a:lnTo>
+                <a:lnTo>
+                  <a:pt x="14878048" y="600074"/>
+                </a:lnTo>
+                <a:close/>
+              </a:path>
+            </a:pathLst>
+          </a:custGeom>
+          <a:solidFill>
+            <a:srgbClr val="8F113D">
+              <a:alpha val="1998"/>
+            </a:srgbClr>
+          </a:solidFill>
+        </p:spPr>
+        <p:txBody>
+          <a:bodyPr wrap="square" lIns="0" tIns="0" rIns="0" bIns="0" rtlCol="0"/>
+          <a:lstStyle/>
+          <a:p>
+            <a:r>
+              <a:rPr lang="en-ZA" sz="3600" dirty="0" smtClean="0">
+                <a:latin typeface="Times New Roman" pitchFamily="18" charset="0"/>
+                <a:cs typeface="Times New Roman" pitchFamily="18" charset="0"/>
+              </a:rPr>
+              <a:t>  System Architecture design</a:t>
+            </a:r>
+            <a:endParaRPr sz="3600" dirty="0">
+              <a:latin typeface="Times New Roman" pitchFamily="18" charset="0"/>
+              <a:cs typeface="Times New Roman" pitchFamily="18" charset="0"/>
+            </a:endParaRPr>
+          </a:p>
+        </p:txBody>
+      </p:sp>
+      <p:sp>
+        <p:nvSpPr>
+          <p:cNvPr id="3" name="object 3"/>
+          <p:cNvSpPr/>
+          <p:nvPr/>
+        </p:nvSpPr>
+        <p:spPr>
+          <a:xfrm>
+            <a:off x="1600200" y="5158823"/>
+            <a:ext cx="14878050" cy="1187749"/>
+          </a:xfrm>
+          <a:custGeom>
+            <a:avLst/>
+            <a:gdLst/>
+            <a:ahLst/>
+            <a:cxnLst/>
+            <a:rect l="l" t="t" r="r" b="b"/>
+            <a:pathLst>
+              <a:path w="14878050" h="600075">
+                <a:moveTo>
+                  <a:pt x="14878048" y="600074"/>
+                </a:moveTo>
+                <a:lnTo>
+                  <a:pt x="0" y="600074"/>
+                </a:lnTo>
+                <a:lnTo>
+                  <a:pt x="0" y="0"/>
+                </a:lnTo>
+                <a:lnTo>
+                  <a:pt x="14878048" y="0"/>
+                </a:lnTo>
+                <a:lnTo>
+                  <a:pt x="14878048" y="600074"/>
+                </a:lnTo>
+                <a:close/>
+              </a:path>
+            </a:pathLst>
+          </a:custGeom>
+          <a:solidFill>
+            <a:srgbClr val="8F113D">
+              <a:alpha val="1998"/>
+            </a:srgbClr>
+          </a:solidFill>
+        </p:spPr>
+        <p:txBody>
+          <a:bodyPr wrap="square" lIns="0" tIns="0" rIns="0" bIns="0" rtlCol="0"/>
+          <a:lstStyle/>
+          <a:p>
+            <a:r>
+              <a:rPr lang="en-ZA" sz="3600" dirty="0" smtClean="0">
+                <a:latin typeface="Times New Roman" pitchFamily="18" charset="0"/>
+                <a:cs typeface="Times New Roman" pitchFamily="18" charset="0"/>
+              </a:rPr>
+              <a:t>  Build and test of prototype</a:t>
+            </a:r>
+          </a:p>
+          <a:p>
+            <a:r>
+              <a:rPr lang="en-ZA" sz="3600" dirty="0">
+                <a:latin typeface="Times New Roman" pitchFamily="18" charset="0"/>
+                <a:cs typeface="Times New Roman" pitchFamily="18" charset="0"/>
+              </a:rPr>
+              <a:t> </a:t>
+            </a:r>
+            <a:r>
+              <a:rPr lang="en-ZA" sz="3600" dirty="0" smtClean="0">
+                <a:latin typeface="Times New Roman" pitchFamily="18" charset="0"/>
+                <a:cs typeface="Times New Roman" pitchFamily="18" charset="0"/>
+              </a:rPr>
+              <a:t> </a:t>
+            </a:r>
+            <a:endParaRPr sz="3600" dirty="0">
+              <a:latin typeface="Times New Roman" pitchFamily="18" charset="0"/>
+              <a:cs typeface="Times New Roman" pitchFamily="18" charset="0"/>
+            </a:endParaRPr>
+          </a:p>
+        </p:txBody>
+      </p:sp>
+      <p:sp>
+        <p:nvSpPr>
+          <p:cNvPr id="4" name="object 4"/>
+          <p:cNvSpPr/>
+          <p:nvPr/>
+        </p:nvSpPr>
+        <p:spPr>
+          <a:xfrm>
+            <a:off x="1703358" y="6346572"/>
+            <a:ext cx="14878050" cy="600075"/>
+          </a:xfrm>
+          <a:custGeom>
+            <a:avLst/>
+            <a:gdLst/>
+            <a:ahLst/>
+            <a:cxnLst/>
+            <a:rect l="l" t="t" r="r" b="b"/>
+            <a:pathLst>
+              <a:path w="14878050" h="600075">
+                <a:moveTo>
+                  <a:pt x="14878048" y="600074"/>
+                </a:moveTo>
+                <a:lnTo>
+                  <a:pt x="0" y="600074"/>
+                </a:lnTo>
+                <a:lnTo>
+                  <a:pt x="0" y="0"/>
+                </a:lnTo>
+                <a:lnTo>
+                  <a:pt x="14878048" y="0"/>
+                </a:lnTo>
+                <a:lnTo>
+                  <a:pt x="14878048" y="600074"/>
+                </a:lnTo>
+                <a:close/>
+              </a:path>
+            </a:pathLst>
+          </a:custGeom>
+          <a:solidFill>
+            <a:srgbClr val="8F113D">
+              <a:alpha val="1998"/>
+            </a:srgbClr>
+          </a:solidFill>
+        </p:spPr>
+        <p:txBody>
+          <a:bodyPr wrap="square" lIns="0" tIns="0" rIns="0" bIns="0" rtlCol="0"/>
+          <a:lstStyle/>
+          <a:p>
+            <a:r>
+              <a:rPr lang="en-ZA" sz="3600" dirty="0">
+                <a:latin typeface="Times New Roman" pitchFamily="18" charset="0"/>
+                <a:cs typeface="Times New Roman" pitchFamily="18" charset="0"/>
+              </a:rPr>
+              <a:t> </a:t>
+            </a:r>
+            <a:r>
+              <a:rPr lang="en-ZA" sz="3600" dirty="0" smtClean="0">
+                <a:latin typeface="Times New Roman" pitchFamily="18" charset="0"/>
+                <a:cs typeface="Times New Roman" pitchFamily="18" charset="0"/>
+              </a:rPr>
+              <a:t>Deploying of the prototype and gathering user feedback </a:t>
+            </a:r>
+            <a:endParaRPr sz="3600" dirty="0">
+              <a:latin typeface="Times New Roman" pitchFamily="18" charset="0"/>
+              <a:cs typeface="Times New Roman" pitchFamily="18" charset="0"/>
+            </a:endParaRPr>
+          </a:p>
+        </p:txBody>
+      </p:sp>
+      <p:sp>
+        <p:nvSpPr>
+          <p:cNvPr id="5" name="object 5"/>
+          <p:cNvSpPr/>
+          <p:nvPr/>
+        </p:nvSpPr>
+        <p:spPr>
+          <a:xfrm>
+            <a:off x="1703358" y="7534321"/>
+            <a:ext cx="14878050" cy="600075"/>
+          </a:xfrm>
+          <a:custGeom>
+            <a:avLst/>
+            <a:gdLst/>
+            <a:ahLst/>
+            <a:cxnLst/>
+            <a:rect l="l" t="t" r="r" b="b"/>
+            <a:pathLst>
+              <a:path w="14878050" h="600075">
+                <a:moveTo>
+                  <a:pt x="14878048" y="600074"/>
+                </a:moveTo>
+                <a:lnTo>
+                  <a:pt x="0" y="600074"/>
+                </a:lnTo>
+                <a:lnTo>
+                  <a:pt x="0" y="0"/>
+                </a:lnTo>
+                <a:lnTo>
+                  <a:pt x="14878048" y="0"/>
+                </a:lnTo>
+                <a:lnTo>
+                  <a:pt x="14878048" y="600074"/>
+                </a:lnTo>
+                <a:close/>
+              </a:path>
+            </a:pathLst>
+          </a:custGeom>
+          <a:solidFill>
+            <a:srgbClr val="8F113D">
+              <a:alpha val="1998"/>
+            </a:srgbClr>
+          </a:solidFill>
+        </p:spPr>
+        <p:txBody>
+          <a:bodyPr wrap="square" lIns="0" tIns="0" rIns="0" bIns="0" rtlCol="0"/>
+          <a:lstStyle/>
+          <a:p>
+            <a:r>
+              <a:rPr lang="en-ZA" sz="3600" dirty="0" smtClean="0">
+                <a:latin typeface="Times New Roman" pitchFamily="18" charset="0"/>
+                <a:cs typeface="Times New Roman" pitchFamily="18" charset="0"/>
+              </a:rPr>
+              <a:t>Preparation of reports, presentation, and plan for scaling the project </a:t>
+            </a:r>
+            <a:endParaRPr sz="3600" dirty="0">
+              <a:latin typeface="Times New Roman" pitchFamily="18" charset="0"/>
+              <a:cs typeface="Times New Roman" pitchFamily="18" charset="0"/>
+            </a:endParaRPr>
+          </a:p>
+        </p:txBody>
+      </p:sp>
+      <p:sp>
+        <p:nvSpPr>
+          <p:cNvPr id="6" name="object 6"/>
+          <p:cNvSpPr/>
+          <p:nvPr/>
+        </p:nvSpPr>
+        <p:spPr>
+          <a:xfrm>
+            <a:off x="1703358" y="3367387"/>
+            <a:ext cx="14881860" cy="0"/>
+          </a:xfrm>
+          <a:custGeom>
+            <a:avLst/>
+            <a:gdLst/>
+            <a:ahLst/>
+            <a:cxnLst/>
+            <a:rect l="l" t="t" r="r" b="b"/>
+            <a:pathLst>
+              <a:path w="14881860">
+                <a:moveTo>
+                  <a:pt x="0" y="0"/>
+                </a:moveTo>
+                <a:lnTo>
+                  <a:pt x="14881281" y="0"/>
+                </a:lnTo>
+              </a:path>
+            </a:pathLst>
+          </a:custGeom>
+          <a:ln w="19049">
+            <a:solidFill>
+              <a:srgbClr val="8F113D"/>
+            </a:solidFill>
+          </a:ln>
+        </p:spPr>
+        <p:txBody>
+          <a:bodyPr wrap="square" lIns="0" tIns="0" rIns="0" bIns="0" rtlCol="0"/>
+          <a:lstStyle/>
+          <a:p>
+            <a:endParaRPr/>
+          </a:p>
+        </p:txBody>
+      </p:sp>
+      <p:sp>
+        <p:nvSpPr>
+          <p:cNvPr id="7" name="object 7"/>
+          <p:cNvSpPr/>
+          <p:nvPr/>
+        </p:nvSpPr>
+        <p:spPr>
+          <a:xfrm>
+            <a:off x="1703358" y="8136752"/>
+            <a:ext cx="14881860" cy="19050"/>
+          </a:xfrm>
+          <a:custGeom>
+            <a:avLst/>
+            <a:gdLst/>
+            <a:ahLst/>
+            <a:cxnLst/>
+            <a:rect l="l" t="t" r="r" b="b"/>
+            <a:pathLst>
+              <a:path w="14881860" h="19050">
+                <a:moveTo>
+                  <a:pt x="0" y="0"/>
+                </a:moveTo>
+                <a:lnTo>
+                  <a:pt x="14881281" y="0"/>
+                </a:lnTo>
+                <a:lnTo>
+                  <a:pt x="14881281" y="19049"/>
+                </a:lnTo>
+                <a:lnTo>
+                  <a:pt x="0" y="19049"/>
+                </a:lnTo>
+                <a:lnTo>
+                  <a:pt x="0" y="0"/>
+                </a:lnTo>
+                <a:close/>
+              </a:path>
+            </a:pathLst>
+          </a:custGeom>
+          <a:solidFill>
+            <a:srgbClr val="8F113D"/>
+          </a:solidFill>
+        </p:spPr>
+        <p:txBody>
+          <a:bodyPr wrap="square" lIns="0" tIns="0" rIns="0" bIns="0" rtlCol="0"/>
+          <a:lstStyle/>
+          <a:p>
+            <a:endParaRPr/>
+          </a:p>
+        </p:txBody>
+      </p:sp>
+      <p:sp>
+        <p:nvSpPr>
+          <p:cNvPr id="8" name="object 8"/>
+          <p:cNvSpPr txBox="1"/>
+          <p:nvPr/>
+        </p:nvSpPr>
+        <p:spPr>
+          <a:xfrm>
+            <a:off x="7190054" y="2722212"/>
+            <a:ext cx="972185" cy="375920"/>
+          </a:xfrm>
+          <a:prstGeom prst="rect">
+            <a:avLst/>
+          </a:prstGeom>
+        </p:spPr>
+        <p:txBody>
+          <a:bodyPr vert="horz" wrap="square" lIns="0" tIns="12700" rIns="0" bIns="0" rtlCol="0">
+            <a:spAutoFit/>
+          </a:bodyPr>
+          <a:lstStyle/>
+          <a:p>
+            <a:pPr marL="12700">
+              <a:lnSpc>
+                <a:spcPct val="100000"/>
+              </a:lnSpc>
+              <a:spcBef>
+                <a:spcPts val="100"/>
+              </a:spcBef>
+            </a:pPr>
+            <a:r>
+              <a:rPr sz="2300" spc="-50" dirty="0">
+                <a:solidFill>
+                  <a:srgbClr val="8F113D"/>
+                </a:solidFill>
+                <a:latin typeface="Tahoma"/>
+                <a:cs typeface="Tahoma"/>
+              </a:rPr>
+              <a:t>Month</a:t>
+            </a:r>
+            <a:r>
+              <a:rPr sz="2300" spc="-215" dirty="0">
+                <a:solidFill>
+                  <a:srgbClr val="8F113D"/>
+                </a:solidFill>
+                <a:latin typeface="Tahoma"/>
+                <a:cs typeface="Tahoma"/>
+              </a:rPr>
+              <a:t> </a:t>
+            </a:r>
+            <a:r>
+              <a:rPr sz="2300" spc="-515" dirty="0">
+                <a:solidFill>
+                  <a:srgbClr val="8F113D"/>
+                </a:solidFill>
+                <a:latin typeface="Tahoma"/>
+                <a:cs typeface="Tahoma"/>
+              </a:rPr>
+              <a:t>1</a:t>
+            </a:r>
+            <a:endParaRPr sz="2300">
+              <a:latin typeface="Tahoma"/>
+              <a:cs typeface="Tahoma"/>
+            </a:endParaRPr>
+          </a:p>
+        </p:txBody>
+      </p:sp>
+      <p:sp>
+        <p:nvSpPr>
+          <p:cNvPr id="9" name="object 9"/>
+          <p:cNvSpPr txBox="1"/>
+          <p:nvPr/>
+        </p:nvSpPr>
+        <p:spPr>
+          <a:xfrm>
+            <a:off x="9219812" y="2722212"/>
+            <a:ext cx="1028700" cy="375920"/>
+          </a:xfrm>
+          <a:prstGeom prst="rect">
+            <a:avLst/>
+          </a:prstGeom>
+        </p:spPr>
+        <p:txBody>
+          <a:bodyPr vert="horz" wrap="square" lIns="0" tIns="12700" rIns="0" bIns="0" rtlCol="0">
+            <a:spAutoFit/>
+          </a:bodyPr>
+          <a:lstStyle/>
+          <a:p>
+            <a:pPr marL="12700">
+              <a:lnSpc>
+                <a:spcPct val="100000"/>
+              </a:lnSpc>
+              <a:spcBef>
+                <a:spcPts val="100"/>
+              </a:spcBef>
+            </a:pPr>
+            <a:r>
+              <a:rPr sz="2300" spc="-50" dirty="0">
+                <a:solidFill>
+                  <a:srgbClr val="8F113D"/>
+                </a:solidFill>
+                <a:latin typeface="Tahoma"/>
+                <a:cs typeface="Tahoma"/>
+              </a:rPr>
+              <a:t>Month</a:t>
+            </a:r>
+            <a:r>
+              <a:rPr sz="2300" spc="-215" dirty="0">
+                <a:solidFill>
+                  <a:srgbClr val="8F113D"/>
+                </a:solidFill>
+                <a:latin typeface="Tahoma"/>
+                <a:cs typeface="Tahoma"/>
+              </a:rPr>
+              <a:t> </a:t>
+            </a:r>
+            <a:r>
+              <a:rPr sz="2300" spc="-50" dirty="0">
+                <a:solidFill>
+                  <a:srgbClr val="8F113D"/>
+                </a:solidFill>
+                <a:latin typeface="Tahoma"/>
+                <a:cs typeface="Tahoma"/>
+              </a:rPr>
+              <a:t>2</a:t>
+            </a:r>
+            <a:endParaRPr sz="2300">
+              <a:latin typeface="Tahoma"/>
+              <a:cs typeface="Tahoma"/>
+            </a:endParaRPr>
+          </a:p>
+        </p:txBody>
+      </p:sp>
+      <p:sp>
+        <p:nvSpPr>
+          <p:cNvPr id="10" name="object 10"/>
+          <p:cNvSpPr txBox="1"/>
+          <p:nvPr/>
+        </p:nvSpPr>
+        <p:spPr>
+          <a:xfrm>
+            <a:off x="11176134" y="2722212"/>
+            <a:ext cx="1022985" cy="375920"/>
+          </a:xfrm>
+          <a:prstGeom prst="rect">
+            <a:avLst/>
+          </a:prstGeom>
+        </p:spPr>
+        <p:txBody>
+          <a:bodyPr vert="horz" wrap="square" lIns="0" tIns="12700" rIns="0" bIns="0" rtlCol="0">
+            <a:spAutoFit/>
+          </a:bodyPr>
+          <a:lstStyle/>
+          <a:p>
+            <a:pPr marL="12700">
+              <a:lnSpc>
+                <a:spcPct val="100000"/>
+              </a:lnSpc>
+              <a:spcBef>
+                <a:spcPts val="100"/>
+              </a:spcBef>
+            </a:pPr>
+            <a:r>
+              <a:rPr sz="2300" spc="-50" dirty="0">
+                <a:solidFill>
+                  <a:srgbClr val="8F113D"/>
+                </a:solidFill>
+                <a:latin typeface="Tahoma"/>
+                <a:cs typeface="Tahoma"/>
+              </a:rPr>
+              <a:t>Month</a:t>
+            </a:r>
+            <a:r>
+              <a:rPr sz="2300" spc="-215" dirty="0">
+                <a:solidFill>
+                  <a:srgbClr val="8F113D"/>
+                </a:solidFill>
+                <a:latin typeface="Tahoma"/>
+                <a:cs typeface="Tahoma"/>
+              </a:rPr>
+              <a:t> </a:t>
+            </a:r>
+            <a:r>
+              <a:rPr sz="2300" spc="-50" dirty="0">
+                <a:solidFill>
+                  <a:srgbClr val="8F113D"/>
+                </a:solidFill>
+                <a:latin typeface="Tahoma"/>
+                <a:cs typeface="Tahoma"/>
+              </a:rPr>
+              <a:t>3</a:t>
+            </a:r>
+            <a:endParaRPr sz="2300">
+              <a:latin typeface="Tahoma"/>
+              <a:cs typeface="Tahoma"/>
+            </a:endParaRPr>
+          </a:p>
+        </p:txBody>
+      </p:sp>
+      <p:sp>
+        <p:nvSpPr>
+          <p:cNvPr id="11" name="object 11"/>
+          <p:cNvSpPr txBox="1"/>
+          <p:nvPr/>
+        </p:nvSpPr>
+        <p:spPr>
+          <a:xfrm>
+            <a:off x="13124482" y="2722212"/>
+            <a:ext cx="1033144" cy="375920"/>
+          </a:xfrm>
+          <a:prstGeom prst="rect">
+            <a:avLst/>
+          </a:prstGeom>
+        </p:spPr>
+        <p:txBody>
+          <a:bodyPr vert="horz" wrap="square" lIns="0" tIns="12700" rIns="0" bIns="0" rtlCol="0">
+            <a:spAutoFit/>
+          </a:bodyPr>
+          <a:lstStyle/>
+          <a:p>
+            <a:pPr marL="12700">
+              <a:lnSpc>
+                <a:spcPct val="100000"/>
+              </a:lnSpc>
+              <a:spcBef>
+                <a:spcPts val="100"/>
+              </a:spcBef>
+            </a:pPr>
+            <a:r>
+              <a:rPr sz="2300" spc="-50" dirty="0">
+                <a:solidFill>
+                  <a:srgbClr val="8F113D"/>
+                </a:solidFill>
+                <a:latin typeface="Tahoma"/>
+                <a:cs typeface="Tahoma"/>
+              </a:rPr>
+              <a:t>Month</a:t>
+            </a:r>
+            <a:r>
+              <a:rPr sz="2300" spc="-215" dirty="0">
+                <a:solidFill>
+                  <a:srgbClr val="8F113D"/>
+                </a:solidFill>
+                <a:latin typeface="Tahoma"/>
+                <a:cs typeface="Tahoma"/>
+              </a:rPr>
+              <a:t> </a:t>
+            </a:r>
+            <a:r>
+              <a:rPr sz="2300" spc="-50" dirty="0">
+                <a:solidFill>
+                  <a:srgbClr val="8F113D"/>
+                </a:solidFill>
+                <a:latin typeface="Tahoma"/>
+                <a:cs typeface="Tahoma"/>
+              </a:rPr>
+              <a:t>4</a:t>
+            </a:r>
+            <a:endParaRPr sz="2300">
+              <a:latin typeface="Tahoma"/>
+              <a:cs typeface="Tahoma"/>
+            </a:endParaRPr>
+          </a:p>
+        </p:txBody>
+      </p:sp>
+      <p:sp>
+        <p:nvSpPr>
+          <p:cNvPr id="12" name="object 12"/>
+          <p:cNvSpPr txBox="1"/>
+          <p:nvPr/>
+        </p:nvSpPr>
+        <p:spPr>
+          <a:xfrm>
+            <a:off x="15083254" y="2722212"/>
+            <a:ext cx="1022350" cy="375920"/>
+          </a:xfrm>
+          <a:prstGeom prst="rect">
+            <a:avLst/>
+          </a:prstGeom>
+        </p:spPr>
+        <p:txBody>
+          <a:bodyPr vert="horz" wrap="square" lIns="0" tIns="12700" rIns="0" bIns="0" rtlCol="0">
+            <a:spAutoFit/>
+          </a:bodyPr>
+          <a:lstStyle/>
+          <a:p>
+            <a:pPr marL="12700">
+              <a:lnSpc>
+                <a:spcPct val="100000"/>
+              </a:lnSpc>
+              <a:spcBef>
+                <a:spcPts val="100"/>
+              </a:spcBef>
+            </a:pPr>
+            <a:r>
+              <a:rPr sz="2300" spc="-50" dirty="0">
+                <a:solidFill>
+                  <a:srgbClr val="8F113D"/>
+                </a:solidFill>
+                <a:latin typeface="Tahoma"/>
+                <a:cs typeface="Tahoma"/>
+              </a:rPr>
+              <a:t>Month</a:t>
+            </a:r>
+            <a:r>
+              <a:rPr sz="2300" spc="-215" dirty="0">
+                <a:solidFill>
+                  <a:srgbClr val="8F113D"/>
+                </a:solidFill>
+                <a:latin typeface="Tahoma"/>
+                <a:cs typeface="Tahoma"/>
+              </a:rPr>
+              <a:t> </a:t>
+            </a:r>
+            <a:r>
+              <a:rPr sz="2300" spc="-50" dirty="0">
+                <a:solidFill>
+                  <a:srgbClr val="8F113D"/>
+                </a:solidFill>
+                <a:latin typeface="Tahoma"/>
+                <a:cs typeface="Tahoma"/>
+              </a:rPr>
+              <a:t>5</a:t>
+            </a:r>
+            <a:endParaRPr sz="2300">
+              <a:latin typeface="Tahoma"/>
+              <a:cs typeface="Tahoma"/>
+            </a:endParaRPr>
+          </a:p>
+        </p:txBody>
+      </p:sp>
+      <p:sp>
+        <p:nvSpPr>
+          <p:cNvPr id="13" name="object 13"/>
+          <p:cNvSpPr txBox="1"/>
+          <p:nvPr/>
+        </p:nvSpPr>
+        <p:spPr>
+          <a:xfrm>
+            <a:off x="2056102" y="2714563"/>
+            <a:ext cx="768985" cy="375920"/>
+          </a:xfrm>
+          <a:prstGeom prst="rect">
+            <a:avLst/>
+          </a:prstGeom>
+        </p:spPr>
+        <p:txBody>
+          <a:bodyPr vert="horz" wrap="square" lIns="0" tIns="12700" rIns="0" bIns="0" rtlCol="0">
+            <a:spAutoFit/>
+          </a:bodyPr>
+          <a:lstStyle/>
+          <a:p>
+            <a:pPr marL="12700">
+              <a:lnSpc>
+                <a:spcPct val="100000"/>
+              </a:lnSpc>
+              <a:spcBef>
+                <a:spcPts val="100"/>
+              </a:spcBef>
+            </a:pPr>
+            <a:r>
+              <a:rPr sz="2300" spc="-10" dirty="0">
+                <a:solidFill>
+                  <a:srgbClr val="8F113D"/>
+                </a:solidFill>
+                <a:latin typeface="Tahoma"/>
+                <a:cs typeface="Tahoma"/>
+              </a:rPr>
+              <a:t>Tasks</a:t>
+            </a:r>
+            <a:endParaRPr sz="2300">
+              <a:latin typeface="Tahoma"/>
+              <a:cs typeface="Tahoma"/>
+            </a:endParaRPr>
+          </a:p>
+        </p:txBody>
+      </p:sp>
+      <p:sp>
+        <p:nvSpPr>
+          <p:cNvPr id="14" name="object 14"/>
+          <p:cNvSpPr txBox="1"/>
+          <p:nvPr/>
+        </p:nvSpPr>
+        <p:spPr>
+          <a:xfrm>
+            <a:off x="1985042" y="3439398"/>
+            <a:ext cx="14600176" cy="933589"/>
+          </a:xfrm>
+          <a:prstGeom prst="rect">
+            <a:avLst/>
+          </a:prstGeom>
+        </p:spPr>
+        <p:txBody>
+          <a:bodyPr vert="horz" wrap="square" lIns="0" tIns="12700" rIns="0" bIns="0" rtlCol="0">
+            <a:spAutoFit/>
+          </a:bodyPr>
+          <a:lstStyle/>
+          <a:p>
+            <a:pPr marL="12700" algn="just">
+              <a:lnSpc>
+                <a:spcPct val="100000"/>
+              </a:lnSpc>
+              <a:spcBef>
+                <a:spcPts val="100"/>
+              </a:spcBef>
+            </a:pPr>
+            <a:r>
+              <a:rPr lang="en-ZA" sz="3600" dirty="0" smtClean="0">
+                <a:solidFill>
+                  <a:schemeClr val="tx1"/>
+                </a:solidFill>
+                <a:latin typeface="Times New Roman" pitchFamily="18" charset="0"/>
+                <a:cs typeface="Times New Roman" pitchFamily="18" charset="0"/>
+              </a:rPr>
+              <a:t>Problem identification </a:t>
+            </a:r>
+            <a:r>
+              <a:rPr sz="3600" spc="-150" dirty="0" smtClean="0">
+                <a:solidFill>
+                  <a:schemeClr val="tx1"/>
+                </a:solidFill>
+                <a:latin typeface="Times New Roman" pitchFamily="18" charset="0"/>
+                <a:cs typeface="Times New Roman" pitchFamily="18" charset="0"/>
+              </a:rPr>
+              <a:t> </a:t>
+            </a:r>
+            <a:endParaRPr lang="en-ZA" sz="3600" spc="-20" dirty="0">
+              <a:solidFill>
+                <a:schemeClr val="tx1"/>
+              </a:solidFill>
+              <a:latin typeface="Times New Roman" pitchFamily="18" charset="0"/>
+              <a:cs typeface="Times New Roman" pitchFamily="18" charset="0"/>
+            </a:endParaRPr>
+          </a:p>
+          <a:p>
+            <a:pPr marL="12700" algn="just">
+              <a:lnSpc>
+                <a:spcPct val="100000"/>
+              </a:lnSpc>
+              <a:spcBef>
+                <a:spcPts val="100"/>
+              </a:spcBef>
+            </a:pPr>
+            <a:endParaRPr sz="2300" dirty="0">
+              <a:latin typeface="Tahoma"/>
+              <a:cs typeface="Tahoma"/>
+            </a:endParaRPr>
+          </a:p>
+        </p:txBody>
+      </p:sp>
+      <p:sp>
+        <p:nvSpPr>
+          <p:cNvPr id="15" name="object 15"/>
+          <p:cNvSpPr/>
+          <p:nvPr/>
+        </p:nvSpPr>
+        <p:spPr>
+          <a:xfrm>
+            <a:off x="6673183" y="3426734"/>
+            <a:ext cx="1972945" cy="485775"/>
+          </a:xfrm>
+          <a:custGeom>
+            <a:avLst/>
+            <a:gdLst/>
+            <a:ahLst/>
+            <a:cxnLst/>
+            <a:rect l="l" t="t" r="r" b="b"/>
+            <a:pathLst>
+              <a:path w="1972945" h="485775">
+                <a:moveTo>
+                  <a:pt x="0" y="0"/>
+                </a:moveTo>
+                <a:lnTo>
+                  <a:pt x="1972819" y="0"/>
+                </a:lnTo>
+                <a:lnTo>
+                  <a:pt x="1972819" y="485774"/>
+                </a:lnTo>
+                <a:lnTo>
+                  <a:pt x="0" y="485774"/>
+                </a:lnTo>
+                <a:lnTo>
+                  <a:pt x="0" y="0"/>
+                </a:lnTo>
+                <a:close/>
+              </a:path>
+            </a:pathLst>
+          </a:custGeom>
+          <a:solidFill>
+            <a:srgbClr val="8F113D"/>
+          </a:solidFill>
+        </p:spPr>
+        <p:txBody>
+          <a:bodyPr wrap="square" lIns="0" tIns="0" rIns="0" bIns="0" rtlCol="0"/>
+          <a:lstStyle/>
+          <a:p>
+            <a:endParaRPr/>
+          </a:p>
+        </p:txBody>
+      </p:sp>
+      <p:sp>
+        <p:nvSpPr>
+          <p:cNvPr id="16" name="object 16"/>
+          <p:cNvSpPr/>
+          <p:nvPr/>
+        </p:nvSpPr>
+        <p:spPr>
+          <a:xfrm>
+            <a:off x="7659592" y="4029975"/>
+            <a:ext cx="2972435" cy="485775"/>
+          </a:xfrm>
+          <a:custGeom>
+            <a:avLst/>
+            <a:gdLst/>
+            <a:ahLst/>
+            <a:cxnLst/>
+            <a:rect l="l" t="t" r="r" b="b"/>
+            <a:pathLst>
+              <a:path w="2972434" h="485775">
+                <a:moveTo>
+                  <a:pt x="0" y="0"/>
+                </a:moveTo>
+                <a:lnTo>
+                  <a:pt x="2972327" y="0"/>
+                </a:lnTo>
+                <a:lnTo>
+                  <a:pt x="2972327" y="485774"/>
+                </a:lnTo>
+                <a:lnTo>
+                  <a:pt x="0" y="485774"/>
+                </a:lnTo>
+                <a:lnTo>
+                  <a:pt x="0" y="0"/>
+                </a:lnTo>
+                <a:close/>
+              </a:path>
+            </a:pathLst>
+          </a:custGeom>
+          <a:solidFill>
+            <a:srgbClr val="0AB5BC"/>
+          </a:solidFill>
+        </p:spPr>
+        <p:txBody>
+          <a:bodyPr wrap="square" lIns="0" tIns="0" rIns="0" bIns="0" rtlCol="0"/>
+          <a:lstStyle/>
+          <a:p>
+            <a:endParaRPr/>
+          </a:p>
+        </p:txBody>
+      </p:sp>
+      <p:sp>
+        <p:nvSpPr>
+          <p:cNvPr id="18" name="object 18"/>
+          <p:cNvSpPr/>
+          <p:nvPr/>
+        </p:nvSpPr>
+        <p:spPr>
+          <a:xfrm>
+            <a:off x="12631284" y="6404756"/>
+            <a:ext cx="2962910" cy="485775"/>
+          </a:xfrm>
+          <a:custGeom>
+            <a:avLst/>
+            <a:gdLst/>
+            <a:ahLst/>
+            <a:cxnLst/>
+            <a:rect l="l" t="t" r="r" b="b"/>
+            <a:pathLst>
+              <a:path w="2962909" h="485775">
+                <a:moveTo>
+                  <a:pt x="0" y="0"/>
+                </a:moveTo>
+                <a:lnTo>
+                  <a:pt x="2962913" y="0"/>
+                </a:lnTo>
+                <a:lnTo>
+                  <a:pt x="2962913" y="485774"/>
+                </a:lnTo>
+                <a:lnTo>
+                  <a:pt x="0" y="485774"/>
+                </a:lnTo>
+                <a:lnTo>
+                  <a:pt x="0" y="0"/>
+                </a:lnTo>
+                <a:close/>
+              </a:path>
+            </a:pathLst>
+          </a:custGeom>
+          <a:solidFill>
+            <a:srgbClr val="083169"/>
+          </a:solidFill>
+        </p:spPr>
+        <p:txBody>
+          <a:bodyPr wrap="square" lIns="0" tIns="0" rIns="0" bIns="0" rtlCol="0"/>
+          <a:lstStyle/>
+          <a:p>
+            <a:endParaRPr/>
+          </a:p>
+        </p:txBody>
+      </p:sp>
+      <p:sp>
+        <p:nvSpPr>
+          <p:cNvPr id="19" name="object 19"/>
+          <p:cNvSpPr/>
+          <p:nvPr/>
+        </p:nvSpPr>
+        <p:spPr>
+          <a:xfrm>
+            <a:off x="14603758" y="6999076"/>
+            <a:ext cx="1981200" cy="485775"/>
+          </a:xfrm>
+          <a:custGeom>
+            <a:avLst/>
+            <a:gdLst/>
+            <a:ahLst/>
+            <a:cxnLst/>
+            <a:rect l="l" t="t" r="r" b="b"/>
+            <a:pathLst>
+              <a:path w="1981200" h="485775">
+                <a:moveTo>
+                  <a:pt x="0" y="0"/>
+                </a:moveTo>
+                <a:lnTo>
+                  <a:pt x="1980882" y="0"/>
+                </a:lnTo>
+                <a:lnTo>
+                  <a:pt x="1980882" y="485774"/>
+                </a:lnTo>
+                <a:lnTo>
+                  <a:pt x="0" y="485774"/>
+                </a:lnTo>
+                <a:lnTo>
+                  <a:pt x="0" y="0"/>
+                </a:lnTo>
+                <a:close/>
+              </a:path>
+            </a:pathLst>
+          </a:custGeom>
+          <a:solidFill>
+            <a:srgbClr val="CF6E37"/>
+          </a:solidFill>
+        </p:spPr>
+        <p:txBody>
+          <a:bodyPr wrap="square" lIns="0" tIns="0" rIns="0" bIns="0" rtlCol="0"/>
+          <a:lstStyle/>
+          <a:p>
+            <a:endParaRPr/>
+          </a:p>
+        </p:txBody>
+      </p:sp>
+      <p:sp>
+        <p:nvSpPr>
+          <p:cNvPr id="20" name="object 20"/>
+          <p:cNvSpPr/>
+          <p:nvPr/>
+        </p:nvSpPr>
+        <p:spPr>
+          <a:xfrm>
+            <a:off x="15598404" y="7592505"/>
+            <a:ext cx="986790" cy="485775"/>
+          </a:xfrm>
+          <a:custGeom>
+            <a:avLst/>
+            <a:gdLst/>
+            <a:ahLst/>
+            <a:cxnLst/>
+            <a:rect l="l" t="t" r="r" b="b"/>
+            <a:pathLst>
+              <a:path w="986790" h="485775">
+                <a:moveTo>
+                  <a:pt x="0" y="0"/>
+                </a:moveTo>
+                <a:lnTo>
+                  <a:pt x="986236" y="0"/>
+                </a:lnTo>
+                <a:lnTo>
+                  <a:pt x="986236" y="485774"/>
+                </a:lnTo>
+                <a:lnTo>
+                  <a:pt x="0" y="485774"/>
+                </a:lnTo>
+                <a:lnTo>
+                  <a:pt x="0" y="0"/>
+                </a:lnTo>
+                <a:close/>
+              </a:path>
+            </a:pathLst>
+          </a:custGeom>
+          <a:solidFill>
+            <a:srgbClr val="FF5757"/>
+          </a:solidFill>
+        </p:spPr>
+        <p:txBody>
+          <a:bodyPr wrap="square" lIns="0" tIns="0" rIns="0" bIns="0" rtlCol="0"/>
+          <a:lstStyle/>
+          <a:p>
+            <a:endParaRPr/>
+          </a:p>
+        </p:txBody>
+      </p:sp>
+      <p:sp>
+        <p:nvSpPr>
+          <p:cNvPr id="21" name="object 21"/>
+          <p:cNvSpPr/>
+          <p:nvPr/>
+        </p:nvSpPr>
+        <p:spPr>
+          <a:xfrm>
+            <a:off x="10645367" y="5217007"/>
+            <a:ext cx="3966845" cy="485775"/>
+          </a:xfrm>
+          <a:custGeom>
+            <a:avLst/>
+            <a:gdLst/>
+            <a:ahLst/>
+            <a:cxnLst/>
+            <a:rect l="l" t="t" r="r" b="b"/>
+            <a:pathLst>
+              <a:path w="3966844" h="485775">
+                <a:moveTo>
+                  <a:pt x="0" y="0"/>
+                </a:moveTo>
+                <a:lnTo>
+                  <a:pt x="3966800" y="0"/>
+                </a:lnTo>
+                <a:lnTo>
+                  <a:pt x="3966800" y="485774"/>
+                </a:lnTo>
+                <a:lnTo>
+                  <a:pt x="0" y="485774"/>
+                </a:lnTo>
+                <a:lnTo>
+                  <a:pt x="0" y="0"/>
+                </a:lnTo>
+                <a:close/>
+              </a:path>
+            </a:pathLst>
+          </a:custGeom>
+          <a:solidFill>
+            <a:srgbClr val="FFDE58"/>
+          </a:solidFill>
+        </p:spPr>
+        <p:txBody>
+          <a:bodyPr wrap="square" lIns="0" tIns="0" rIns="0" bIns="0" rtlCol="0"/>
+          <a:lstStyle/>
+          <a:p>
+            <a:endParaRPr/>
+          </a:p>
+        </p:txBody>
+      </p:sp>
+      <p:sp>
+        <p:nvSpPr>
+          <p:cNvPr id="23" name="object 23"/>
+          <p:cNvSpPr txBox="1">
+            <a:spLocks noGrp="1"/>
+          </p:cNvSpPr>
+          <p:nvPr>
+            <p:ph type="title"/>
+          </p:nvPr>
+        </p:nvSpPr>
+        <p:spPr>
+          <a:xfrm>
+            <a:off x="1690658" y="330403"/>
+            <a:ext cx="7388225" cy="1259840"/>
+          </a:xfrm>
+          <a:prstGeom prst="rect">
+            <a:avLst/>
+          </a:prstGeom>
+        </p:spPr>
+        <p:txBody>
+          <a:bodyPr vert="horz" wrap="square" lIns="0" tIns="12700" rIns="0" bIns="0" rtlCol="0">
+            <a:spAutoFit/>
+          </a:bodyPr>
+          <a:lstStyle/>
+          <a:p>
+            <a:pPr marL="12700">
+              <a:lnSpc>
+                <a:spcPct val="100000"/>
+              </a:lnSpc>
+              <a:spcBef>
+                <a:spcPts val="100"/>
+              </a:spcBef>
+            </a:pPr>
+            <a:r>
+              <a:rPr spc="-475" dirty="0"/>
+              <a:t>Project</a:t>
+            </a:r>
+            <a:r>
+              <a:rPr spc="-725" dirty="0"/>
+              <a:t> </a:t>
+            </a:r>
+            <a:r>
+              <a:rPr spc="-450" dirty="0"/>
+              <a:t>Traction</a:t>
+            </a:r>
+          </a:p>
+        </p:txBody>
+      </p:sp>
+      <p:sp>
+        <p:nvSpPr>
+          <p:cNvPr id="24" name="object 24"/>
+          <p:cNvSpPr/>
+          <p:nvPr/>
+        </p:nvSpPr>
+        <p:spPr>
+          <a:xfrm>
+            <a:off x="0" y="8998522"/>
+            <a:ext cx="18286095" cy="1289050"/>
+          </a:xfrm>
+          <a:custGeom>
+            <a:avLst/>
+            <a:gdLst/>
+            <a:ahLst/>
+            <a:cxnLst/>
+            <a:rect l="l" t="t" r="r" b="b"/>
+            <a:pathLst>
+              <a:path w="18286095" h="1289050">
+                <a:moveTo>
+                  <a:pt x="18285982" y="1288477"/>
+                </a:moveTo>
+                <a:lnTo>
+                  <a:pt x="0" y="1288477"/>
+                </a:lnTo>
+                <a:lnTo>
+                  <a:pt x="0" y="0"/>
+                </a:lnTo>
+                <a:lnTo>
+                  <a:pt x="18285982" y="0"/>
+                </a:lnTo>
+                <a:lnTo>
+                  <a:pt x="18285982" y="1288477"/>
+                </a:lnTo>
+                <a:close/>
+              </a:path>
+            </a:pathLst>
+          </a:custGeom>
+          <a:solidFill>
+            <a:srgbClr val="8F113D"/>
+          </a:solidFill>
+        </p:spPr>
+        <p:txBody>
+          <a:bodyPr wrap="square" lIns="0" tIns="0" rIns="0" bIns="0" rtlCol="0"/>
+          <a:lstStyle/>
+          <a:p>
+            <a:endParaRPr/>
+          </a:p>
+        </p:txBody>
+      </p:sp>
+      <p:sp>
+        <p:nvSpPr>
+          <p:cNvPr id="25" name="object 25"/>
+          <p:cNvSpPr txBox="1"/>
+          <p:nvPr/>
+        </p:nvSpPr>
+        <p:spPr>
+          <a:xfrm>
+            <a:off x="17534146" y="9481161"/>
+            <a:ext cx="328295" cy="360680"/>
+          </a:xfrm>
+          <a:prstGeom prst="rect">
+            <a:avLst/>
+          </a:prstGeom>
+        </p:spPr>
+        <p:txBody>
+          <a:bodyPr vert="horz" wrap="square" lIns="0" tIns="12700" rIns="0" bIns="0" rtlCol="0">
+            <a:spAutoFit/>
+          </a:bodyPr>
+          <a:lstStyle/>
+          <a:p>
+            <a:pPr marL="12700">
+              <a:lnSpc>
+                <a:spcPct val="100000"/>
+              </a:lnSpc>
+              <a:spcBef>
+                <a:spcPts val="100"/>
+              </a:spcBef>
+            </a:pPr>
+            <a:r>
+              <a:rPr sz="2200" b="1" spc="-190" dirty="0">
+                <a:latin typeface="Tahoma"/>
+                <a:cs typeface="Tahoma"/>
+              </a:rPr>
+              <a:t>23</a:t>
+            </a:r>
+            <a:endParaRPr sz="2200">
+              <a:latin typeface="Tahoma"/>
+              <a:cs typeface="Tahoma"/>
+            </a:endParaRPr>
+          </a:p>
+        </p:txBody>
+      </p:sp>
     </p:spTree>
   </p:cSld>
   <p:clrMapOvr>

--- a/PLP Standard Pitch Deck_Given_Teboho_Ikaneng.pptx
+++ b/PLP Standard Pitch Deck_Given_Teboho_Ikaneng.pptx
@@ -10323,7 +10323,7 @@
         <p:spPr>
           <a:xfrm>
             <a:off x="3093024" y="2512131"/>
-            <a:ext cx="4408805" cy="513080"/>
+            <a:ext cx="12451776" cy="7214796"/>
           </a:xfrm>
           <a:prstGeom prst="rect">
             <a:avLst/>
@@ -10335,88 +10335,28 @@
           </a:bodyPr>
           <a:lstStyle/>
           <a:p>
-            <a:pPr marL="12700">
-              <a:lnSpc>
-                <a:spcPct val="100000"/>
-              </a:lnSpc>
-              <a:spcBef>
-                <a:spcPts val="100"/>
-              </a:spcBef>
-            </a:pPr>
-            <a:r>
-              <a:rPr sz="3200" spc="-40" dirty="0">
-                <a:solidFill>
-                  <a:srgbClr val="8F113D"/>
-                </a:solidFill>
-                <a:latin typeface="Tahoma"/>
-                <a:cs typeface="Tahoma"/>
+            <a:r>
+              <a:rPr lang="en-GB" sz="3600" dirty="0" smtClean="0"/>
+              <a:t>I have a broad background in computer systems, which has exposed me to a variety of tech fields such as networking, operating systems, software engineering, digital systems, and electronics. This diverse experience has allowed me to develop a unique skill set, enabling me to approach problems from multiple perspectives.</a:t>
+            </a:r>
+          </a:p>
+          <a:p>
+            <a:r>
+              <a:rPr lang="en-GB" sz="3600" dirty="0" smtClean="0"/>
+              <a:t>One of my strengths is my ability to work across different domains. For example, I’m comfortable navigating between hardware and software, which makes me versatile and adaptable in handling complex projects. I’ve </a:t>
+            </a:r>
+            <a:r>
+              <a:rPr lang="en-GB" sz="3600" dirty="0" smtClean="0">
+                <a:latin typeface="Times New Roman" pitchFamily="18" charset="0"/>
+                <a:cs typeface="Times New Roman" pitchFamily="18" charset="0"/>
               </a:rPr>
-              <a:t>What</a:t>
-            </a:r>
-            <a:r>
-              <a:rPr sz="3200" spc="-320" dirty="0">
-                <a:solidFill>
-                  <a:srgbClr val="8F113D"/>
-                </a:solidFill>
-                <a:latin typeface="Tahoma"/>
-                <a:cs typeface="Tahoma"/>
-              </a:rPr>
-              <a:t> </a:t>
-            </a:r>
-            <a:r>
-              <a:rPr sz="3200" dirty="0">
-                <a:solidFill>
-                  <a:srgbClr val="8F113D"/>
-                </a:solidFill>
-                <a:latin typeface="Tahoma"/>
-                <a:cs typeface="Tahoma"/>
-              </a:rPr>
-              <a:t>makes</a:t>
-            </a:r>
-            <a:r>
-              <a:rPr sz="3200" spc="-315" dirty="0">
-                <a:solidFill>
-                  <a:srgbClr val="8F113D"/>
-                </a:solidFill>
-                <a:latin typeface="Tahoma"/>
-                <a:cs typeface="Tahoma"/>
-              </a:rPr>
-              <a:t> </a:t>
-            </a:r>
-            <a:r>
-              <a:rPr sz="3200" spc="-50" dirty="0">
-                <a:solidFill>
-                  <a:srgbClr val="8F113D"/>
-                </a:solidFill>
-                <a:latin typeface="Tahoma"/>
-                <a:cs typeface="Tahoma"/>
-              </a:rPr>
-              <a:t>you</a:t>
-            </a:r>
-            <a:r>
-              <a:rPr sz="3200" spc="-315" dirty="0">
-                <a:solidFill>
-                  <a:srgbClr val="8F113D"/>
-                </a:solidFill>
-                <a:latin typeface="Tahoma"/>
-                <a:cs typeface="Tahoma"/>
-              </a:rPr>
-              <a:t> </a:t>
-            </a:r>
-            <a:r>
-              <a:rPr sz="3200" spc="-10" dirty="0">
-                <a:solidFill>
-                  <a:srgbClr val="8F113D"/>
-                </a:solidFill>
-                <a:latin typeface="Tahoma"/>
-                <a:cs typeface="Tahoma"/>
-              </a:rPr>
-              <a:t>unique?</a:t>
-            </a:r>
-            <a:endParaRPr sz="3200">
-              <a:latin typeface="Tahoma"/>
-              <a:cs typeface="Tahoma"/>
-            </a:endParaRPr>
+              <a:t>developed</a:t>
+            </a:r>
+            <a:r>
+              <a:rPr lang="en-GB" sz="3600" dirty="0" smtClean="0"/>
+              <a:t> the ability to understand how different systems interact, whether it’s a digital system's hardware components or the software that makes everything run smoothly.</a:t>
+            </a:r>
+            <a:endParaRPr lang="en-GB" sz="3600" dirty="0"/>
           </a:p>
         </p:txBody>
       </p:sp>
